--- a/clase 6/Capacitación Maratones.pptx
+++ b/clase 6/Capacitación Maratones.pptx
@@ -5,66 +5,69 @@
     <p:sldMasterId id="2147483670" r:id="rId1"/>
   </p:sldMasterIdLst>
   <p:notesMasterIdLst>
-    <p:notesMasterId r:id="rId12"/>
+    <p:notesMasterId r:id="rId15"/>
   </p:notesMasterIdLst>
   <p:sldIdLst>
     <p:sldId id="340" r:id="rId2"/>
     <p:sldId id="394" r:id="rId3"/>
     <p:sldId id="385" r:id="rId4"/>
-    <p:sldId id="399" r:id="rId5"/>
-    <p:sldId id="405" r:id="rId6"/>
-    <p:sldId id="406" r:id="rId7"/>
-    <p:sldId id="390" r:id="rId8"/>
-    <p:sldId id="398" r:id="rId9"/>
-    <p:sldId id="400" r:id="rId10"/>
-    <p:sldId id="276" r:id="rId11"/>
+    <p:sldId id="407" r:id="rId5"/>
+    <p:sldId id="408" r:id="rId6"/>
+    <p:sldId id="409" r:id="rId7"/>
+    <p:sldId id="410" r:id="rId8"/>
+    <p:sldId id="411" r:id="rId9"/>
+    <p:sldId id="412" r:id="rId10"/>
+    <p:sldId id="413" r:id="rId11"/>
+    <p:sldId id="414" r:id="rId12"/>
+    <p:sldId id="415" r:id="rId13"/>
+    <p:sldId id="276" r:id="rId14"/>
   </p:sldIdLst>
   <p:sldSz cx="9144000" cy="5143500" type="screen16x9"/>
   <p:notesSz cx="6858000" cy="9144000"/>
   <p:embeddedFontLst>
     <p:embeddedFont>
       <p:font typeface="Abadi" panose="020B0604020104020204" pitchFamily="34" charset="0"/>
-      <p:regular r:id="rId13"/>
+      <p:regular r:id="rId16"/>
     </p:embeddedFont>
     <p:embeddedFont>
       <p:font typeface="Anaheim" panose="020B0604020202020204" charset="0"/>
-      <p:regular r:id="rId14"/>
+      <p:regular r:id="rId17"/>
     </p:embeddedFont>
     <p:embeddedFont>
       <p:font typeface="Bahnschrift" panose="020B0502040204020203" pitchFamily="34" charset="0"/>
-      <p:regular r:id="rId15"/>
-      <p:bold r:id="rId16"/>
+      <p:regular r:id="rId18"/>
+      <p:bold r:id="rId19"/>
     </p:embeddedFont>
     <p:embeddedFont>
       <p:font typeface="Bahnschrift Light" panose="020B0502040204020203" pitchFamily="34" charset="0"/>
-      <p:regular r:id="rId17"/>
+      <p:regular r:id="rId20"/>
     </p:embeddedFont>
     <p:embeddedFont>
       <p:font typeface="Cambria Math" panose="02040503050406030204" pitchFamily="18" charset="0"/>
-      <p:regular r:id="rId18"/>
+      <p:regular r:id="rId21"/>
     </p:embeddedFont>
     <p:embeddedFont>
       <p:font typeface="Josefin Sans" pitchFamily="2" charset="0"/>
-      <p:regular r:id="rId19"/>
-      <p:bold r:id="rId20"/>
-      <p:italic r:id="rId21"/>
-      <p:boldItalic r:id="rId22"/>
+      <p:regular r:id="rId22"/>
+      <p:bold r:id="rId23"/>
+      <p:italic r:id="rId24"/>
+      <p:boldItalic r:id="rId25"/>
     </p:embeddedFont>
     <p:embeddedFont>
       <p:font typeface="Josefin Slab" pitchFamily="2" charset="0"/>
-      <p:regular r:id="rId23"/>
-      <p:bold r:id="rId24"/>
-      <p:italic r:id="rId25"/>
-      <p:boldItalic r:id="rId26"/>
+      <p:regular r:id="rId26"/>
+      <p:bold r:id="rId27"/>
+      <p:italic r:id="rId28"/>
+      <p:boldItalic r:id="rId29"/>
     </p:embeddedFont>
     <p:embeddedFont>
       <p:font typeface="Josefin Slab SemiBold" pitchFamily="2" charset="0"/>
-      <p:bold r:id="rId27"/>
-      <p:boldItalic r:id="rId28"/>
+      <p:bold r:id="rId30"/>
+      <p:boldItalic r:id="rId31"/>
     </p:embeddedFont>
     <p:embeddedFont>
       <p:font typeface="Staatliches" panose="020B0604020202020204" charset="0"/>
-      <p:regular r:id="rId29"/>
+      <p:regular r:id="rId32"/>
     </p:embeddedFont>
   </p:embeddedFontLst>
   <p:defaultTextStyle>
@@ -328,58 +331,6 @@
     </p:ext>
   </p:extLst>
 </p:presentation>
-</file>
-
-<file path=ppt/ink/ink1.xml><?xml version="1.0" encoding="utf-8"?>
-<inkml:ink xmlns:inkml="http://www.w3.org/2003/InkML">
-  <inkml:definitions>
-    <inkml:context xml:id="ctx0">
-      <inkml:inkSource xml:id="inkSrc0">
-        <inkml:traceFormat>
-          <inkml:channel name="X" type="integer" min="-2.14748E9" max="2.14748E9" units="cm"/>
-          <inkml:channel name="Y" type="integer" min="-2.14748E9" max="2.14748E9" units="cm"/>
-        </inkml:traceFormat>
-        <inkml:channelProperties>
-          <inkml:channelProperty channel="X" name="resolution" value="1000" units="1/cm"/>
-          <inkml:channelProperty channel="Y" name="resolution" value="1000" units="1/cm"/>
-        </inkml:channelProperties>
-      </inkml:inkSource>
-      <inkml:timestamp xml:id="ts0" timeString="2021-12-01T19:20:12.375"/>
-    </inkml:context>
-    <inkml:brush xml:id="br0">
-      <inkml:brushProperty name="width" value="0.05" units="cm"/>
-      <inkml:brushProperty name="height" value="0.05" units="cm"/>
-      <inkml:brushProperty name="ignorePressure" value="1"/>
-    </inkml:brush>
-  </inkml:definitions>
-  <inkml:trace contextRef="#ctx0" brushRef="#br0">1 1,'1230'1230,"-1218"-1218</inkml:trace>
-</inkml:ink>
-</file>
-
-<file path=ppt/ink/ink2.xml><?xml version="1.0" encoding="utf-8"?>
-<inkml:ink xmlns:inkml="http://www.w3.org/2003/InkML">
-  <inkml:definitions>
-    <inkml:context xml:id="ctx0">
-      <inkml:inkSource xml:id="inkSrc0">
-        <inkml:traceFormat>
-          <inkml:channel name="X" type="integer" min="-2.14748E9" max="2.14748E9" units="cm"/>
-          <inkml:channel name="Y" type="integer" min="-2.14748E9" max="2.14748E9" units="cm"/>
-        </inkml:traceFormat>
-        <inkml:channelProperties>
-          <inkml:channelProperty channel="X" name="resolution" value="1000" units="1/cm"/>
-          <inkml:channelProperty channel="Y" name="resolution" value="1000" units="1/cm"/>
-        </inkml:channelProperties>
-      </inkml:inkSource>
-      <inkml:timestamp xml:id="ts0" timeString="2021-12-01T19:20:38.247"/>
-    </inkml:context>
-    <inkml:brush xml:id="br0">
-      <inkml:brushProperty name="width" value="0.05" units="cm"/>
-      <inkml:brushProperty name="height" value="0.05" units="cm"/>
-      <inkml:brushProperty name="ignorePressure" value="1"/>
-    </inkml:brush>
-  </inkml:definitions>
-  <inkml:trace contextRef="#ctx0" brushRef="#br0">1 1,'1230'1230,"-1218"-1218</inkml:trace>
-</inkml:ink>
 </file>
 
 <file path=ppt/notesMasters/notesMaster1.xml><?xml version="1.0" encoding="utf-8"?>
@@ -933,224 +884,6 @@
 </file>
 
 <file path=ppt/notesSlides/notesSlide2.xml><?xml version="1.0" encoding="utf-8"?>
-<p:notes xmlns:a="http://schemas.openxmlformats.org/drawingml/2006/main" xmlns:r="http://schemas.openxmlformats.org/officeDocument/2006/relationships" xmlns:p="http://schemas.openxmlformats.org/presentationml/2006/main" showMasterSp="0" showMasterPhAnim="0">
-  <p:cSld>
-    <p:spTree>
-      <p:nvGrpSpPr>
-        <p:cNvPr id="1" name="Shape 136"/>
-        <p:cNvGrpSpPr/>
-        <p:nvPr/>
-      </p:nvGrpSpPr>
-      <p:grpSpPr>
-        <a:xfrm>
-          <a:off x="0" y="0"/>
-          <a:ext cx="0" cy="0"/>
-          <a:chOff x="0" y="0"/>
-          <a:chExt cx="0" cy="0"/>
-        </a:xfrm>
-      </p:grpSpPr>
-      <p:sp>
-        <p:nvSpPr>
-          <p:cNvPr id="137" name="Google Shape;137;g4dfce81f19_0_45:notes"/>
-          <p:cNvSpPr>
-            <a:spLocks noGrp="1" noRot="1" noChangeAspect="1"/>
-          </p:cNvSpPr>
-          <p:nvPr>
-            <p:ph type="sldImg" idx="2"/>
-          </p:nvPr>
-        </p:nvSpPr>
-        <p:spPr>
-          <a:xfrm>
-            <a:off x="381000" y="685800"/>
-            <a:ext cx="6096000" cy="3429000"/>
-          </a:xfrm>
-          <a:custGeom>
-            <a:avLst/>
-            <a:gdLst/>
-            <a:ahLst/>
-            <a:cxnLst/>
-            <a:rect l="l" t="t" r="r" b="b"/>
-            <a:pathLst>
-              <a:path w="120000" h="120000" extrusionOk="0">
-                <a:moveTo>
-                  <a:pt x="0" y="0"/>
-                </a:moveTo>
-                <a:lnTo>
-                  <a:pt x="120000" y="0"/>
-                </a:lnTo>
-                <a:lnTo>
-                  <a:pt x="120000" y="120000"/>
-                </a:lnTo>
-                <a:lnTo>
-                  <a:pt x="0" y="120000"/>
-                </a:lnTo>
-                <a:close/>
-              </a:path>
-            </a:pathLst>
-          </a:custGeom>
-        </p:spPr>
-      </p:sp>
-      <p:sp>
-        <p:nvSpPr>
-          <p:cNvPr id="138" name="Google Shape;138;g4dfce81f19_0_45:notes"/>
-          <p:cNvSpPr txBox="1">
-            <a:spLocks noGrp="1"/>
-          </p:cNvSpPr>
-          <p:nvPr>
-            <p:ph type="body" idx="1"/>
-          </p:nvPr>
-        </p:nvSpPr>
-        <p:spPr>
-          <a:xfrm>
-            <a:off x="685800" y="4343400"/>
-            <a:ext cx="5486400" cy="4114800"/>
-          </a:xfrm>
-          <a:prstGeom prst="rect">
-            <a:avLst/>
-          </a:prstGeom>
-        </p:spPr>
-        <p:txBody>
-          <a:bodyPr spcFirstLastPara="1" wrap="square" lIns="91425" tIns="91425" rIns="91425" bIns="91425" anchor="t" anchorCtr="0">
-            <a:noAutofit/>
-          </a:bodyPr>
-          <a:lstStyle/>
-          <a:p>
-            <a:pPr marL="0" lvl="0" indent="0" algn="l" rtl="0">
-              <a:spcBef>
-                <a:spcPts val="0"/>
-              </a:spcBef>
-              <a:spcAft>
-                <a:spcPts val="0"/>
-              </a:spcAft>
-              <a:buNone/>
-            </a:pPr>
-            <a:endParaRPr/>
-          </a:p>
-        </p:txBody>
-      </p:sp>
-    </p:spTree>
-    <p:extLst>
-      <p:ext uri="{BB962C8B-B14F-4D97-AF65-F5344CB8AC3E}">
-        <p14:creationId xmlns:p14="http://schemas.microsoft.com/office/powerpoint/2010/main" val="752451786"/>
-      </p:ext>
-    </p:extLst>
-  </p:cSld>
-  <p:clrMapOvr>
-    <a:masterClrMapping/>
-  </p:clrMapOvr>
-</p:notes>
-</file>
-
-<file path=ppt/notesSlides/notesSlide3.xml><?xml version="1.0" encoding="utf-8"?>
-<p:notes xmlns:a="http://schemas.openxmlformats.org/drawingml/2006/main" xmlns:r="http://schemas.openxmlformats.org/officeDocument/2006/relationships" xmlns:p="http://schemas.openxmlformats.org/presentationml/2006/main" showMasterSp="0" showMasterPhAnim="0">
-  <p:cSld>
-    <p:spTree>
-      <p:nvGrpSpPr>
-        <p:cNvPr id="1" name="Shape 136"/>
-        <p:cNvGrpSpPr/>
-        <p:nvPr/>
-      </p:nvGrpSpPr>
-      <p:grpSpPr>
-        <a:xfrm>
-          <a:off x="0" y="0"/>
-          <a:ext cx="0" cy="0"/>
-          <a:chOff x="0" y="0"/>
-          <a:chExt cx="0" cy="0"/>
-        </a:xfrm>
-      </p:grpSpPr>
-      <p:sp>
-        <p:nvSpPr>
-          <p:cNvPr id="137" name="Google Shape;137;g4dfce81f19_0_45:notes"/>
-          <p:cNvSpPr>
-            <a:spLocks noGrp="1" noRot="1" noChangeAspect="1"/>
-          </p:cNvSpPr>
-          <p:nvPr>
-            <p:ph type="sldImg" idx="2"/>
-          </p:nvPr>
-        </p:nvSpPr>
-        <p:spPr>
-          <a:xfrm>
-            <a:off x="381000" y="685800"/>
-            <a:ext cx="6096000" cy="3429000"/>
-          </a:xfrm>
-          <a:custGeom>
-            <a:avLst/>
-            <a:gdLst/>
-            <a:ahLst/>
-            <a:cxnLst/>
-            <a:rect l="l" t="t" r="r" b="b"/>
-            <a:pathLst>
-              <a:path w="120000" h="120000" extrusionOk="0">
-                <a:moveTo>
-                  <a:pt x="0" y="0"/>
-                </a:moveTo>
-                <a:lnTo>
-                  <a:pt x="120000" y="0"/>
-                </a:lnTo>
-                <a:lnTo>
-                  <a:pt x="120000" y="120000"/>
-                </a:lnTo>
-                <a:lnTo>
-                  <a:pt x="0" y="120000"/>
-                </a:lnTo>
-                <a:close/>
-              </a:path>
-            </a:pathLst>
-          </a:custGeom>
-        </p:spPr>
-      </p:sp>
-      <p:sp>
-        <p:nvSpPr>
-          <p:cNvPr id="138" name="Google Shape;138;g4dfce81f19_0_45:notes"/>
-          <p:cNvSpPr txBox="1">
-            <a:spLocks noGrp="1"/>
-          </p:cNvSpPr>
-          <p:nvPr>
-            <p:ph type="body" idx="1"/>
-          </p:nvPr>
-        </p:nvSpPr>
-        <p:spPr>
-          <a:xfrm>
-            <a:off x="685800" y="4343400"/>
-            <a:ext cx="5486400" cy="4114800"/>
-          </a:xfrm>
-          <a:prstGeom prst="rect">
-            <a:avLst/>
-          </a:prstGeom>
-        </p:spPr>
-        <p:txBody>
-          <a:bodyPr spcFirstLastPara="1" wrap="square" lIns="91425" tIns="91425" rIns="91425" bIns="91425" anchor="t" anchorCtr="0">
-            <a:noAutofit/>
-          </a:bodyPr>
-          <a:lstStyle/>
-          <a:p>
-            <a:pPr marL="0" lvl="0" indent="0" algn="l" rtl="0">
-              <a:spcBef>
-                <a:spcPts val="0"/>
-              </a:spcBef>
-              <a:spcAft>
-                <a:spcPts val="0"/>
-              </a:spcAft>
-              <a:buNone/>
-            </a:pPr>
-            <a:endParaRPr/>
-          </a:p>
-        </p:txBody>
-      </p:sp>
-    </p:spTree>
-    <p:extLst>
-      <p:ext uri="{BB962C8B-B14F-4D97-AF65-F5344CB8AC3E}">
-        <p14:creationId xmlns:p14="http://schemas.microsoft.com/office/powerpoint/2010/main" val="219076219"/>
-      </p:ext>
-    </p:extLst>
-  </p:cSld>
-  <p:clrMapOvr>
-    <a:masterClrMapping/>
-  </p:clrMapOvr>
-</p:notes>
-</file>
-
-<file path=ppt/notesSlides/notesSlide4.xml><?xml version="1.0" encoding="utf-8"?>
 <p:notes xmlns:a="http://schemas.openxmlformats.org/drawingml/2006/main" xmlns:r="http://schemas.openxmlformats.org/officeDocument/2006/relationships" xmlns:p="http://schemas.openxmlformats.org/presentationml/2006/main" showMasterSp="0" showMasterPhAnim="0">
   <p:cSld>
     <p:spTree>
@@ -4846,6 +4579,1136 @@
 <file path=ppt/slides/slide10.xml><?xml version="1.0" encoding="utf-8"?>
 <p:sld xmlns:a="http://schemas.openxmlformats.org/drawingml/2006/main" xmlns:r="http://schemas.openxmlformats.org/officeDocument/2006/relationships" xmlns:p="http://schemas.openxmlformats.org/presentationml/2006/main">
   <p:cSld>
+    <p:spTree>
+      <p:nvGrpSpPr>
+        <p:cNvPr id="1" name=""/>
+        <p:cNvGrpSpPr/>
+        <p:nvPr/>
+      </p:nvGrpSpPr>
+      <p:grpSpPr>
+        <a:xfrm>
+          <a:off x="0" y="0"/>
+          <a:ext cx="0" cy="0"/>
+          <a:chOff x="0" y="0"/>
+          <a:chExt cx="0" cy="0"/>
+        </a:xfrm>
+      </p:grpSpPr>
+      <p:sp>
+        <p:nvSpPr>
+          <p:cNvPr id="2" name="Subtítulo 1">
+            <a:extLst>
+              <a:ext uri="{FF2B5EF4-FFF2-40B4-BE49-F238E27FC236}">
+                <a16:creationId xmlns:a16="http://schemas.microsoft.com/office/drawing/2014/main" id="{29A75048-B2F8-4A8B-9645-CF6D9A7AE10B}"/>
+              </a:ext>
+            </a:extLst>
+          </p:cNvPr>
+          <p:cNvSpPr>
+            <a:spLocks noGrp="1"/>
+          </p:cNvSpPr>
+          <p:nvPr>
+            <p:ph type="subTitle" idx="1"/>
+          </p:nvPr>
+        </p:nvSpPr>
+        <p:spPr>
+          <a:xfrm flipH="1">
+            <a:off x="4008219" y="2630916"/>
+            <a:ext cx="4840506" cy="845102"/>
+          </a:xfrm>
+        </p:spPr>
+        <p:txBody>
+          <a:bodyPr/>
+          <a:lstStyle/>
+          <a:p>
+            <a:pPr marL="152400" indent="0" algn="just">
+              <a:buNone/>
+            </a:pPr>
+            <a:r>
+              <a:rPr lang="es-CO" sz="1200" dirty="0">
+                <a:latin typeface="Abadi" panose="020B0604020104020204" pitchFamily="34" charset="0"/>
+              </a:rPr>
+              <a:t>Solo es hallar la distancia euclídea entre cada par de puntos de izquierda a derecha</a:t>
+            </a:r>
+          </a:p>
+          <a:p>
+            <a:pPr marL="152400" indent="0" algn="just">
+              <a:buNone/>
+            </a:pPr>
+            <a:endParaRPr lang="es-CO" sz="1200" dirty="0">
+              <a:latin typeface="Abadi" panose="020B0604020104020204" pitchFamily="34" charset="0"/>
+            </a:endParaRPr>
+          </a:p>
+        </p:txBody>
+      </p:sp>
+      <p:pic>
+        <p:nvPicPr>
+          <p:cNvPr id="4" name="Picture 4" descr="Símbolos Universitarios – Universidad de Nariño">
+            <a:extLst>
+              <a:ext uri="{FF2B5EF4-FFF2-40B4-BE49-F238E27FC236}">
+                <a16:creationId xmlns:a16="http://schemas.microsoft.com/office/drawing/2014/main" id="{0B2EA667-CB57-4DF8-BB35-E9AFDF367C2B}"/>
+              </a:ext>
+            </a:extLst>
+          </p:cNvPr>
+          <p:cNvPicPr>
+            <a:picLocks noChangeAspect="1" noChangeArrowheads="1"/>
+          </p:cNvPicPr>
+          <p:nvPr/>
+        </p:nvPicPr>
+        <p:blipFill>
+          <a:blip r:embed="rId2">
+            <a:extLst>
+              <a:ext uri="{28A0092B-C50C-407E-A947-70E740481C1C}">
+                <a14:useLocalDpi xmlns:a14="http://schemas.microsoft.com/office/drawing/2010/main" val="0"/>
+              </a:ext>
+            </a:extLst>
+          </a:blip>
+          <a:srcRect/>
+          <a:stretch>
+            <a:fillRect/>
+          </a:stretch>
+        </p:blipFill>
+        <p:spPr bwMode="auto">
+          <a:xfrm>
+            <a:off x="261990" y="192093"/>
+            <a:ext cx="660961" cy="660961"/>
+          </a:xfrm>
+          <a:prstGeom prst="rect">
+            <a:avLst/>
+          </a:prstGeom>
+          <a:noFill/>
+          <a:extLst>
+            <a:ext uri="{909E8E84-426E-40DD-AFC4-6F175D3DCCD1}">
+              <a14:hiddenFill xmlns:a14="http://schemas.microsoft.com/office/drawing/2010/main">
+                <a:solidFill>
+                  <a:srgbClr val="FFFFFF"/>
+                </a:solidFill>
+              </a14:hiddenFill>
+            </a:ext>
+          </a:extLst>
+        </p:spPr>
+      </p:pic>
+      <p:pic>
+        <p:nvPicPr>
+          <p:cNvPr id="5" name="Imagen 4">
+            <a:extLst>
+              <a:ext uri="{FF2B5EF4-FFF2-40B4-BE49-F238E27FC236}">
+                <a16:creationId xmlns:a16="http://schemas.microsoft.com/office/drawing/2014/main" id="{1B46FA37-FA47-4459-8828-383FB697E3AF}"/>
+              </a:ext>
+            </a:extLst>
+          </p:cNvPr>
+          <p:cNvPicPr>
+            <a:picLocks noChangeAspect="1"/>
+          </p:cNvPicPr>
+          <p:nvPr/>
+        </p:nvPicPr>
+        <p:blipFill rotWithShape="1">
+          <a:blip r:embed="rId3"/>
+          <a:srcRect l="53279" t="4713" r="5319"/>
+          <a:stretch/>
+        </p:blipFill>
+        <p:spPr>
+          <a:xfrm>
+            <a:off x="1071372" y="144121"/>
+            <a:ext cx="918577" cy="804385"/>
+          </a:xfrm>
+          <a:prstGeom prst="ellipse">
+            <a:avLst/>
+          </a:prstGeom>
+          <a:ln>
+            <a:noFill/>
+          </a:ln>
+          <a:effectLst>
+            <a:softEdge rad="112500"/>
+          </a:effectLst>
+        </p:spPr>
+      </p:pic>
+      <p:sp>
+        <p:nvSpPr>
+          <p:cNvPr id="6" name="Rectángulo 5">
+            <a:extLst>
+              <a:ext uri="{FF2B5EF4-FFF2-40B4-BE49-F238E27FC236}">
+                <a16:creationId xmlns:a16="http://schemas.microsoft.com/office/drawing/2014/main" id="{EC2D0E56-7D0C-40D0-8E56-B8801C98D13A}"/>
+              </a:ext>
+            </a:extLst>
+          </p:cNvPr>
+          <p:cNvSpPr/>
+          <p:nvPr/>
+        </p:nvSpPr>
+        <p:spPr>
+          <a:xfrm>
+            <a:off x="477806" y="1457325"/>
+            <a:ext cx="3403841" cy="2995613"/>
+          </a:xfrm>
+          <a:prstGeom prst="rect">
+            <a:avLst/>
+          </a:prstGeom>
+          <a:solidFill>
+            <a:srgbClr val="FFFFFF"/>
+          </a:solidFill>
+          <a:ln>
+            <a:solidFill>
+              <a:srgbClr val="BAF7C9"/>
+            </a:solidFill>
+          </a:ln>
+        </p:spPr>
+        <p:style>
+          <a:lnRef idx="2">
+            <a:schemeClr val="accent1">
+              <a:shade val="50000"/>
+            </a:schemeClr>
+          </a:lnRef>
+          <a:fillRef idx="1">
+            <a:schemeClr val="accent1"/>
+          </a:fillRef>
+          <a:effectRef idx="0">
+            <a:schemeClr val="accent1"/>
+          </a:effectRef>
+          <a:fontRef idx="minor">
+            <a:schemeClr val="lt1"/>
+          </a:fontRef>
+        </p:style>
+        <p:txBody>
+          <a:bodyPr rtlCol="0" anchor="ctr"/>
+          <a:lstStyle/>
+          <a:p>
+            <a:pPr algn="ctr"/>
+            <a:endParaRPr lang="es-CO"/>
+          </a:p>
+        </p:txBody>
+      </p:sp>
+      <p:sp>
+        <p:nvSpPr>
+          <p:cNvPr id="10" name="Título 2">
+            <a:extLst>
+              <a:ext uri="{FF2B5EF4-FFF2-40B4-BE49-F238E27FC236}">
+                <a16:creationId xmlns:a16="http://schemas.microsoft.com/office/drawing/2014/main" id="{4B4F06C2-20E6-40C1-BAD4-30FB77130CD3}"/>
+              </a:ext>
+            </a:extLst>
+          </p:cNvPr>
+          <p:cNvSpPr>
+            <a:spLocks noGrp="1"/>
+          </p:cNvSpPr>
+          <p:nvPr>
+            <p:ph type="ctrTitle"/>
+          </p:nvPr>
+        </p:nvSpPr>
+        <p:spPr>
+          <a:xfrm>
+            <a:off x="5653088" y="371475"/>
+            <a:ext cx="3195637" cy="481013"/>
+          </a:xfrm>
+        </p:spPr>
+        <p:txBody>
+          <a:bodyPr/>
+          <a:lstStyle/>
+          <a:p>
+            <a:r>
+              <a:rPr lang="es-CO" dirty="0"/>
+              <a:t>Perímetro de un polígono </a:t>
+            </a:r>
+          </a:p>
+        </p:txBody>
+      </p:sp>
+      <p:pic>
+        <p:nvPicPr>
+          <p:cNvPr id="8" name="Imagen 7" descr="Gráfico, Gráfico de líneas&#10;&#10;Descripción generada automáticamente">
+            <a:extLst>
+              <a:ext uri="{FF2B5EF4-FFF2-40B4-BE49-F238E27FC236}">
+                <a16:creationId xmlns:a16="http://schemas.microsoft.com/office/drawing/2014/main" id="{4D6E1172-4DDE-4315-8D5A-B8525FA350BC}"/>
+              </a:ext>
+            </a:extLst>
+          </p:cNvPr>
+          <p:cNvPicPr>
+            <a:picLocks noChangeAspect="1"/>
+          </p:cNvPicPr>
+          <p:nvPr/>
+        </p:nvPicPr>
+        <p:blipFill>
+          <a:blip r:embed="rId4"/>
+          <a:stretch>
+            <a:fillRect/>
+          </a:stretch>
+        </p:blipFill>
+        <p:spPr>
+          <a:xfrm>
+            <a:off x="474712" y="1508283"/>
+            <a:ext cx="3406935" cy="2893695"/>
+          </a:xfrm>
+          <a:prstGeom prst="rect">
+            <a:avLst/>
+          </a:prstGeom>
+        </p:spPr>
+      </p:pic>
+    </p:spTree>
+    <p:extLst>
+      <p:ext uri="{BB962C8B-B14F-4D97-AF65-F5344CB8AC3E}">
+        <p14:creationId xmlns:p14="http://schemas.microsoft.com/office/powerpoint/2010/main" val="4076815268"/>
+      </p:ext>
+    </p:extLst>
+  </p:cSld>
+  <p:clrMapOvr>
+    <a:masterClrMapping/>
+  </p:clrMapOvr>
+</p:sld>
+</file>
+
+<file path=ppt/slides/slide11.xml><?xml version="1.0" encoding="utf-8"?>
+<p:sld xmlns:a="http://schemas.openxmlformats.org/drawingml/2006/main" xmlns:r="http://schemas.openxmlformats.org/officeDocument/2006/relationships" xmlns:p="http://schemas.openxmlformats.org/presentationml/2006/main">
+  <p:cSld>
+    <p:spTree>
+      <p:nvGrpSpPr>
+        <p:cNvPr id="1" name=""/>
+        <p:cNvGrpSpPr/>
+        <p:nvPr/>
+      </p:nvGrpSpPr>
+      <p:grpSpPr>
+        <a:xfrm>
+          <a:off x="0" y="0"/>
+          <a:ext cx="0" cy="0"/>
+          <a:chOff x="0" y="0"/>
+          <a:chExt cx="0" cy="0"/>
+        </a:xfrm>
+      </p:grpSpPr>
+      <mc:AlternateContent xmlns:mc="http://schemas.openxmlformats.org/markup-compatibility/2006">
+        <mc:Choice xmlns:a14="http://schemas.microsoft.com/office/drawing/2010/main" Requires="a14">
+          <p:sp>
+            <p:nvSpPr>
+              <p:cNvPr id="2" name="Subtítulo 1">
+                <a:extLst>
+                  <a:ext uri="{FF2B5EF4-FFF2-40B4-BE49-F238E27FC236}">
+                    <a16:creationId xmlns:a16="http://schemas.microsoft.com/office/drawing/2014/main" id="{29A75048-B2F8-4A8B-9645-CF6D9A7AE10B}"/>
+                  </a:ext>
+                </a:extLst>
+              </p:cNvPr>
+              <p:cNvSpPr>
+                <a:spLocks noGrp="1"/>
+              </p:cNvSpPr>
+              <p:nvPr>
+                <p:ph type="subTitle" idx="1"/>
+              </p:nvPr>
+            </p:nvSpPr>
+            <p:spPr>
+              <a:xfrm flipH="1">
+                <a:off x="4008219" y="2630916"/>
+                <a:ext cx="4840506" cy="845102"/>
+              </a:xfrm>
+            </p:spPr>
+            <p:txBody>
+              <a:bodyPr/>
+              <a:lstStyle/>
+              <a:p>
+                <a:pPr marL="152400" indent="0" algn="just">
+                  <a:buNone/>
+                </a:pPr>
+                <a:r>
+                  <a:rPr lang="es-CO" sz="1200" dirty="0">
+                    <a:latin typeface="Abadi" panose="020B0604020104020204" pitchFamily="34" charset="0"/>
+                  </a:rPr>
+                  <a:t>Se puede hallar el área de un polígono con la siguiente formula</a:t>
+                </a:r>
+              </a:p>
+              <a:p>
+                <a:pPr marL="152400" indent="0" algn="just">
+                  <a:buNone/>
+                </a:pPr>
+                <a14:m>
+                  <m:oMathPara xmlns:m="http://schemas.openxmlformats.org/officeDocument/2006/math">
+                    <m:oMathParaPr>
+                      <m:jc m:val="centerGroup"/>
+                    </m:oMathParaPr>
+                    <m:oMath xmlns:m="http://schemas.openxmlformats.org/officeDocument/2006/math">
+                      <m:f>
+                        <m:fPr>
+                          <m:ctrlPr>
+                            <a:rPr lang="es-CO" sz="1200" i="1" smtClean="0">
+                              <a:latin typeface="Cambria Math" panose="02040503050406030204" pitchFamily="18" charset="0"/>
+                            </a:rPr>
+                          </m:ctrlPr>
+                        </m:fPr>
+                        <m:num>
+                          <m:r>
+                            <a:rPr lang="es-ES" sz="1200" b="0" i="1" smtClean="0">
+                              <a:latin typeface="Cambria Math" panose="02040503050406030204" pitchFamily="18" charset="0"/>
+                            </a:rPr>
+                            <m:t>1</m:t>
+                          </m:r>
+                        </m:num>
+                        <m:den>
+                          <m:r>
+                            <a:rPr lang="es-ES" sz="1200" b="0" i="1" smtClean="0">
+                              <a:latin typeface="Cambria Math" panose="02040503050406030204" pitchFamily="18" charset="0"/>
+                            </a:rPr>
+                            <m:t>2</m:t>
+                          </m:r>
+                        </m:den>
+                      </m:f>
+                      <m:d>
+                        <m:dPr>
+                          <m:begChr m:val="|"/>
+                          <m:endChr m:val="|"/>
+                          <m:ctrlPr>
+                            <a:rPr lang="es-CO" sz="1200" i="1" smtClean="0">
+                              <a:latin typeface="Cambria Math" panose="02040503050406030204" pitchFamily="18" charset="0"/>
+                            </a:rPr>
+                          </m:ctrlPr>
+                        </m:dPr>
+                        <m:e>
+                          <m:eqArr>
+                            <m:eqArrPr>
+                              <m:ctrlPr>
+                                <a:rPr lang="es-CO" sz="1200" i="1" smtClean="0">
+                                  <a:latin typeface="Cambria Math" panose="02040503050406030204" pitchFamily="18" charset="0"/>
+                                </a:rPr>
+                              </m:ctrlPr>
+                            </m:eqArrPr>
+                            <m:e>
+                              <m:m>
+                                <m:mPr>
+                                  <m:mcs>
+                                    <m:mc>
+                                      <m:mcPr>
+                                        <m:count m:val="2"/>
+                                        <m:mcJc m:val="center"/>
+                                      </m:mcPr>
+                                    </m:mc>
+                                  </m:mcs>
+                                  <m:ctrlPr>
+                                    <a:rPr lang="es-CO" sz="1200" i="1" smtClean="0">
+                                      <a:latin typeface="Cambria Math" panose="02040503050406030204" pitchFamily="18" charset="0"/>
+                                    </a:rPr>
+                                  </m:ctrlPr>
+                                </m:mPr>
+                                <m:mr>
+                                  <m:e>
+                                    <m:r>
+                                      <m:rPr>
+                                        <m:brk m:alnAt="7"/>
+                                      </m:rPr>
+                                      <a:rPr lang="es-ES" sz="1200" b="0" i="1" smtClean="0">
+                                        <a:latin typeface="Cambria Math" panose="02040503050406030204" pitchFamily="18" charset="0"/>
+                                      </a:rPr>
+                                      <m:t>𝑥</m:t>
+                                    </m:r>
+                                    <m:r>
+                                      <a:rPr lang="es-ES" sz="1200" b="0" i="1" smtClean="0">
+                                        <a:latin typeface="Cambria Math" panose="02040503050406030204" pitchFamily="18" charset="0"/>
+                                      </a:rPr>
+                                      <m:t>(0)</m:t>
+                                    </m:r>
+                                  </m:e>
+                                  <m:e>
+                                    <m:r>
+                                      <a:rPr lang="es-ES" sz="1200" b="0" i="1" smtClean="0">
+                                        <a:latin typeface="Cambria Math" panose="02040503050406030204" pitchFamily="18" charset="0"/>
+                                      </a:rPr>
+                                      <m:t>𝑦</m:t>
+                                    </m:r>
+                                    <m:r>
+                                      <a:rPr lang="es-ES" sz="1200" b="0" i="1" smtClean="0">
+                                        <a:latin typeface="Cambria Math" panose="02040503050406030204" pitchFamily="18" charset="0"/>
+                                      </a:rPr>
+                                      <m:t>(0)</m:t>
+                                    </m:r>
+                                  </m:e>
+                                </m:mr>
+                                <m:mr>
+                                  <m:e>
+                                    <m:r>
+                                      <a:rPr lang="es-ES" sz="1200" b="0" i="1" smtClean="0">
+                                        <a:latin typeface="Cambria Math" panose="02040503050406030204" pitchFamily="18" charset="0"/>
+                                      </a:rPr>
+                                      <m:t>𝑥</m:t>
+                                    </m:r>
+                                    <m:r>
+                                      <a:rPr lang="es-ES" sz="1200" b="0" i="1" smtClean="0">
+                                        <a:latin typeface="Cambria Math" panose="02040503050406030204" pitchFamily="18" charset="0"/>
+                                      </a:rPr>
+                                      <m:t>(1)</m:t>
+                                    </m:r>
+                                  </m:e>
+                                  <m:e>
+                                    <m:r>
+                                      <a:rPr lang="es-ES" sz="1200" b="0" i="1" smtClean="0">
+                                        <a:latin typeface="Cambria Math" panose="02040503050406030204" pitchFamily="18" charset="0"/>
+                                      </a:rPr>
+                                      <m:t>𝑦</m:t>
+                                    </m:r>
+                                    <m:r>
+                                      <a:rPr lang="es-ES" sz="1200" b="0" i="1" smtClean="0">
+                                        <a:latin typeface="Cambria Math" panose="02040503050406030204" pitchFamily="18" charset="0"/>
+                                      </a:rPr>
+                                      <m:t>(1)</m:t>
+                                    </m:r>
+                                  </m:e>
+                                </m:mr>
+                              </m:m>
+                            </m:e>
+                            <m:e>
+                              <m:m>
+                                <m:mPr>
+                                  <m:mcs>
+                                    <m:mc>
+                                      <m:mcPr>
+                                        <m:count m:val="2"/>
+                                        <m:mcJc m:val="center"/>
+                                      </m:mcPr>
+                                    </m:mc>
+                                  </m:mcs>
+                                  <m:ctrlPr>
+                                    <a:rPr lang="es-CO" sz="1200" i="1" smtClean="0">
+                                      <a:latin typeface="Cambria Math" panose="02040503050406030204" pitchFamily="18" charset="0"/>
+                                    </a:rPr>
+                                  </m:ctrlPr>
+                                </m:mPr>
+                                <m:mr>
+                                  <m:e>
+                                    <m:r>
+                                      <m:rPr>
+                                        <m:brk m:alnAt="7"/>
+                                      </m:rPr>
+                                      <a:rPr lang="es-ES" sz="1200" b="0" i="1" smtClean="0">
+                                        <a:latin typeface="Cambria Math" panose="02040503050406030204" pitchFamily="18" charset="0"/>
+                                      </a:rPr>
+                                      <m:t>𝑥</m:t>
+                                    </m:r>
+                                    <m:r>
+                                      <a:rPr lang="es-ES" sz="1200" b="0" i="1" smtClean="0">
+                                        <a:latin typeface="Cambria Math" panose="02040503050406030204" pitchFamily="18" charset="0"/>
+                                      </a:rPr>
+                                      <m:t>(</m:t>
+                                    </m:r>
+                                    <m:r>
+                                      <a:rPr lang="es-ES" sz="1200" b="0" i="1" smtClean="0">
+                                        <a:latin typeface="Cambria Math" panose="02040503050406030204" pitchFamily="18" charset="0"/>
+                                      </a:rPr>
+                                      <m:t>𝑛</m:t>
+                                    </m:r>
+                                    <m:r>
+                                      <a:rPr lang="es-ES" sz="1200" b="0" i="1" smtClean="0">
+                                        <a:latin typeface="Cambria Math" panose="02040503050406030204" pitchFamily="18" charset="0"/>
+                                      </a:rPr>
+                                      <m:t>−1)</m:t>
+                                    </m:r>
+                                  </m:e>
+                                  <m:e>
+                                    <m:r>
+                                      <a:rPr lang="es-ES" sz="1200" b="0" i="1" smtClean="0">
+                                        <a:latin typeface="Cambria Math" panose="02040503050406030204" pitchFamily="18" charset="0"/>
+                                      </a:rPr>
+                                      <m:t>𝑦</m:t>
+                                    </m:r>
+                                    <m:r>
+                                      <a:rPr lang="es-ES" sz="1200" b="0" i="1" smtClean="0">
+                                        <a:latin typeface="Cambria Math" panose="02040503050406030204" pitchFamily="18" charset="0"/>
+                                      </a:rPr>
+                                      <m:t>(</m:t>
+                                    </m:r>
+                                    <m:r>
+                                      <a:rPr lang="es-ES" sz="1200" b="0" i="1" smtClean="0">
+                                        <a:latin typeface="Cambria Math" panose="02040503050406030204" pitchFamily="18" charset="0"/>
+                                      </a:rPr>
+                                      <m:t>𝑛</m:t>
+                                    </m:r>
+                                    <m:r>
+                                      <a:rPr lang="es-ES" sz="1200" b="0" i="1" smtClean="0">
+                                        <a:latin typeface="Cambria Math" panose="02040503050406030204" pitchFamily="18" charset="0"/>
+                                      </a:rPr>
+                                      <m:t>−1)</m:t>
+                                    </m:r>
+                                  </m:e>
+                                </m:mr>
+                              </m:m>
+                            </m:e>
+                            <m:e>
+                              <m:m>
+                                <m:mPr>
+                                  <m:mcs>
+                                    <m:mc>
+                                      <m:mcPr>
+                                        <m:count m:val="2"/>
+                                        <m:mcJc m:val="center"/>
+                                      </m:mcPr>
+                                    </m:mc>
+                                  </m:mcs>
+                                  <m:ctrlPr>
+                                    <a:rPr lang="es-CO" sz="1200" i="1" smtClean="0">
+                                      <a:latin typeface="Cambria Math" panose="02040503050406030204" pitchFamily="18" charset="0"/>
+                                    </a:rPr>
+                                  </m:ctrlPr>
+                                </m:mPr>
+                                <m:mr>
+                                  <m:e>
+                                    <m:r>
+                                      <m:rPr>
+                                        <m:brk m:alnAt="7"/>
+                                      </m:rPr>
+                                      <a:rPr lang="es-ES" sz="1200" b="0" i="1" smtClean="0">
+                                        <a:latin typeface="Cambria Math" panose="02040503050406030204" pitchFamily="18" charset="0"/>
+                                      </a:rPr>
+                                      <m:t>𝑥</m:t>
+                                    </m:r>
+                                    <m:r>
+                                      <a:rPr lang="es-ES" sz="1200" b="0" i="1" smtClean="0">
+                                        <a:latin typeface="Cambria Math" panose="02040503050406030204" pitchFamily="18" charset="0"/>
+                                      </a:rPr>
+                                      <m:t>(0)</m:t>
+                                    </m:r>
+                                  </m:e>
+                                  <m:e>
+                                    <m:r>
+                                      <a:rPr lang="es-ES" sz="1200" b="0" i="1" smtClean="0">
+                                        <a:latin typeface="Cambria Math" panose="02040503050406030204" pitchFamily="18" charset="0"/>
+                                      </a:rPr>
+                                      <m:t>𝑦</m:t>
+                                    </m:r>
+                                    <m:r>
+                                      <a:rPr lang="es-ES" sz="1200" b="0" i="1" smtClean="0">
+                                        <a:latin typeface="Cambria Math" panose="02040503050406030204" pitchFamily="18" charset="0"/>
+                                      </a:rPr>
+                                      <m:t>(0)</m:t>
+                                    </m:r>
+                                  </m:e>
+                                </m:mr>
+                              </m:m>
+                            </m:e>
+                          </m:eqArr>
+                        </m:e>
+                      </m:d>
+                    </m:oMath>
+                  </m:oMathPara>
+                </a14:m>
+                <a:endParaRPr lang="es-CO" sz="1200" dirty="0">
+                  <a:latin typeface="Abadi" panose="020B0604020104020204" pitchFamily="34" charset="0"/>
+                </a:endParaRPr>
+              </a:p>
+              <a:p>
+                <a:pPr marL="152400" indent="0" algn="just">
+                  <a:buNone/>
+                </a:pPr>
+                <a:endParaRPr lang="es-CO" sz="1200" dirty="0">
+                  <a:latin typeface="Abadi" panose="020B0604020104020204" pitchFamily="34" charset="0"/>
+                </a:endParaRPr>
+              </a:p>
+            </p:txBody>
+          </p:sp>
+        </mc:Choice>
+        <mc:Fallback>
+          <p:sp>
+            <p:nvSpPr>
+              <p:cNvPr id="2" name="Subtítulo 1">
+                <a:extLst>
+                  <a:ext uri="{FF2B5EF4-FFF2-40B4-BE49-F238E27FC236}">
+                    <a16:creationId xmlns:a16="http://schemas.microsoft.com/office/drawing/2014/main" id="{29A75048-B2F8-4A8B-9645-CF6D9A7AE10B}"/>
+                  </a:ext>
+                </a:extLst>
+              </p:cNvPr>
+              <p:cNvSpPr>
+                <a:spLocks noGrp="1" noRot="1" noChangeAspect="1" noMove="1" noResize="1" noEditPoints="1" noAdjustHandles="1" noChangeArrowheads="1" noChangeShapeType="1" noTextEdit="1"/>
+              </p:cNvSpPr>
+              <p:nvPr>
+                <p:ph type="subTitle" idx="1"/>
+              </p:nvPr>
+            </p:nvSpPr>
+            <p:spPr>
+              <a:xfrm flipH="1">
+                <a:off x="4008219" y="2630916"/>
+                <a:ext cx="4840506" cy="845102"/>
+              </a:xfrm>
+              <a:blipFill>
+                <a:blip r:embed="rId2"/>
+                <a:stretch>
+                  <a:fillRect t="-21739"/>
+                </a:stretch>
+              </a:blipFill>
+            </p:spPr>
+            <p:txBody>
+              <a:bodyPr/>
+              <a:lstStyle/>
+              <a:p>
+                <a:r>
+                  <a:rPr lang="es-CO">
+                    <a:noFill/>
+                  </a:rPr>
+                  <a:t> </a:t>
+                </a:r>
+              </a:p>
+            </p:txBody>
+          </p:sp>
+        </mc:Fallback>
+      </mc:AlternateContent>
+      <p:pic>
+        <p:nvPicPr>
+          <p:cNvPr id="4" name="Picture 4" descr="Símbolos Universitarios – Universidad de Nariño">
+            <a:extLst>
+              <a:ext uri="{FF2B5EF4-FFF2-40B4-BE49-F238E27FC236}">
+                <a16:creationId xmlns:a16="http://schemas.microsoft.com/office/drawing/2014/main" id="{0B2EA667-CB57-4DF8-BB35-E9AFDF367C2B}"/>
+              </a:ext>
+            </a:extLst>
+          </p:cNvPr>
+          <p:cNvPicPr>
+            <a:picLocks noChangeAspect="1" noChangeArrowheads="1"/>
+          </p:cNvPicPr>
+          <p:nvPr/>
+        </p:nvPicPr>
+        <p:blipFill>
+          <a:blip r:embed="rId3">
+            <a:extLst>
+              <a:ext uri="{28A0092B-C50C-407E-A947-70E740481C1C}">
+                <a14:useLocalDpi xmlns:a14="http://schemas.microsoft.com/office/drawing/2010/main" val="0"/>
+              </a:ext>
+            </a:extLst>
+          </a:blip>
+          <a:srcRect/>
+          <a:stretch>
+            <a:fillRect/>
+          </a:stretch>
+        </p:blipFill>
+        <p:spPr bwMode="auto">
+          <a:xfrm>
+            <a:off x="261990" y="192093"/>
+            <a:ext cx="660961" cy="660961"/>
+          </a:xfrm>
+          <a:prstGeom prst="rect">
+            <a:avLst/>
+          </a:prstGeom>
+          <a:noFill/>
+          <a:extLst>
+            <a:ext uri="{909E8E84-426E-40DD-AFC4-6F175D3DCCD1}">
+              <a14:hiddenFill xmlns:a14="http://schemas.microsoft.com/office/drawing/2010/main">
+                <a:solidFill>
+                  <a:srgbClr val="FFFFFF"/>
+                </a:solidFill>
+              </a14:hiddenFill>
+            </a:ext>
+          </a:extLst>
+        </p:spPr>
+      </p:pic>
+      <p:pic>
+        <p:nvPicPr>
+          <p:cNvPr id="5" name="Imagen 4">
+            <a:extLst>
+              <a:ext uri="{FF2B5EF4-FFF2-40B4-BE49-F238E27FC236}">
+                <a16:creationId xmlns:a16="http://schemas.microsoft.com/office/drawing/2014/main" id="{1B46FA37-FA47-4459-8828-383FB697E3AF}"/>
+              </a:ext>
+            </a:extLst>
+          </p:cNvPr>
+          <p:cNvPicPr>
+            <a:picLocks noChangeAspect="1"/>
+          </p:cNvPicPr>
+          <p:nvPr/>
+        </p:nvPicPr>
+        <p:blipFill rotWithShape="1">
+          <a:blip r:embed="rId4"/>
+          <a:srcRect l="53279" t="4713" r="5319"/>
+          <a:stretch/>
+        </p:blipFill>
+        <p:spPr>
+          <a:xfrm>
+            <a:off x="1071372" y="144121"/>
+            <a:ext cx="918577" cy="804385"/>
+          </a:xfrm>
+          <a:prstGeom prst="ellipse">
+            <a:avLst/>
+          </a:prstGeom>
+          <a:ln>
+            <a:noFill/>
+          </a:ln>
+          <a:effectLst>
+            <a:softEdge rad="112500"/>
+          </a:effectLst>
+        </p:spPr>
+      </p:pic>
+      <p:sp>
+        <p:nvSpPr>
+          <p:cNvPr id="6" name="Rectángulo 5">
+            <a:extLst>
+              <a:ext uri="{FF2B5EF4-FFF2-40B4-BE49-F238E27FC236}">
+                <a16:creationId xmlns:a16="http://schemas.microsoft.com/office/drawing/2014/main" id="{EC2D0E56-7D0C-40D0-8E56-B8801C98D13A}"/>
+              </a:ext>
+            </a:extLst>
+          </p:cNvPr>
+          <p:cNvSpPr/>
+          <p:nvPr/>
+        </p:nvSpPr>
+        <p:spPr>
+          <a:xfrm>
+            <a:off x="477806" y="1457325"/>
+            <a:ext cx="3403841" cy="2995613"/>
+          </a:xfrm>
+          <a:prstGeom prst="rect">
+            <a:avLst/>
+          </a:prstGeom>
+          <a:solidFill>
+            <a:srgbClr val="FFFFFF"/>
+          </a:solidFill>
+          <a:ln>
+            <a:solidFill>
+              <a:srgbClr val="BAF7C9"/>
+            </a:solidFill>
+          </a:ln>
+        </p:spPr>
+        <p:style>
+          <a:lnRef idx="2">
+            <a:schemeClr val="accent1">
+              <a:shade val="50000"/>
+            </a:schemeClr>
+          </a:lnRef>
+          <a:fillRef idx="1">
+            <a:schemeClr val="accent1"/>
+          </a:fillRef>
+          <a:effectRef idx="0">
+            <a:schemeClr val="accent1"/>
+          </a:effectRef>
+          <a:fontRef idx="minor">
+            <a:schemeClr val="lt1"/>
+          </a:fontRef>
+        </p:style>
+        <p:txBody>
+          <a:bodyPr rtlCol="0" anchor="ctr"/>
+          <a:lstStyle/>
+          <a:p>
+            <a:pPr algn="ctr"/>
+            <a:endParaRPr lang="es-CO"/>
+          </a:p>
+        </p:txBody>
+      </p:sp>
+      <p:sp>
+        <p:nvSpPr>
+          <p:cNvPr id="10" name="Título 2">
+            <a:extLst>
+              <a:ext uri="{FF2B5EF4-FFF2-40B4-BE49-F238E27FC236}">
+                <a16:creationId xmlns:a16="http://schemas.microsoft.com/office/drawing/2014/main" id="{4B4F06C2-20E6-40C1-BAD4-30FB77130CD3}"/>
+              </a:ext>
+            </a:extLst>
+          </p:cNvPr>
+          <p:cNvSpPr>
+            <a:spLocks noGrp="1"/>
+          </p:cNvSpPr>
+          <p:nvPr>
+            <p:ph type="ctrTitle"/>
+          </p:nvPr>
+        </p:nvSpPr>
+        <p:spPr>
+          <a:xfrm>
+            <a:off x="5028248" y="372041"/>
+            <a:ext cx="4009071" cy="481013"/>
+          </a:xfrm>
+        </p:spPr>
+        <p:txBody>
+          <a:bodyPr/>
+          <a:lstStyle/>
+          <a:p>
+            <a:r>
+              <a:rPr lang="es-CO" dirty="0"/>
+              <a:t>Área de un polígono</a:t>
+            </a:r>
+          </a:p>
+        </p:txBody>
+      </p:sp>
+      <p:pic>
+        <p:nvPicPr>
+          <p:cNvPr id="7" name="Imagen 6" descr="Gráfico&#10;&#10;Descripción generada automáticamente">
+            <a:extLst>
+              <a:ext uri="{FF2B5EF4-FFF2-40B4-BE49-F238E27FC236}">
+                <a16:creationId xmlns:a16="http://schemas.microsoft.com/office/drawing/2014/main" id="{B1212BE8-0CB9-4C48-B5BB-967DCBE6E9FE}"/>
+              </a:ext>
+            </a:extLst>
+          </p:cNvPr>
+          <p:cNvPicPr>
+            <a:picLocks noChangeAspect="1"/>
+          </p:cNvPicPr>
+          <p:nvPr/>
+        </p:nvPicPr>
+        <p:blipFill>
+          <a:blip r:embed="rId5"/>
+          <a:stretch>
+            <a:fillRect/>
+          </a:stretch>
+        </p:blipFill>
+        <p:spPr>
+          <a:xfrm>
+            <a:off x="477806" y="1505050"/>
+            <a:ext cx="3414548" cy="2900161"/>
+          </a:xfrm>
+          <a:prstGeom prst="rect">
+            <a:avLst/>
+          </a:prstGeom>
+        </p:spPr>
+      </p:pic>
+    </p:spTree>
+    <p:extLst>
+      <p:ext uri="{BB962C8B-B14F-4D97-AF65-F5344CB8AC3E}">
+        <p14:creationId xmlns:p14="http://schemas.microsoft.com/office/powerpoint/2010/main" val="249475286"/>
+      </p:ext>
+    </p:extLst>
+  </p:cSld>
+  <p:clrMapOvr>
+    <a:masterClrMapping/>
+  </p:clrMapOvr>
+</p:sld>
+</file>
+
+<file path=ppt/slides/slide12.xml><?xml version="1.0" encoding="utf-8"?>
+<p:sld xmlns:a="http://schemas.openxmlformats.org/drawingml/2006/main" xmlns:r="http://schemas.openxmlformats.org/officeDocument/2006/relationships" xmlns:p="http://schemas.openxmlformats.org/presentationml/2006/main">
+  <p:cSld>
+    <p:spTree>
+      <p:nvGrpSpPr>
+        <p:cNvPr id="1" name=""/>
+        <p:cNvGrpSpPr/>
+        <p:nvPr/>
+      </p:nvGrpSpPr>
+      <p:grpSpPr>
+        <a:xfrm>
+          <a:off x="0" y="0"/>
+          <a:ext cx="0" cy="0"/>
+          <a:chOff x="0" y="0"/>
+          <a:chExt cx="0" cy="0"/>
+        </a:xfrm>
+      </p:grpSpPr>
+      <p:pic>
+        <p:nvPicPr>
+          <p:cNvPr id="4" name="Picture 4" descr="Símbolos Universitarios – Universidad de Nariño">
+            <a:extLst>
+              <a:ext uri="{FF2B5EF4-FFF2-40B4-BE49-F238E27FC236}">
+                <a16:creationId xmlns:a16="http://schemas.microsoft.com/office/drawing/2014/main" id="{0B2EA667-CB57-4DF8-BB35-E9AFDF367C2B}"/>
+              </a:ext>
+            </a:extLst>
+          </p:cNvPr>
+          <p:cNvPicPr>
+            <a:picLocks noChangeAspect="1" noChangeArrowheads="1"/>
+          </p:cNvPicPr>
+          <p:nvPr/>
+        </p:nvPicPr>
+        <p:blipFill>
+          <a:blip r:embed="rId2">
+            <a:extLst>
+              <a:ext uri="{28A0092B-C50C-407E-A947-70E740481C1C}">
+                <a14:useLocalDpi xmlns:a14="http://schemas.microsoft.com/office/drawing/2010/main" val="0"/>
+              </a:ext>
+            </a:extLst>
+          </a:blip>
+          <a:srcRect/>
+          <a:stretch>
+            <a:fillRect/>
+          </a:stretch>
+        </p:blipFill>
+        <p:spPr bwMode="auto">
+          <a:xfrm>
+            <a:off x="261990" y="192093"/>
+            <a:ext cx="660961" cy="660961"/>
+          </a:xfrm>
+          <a:prstGeom prst="rect">
+            <a:avLst/>
+          </a:prstGeom>
+          <a:noFill/>
+          <a:extLst>
+            <a:ext uri="{909E8E84-426E-40DD-AFC4-6F175D3DCCD1}">
+              <a14:hiddenFill xmlns:a14="http://schemas.microsoft.com/office/drawing/2010/main">
+                <a:solidFill>
+                  <a:srgbClr val="FFFFFF"/>
+                </a:solidFill>
+              </a14:hiddenFill>
+            </a:ext>
+          </a:extLst>
+        </p:spPr>
+      </p:pic>
+      <p:pic>
+        <p:nvPicPr>
+          <p:cNvPr id="5" name="Imagen 4">
+            <a:extLst>
+              <a:ext uri="{FF2B5EF4-FFF2-40B4-BE49-F238E27FC236}">
+                <a16:creationId xmlns:a16="http://schemas.microsoft.com/office/drawing/2014/main" id="{1B46FA37-FA47-4459-8828-383FB697E3AF}"/>
+              </a:ext>
+            </a:extLst>
+          </p:cNvPr>
+          <p:cNvPicPr>
+            <a:picLocks noChangeAspect="1"/>
+          </p:cNvPicPr>
+          <p:nvPr/>
+        </p:nvPicPr>
+        <p:blipFill rotWithShape="1">
+          <a:blip r:embed="rId3"/>
+          <a:srcRect l="53279" t="4713" r="5319"/>
+          <a:stretch/>
+        </p:blipFill>
+        <p:spPr>
+          <a:xfrm>
+            <a:off x="1071372" y="144121"/>
+            <a:ext cx="918577" cy="804385"/>
+          </a:xfrm>
+          <a:prstGeom prst="ellipse">
+            <a:avLst/>
+          </a:prstGeom>
+          <a:ln>
+            <a:noFill/>
+          </a:ln>
+          <a:effectLst>
+            <a:softEdge rad="112500"/>
+          </a:effectLst>
+        </p:spPr>
+      </p:pic>
+      <p:sp>
+        <p:nvSpPr>
+          <p:cNvPr id="6" name="Rectángulo 5">
+            <a:extLst>
+              <a:ext uri="{FF2B5EF4-FFF2-40B4-BE49-F238E27FC236}">
+                <a16:creationId xmlns:a16="http://schemas.microsoft.com/office/drawing/2014/main" id="{EC2D0E56-7D0C-40D0-8E56-B8801C98D13A}"/>
+              </a:ext>
+            </a:extLst>
+          </p:cNvPr>
+          <p:cNvSpPr/>
+          <p:nvPr/>
+        </p:nvSpPr>
+        <p:spPr>
+          <a:xfrm>
+            <a:off x="477806" y="1457325"/>
+            <a:ext cx="3403841" cy="2995613"/>
+          </a:xfrm>
+          <a:prstGeom prst="rect">
+            <a:avLst/>
+          </a:prstGeom>
+          <a:solidFill>
+            <a:srgbClr val="FFFFFF"/>
+          </a:solidFill>
+          <a:ln>
+            <a:solidFill>
+              <a:srgbClr val="BAF7C9"/>
+            </a:solidFill>
+          </a:ln>
+        </p:spPr>
+        <p:style>
+          <a:lnRef idx="2">
+            <a:schemeClr val="accent1">
+              <a:shade val="50000"/>
+            </a:schemeClr>
+          </a:lnRef>
+          <a:fillRef idx="1">
+            <a:schemeClr val="accent1"/>
+          </a:fillRef>
+          <a:effectRef idx="0">
+            <a:schemeClr val="accent1"/>
+          </a:effectRef>
+          <a:fontRef idx="minor">
+            <a:schemeClr val="lt1"/>
+          </a:fontRef>
+        </p:style>
+        <p:txBody>
+          <a:bodyPr rtlCol="0" anchor="ctr"/>
+          <a:lstStyle/>
+          <a:p>
+            <a:pPr algn="ctr"/>
+            <a:endParaRPr lang="es-CO"/>
+          </a:p>
+        </p:txBody>
+      </p:sp>
+      <p:sp>
+        <p:nvSpPr>
+          <p:cNvPr id="10" name="Título 2">
+            <a:extLst>
+              <a:ext uri="{FF2B5EF4-FFF2-40B4-BE49-F238E27FC236}">
+                <a16:creationId xmlns:a16="http://schemas.microsoft.com/office/drawing/2014/main" id="{4B4F06C2-20E6-40C1-BAD4-30FB77130CD3}"/>
+              </a:ext>
+            </a:extLst>
+          </p:cNvPr>
+          <p:cNvSpPr>
+            <a:spLocks noGrp="1"/>
+          </p:cNvSpPr>
+          <p:nvPr>
+            <p:ph type="ctrTitle"/>
+          </p:nvPr>
+        </p:nvSpPr>
+        <p:spPr>
+          <a:xfrm>
+            <a:off x="5686373" y="372041"/>
+            <a:ext cx="3195637" cy="481013"/>
+          </a:xfrm>
+        </p:spPr>
+        <p:txBody>
+          <a:bodyPr/>
+          <a:lstStyle/>
+          <a:p>
+            <a:r>
+              <a:rPr lang="es-CO" dirty="0"/>
+              <a:t>Intersección entre dos líneas </a:t>
+            </a:r>
+          </a:p>
+        </p:txBody>
+      </p:sp>
+      <p:pic>
+        <p:nvPicPr>
+          <p:cNvPr id="11" name="Imagen 10" descr="Gráfico&#10;&#10;Descripción generada automáticamente">
+            <a:extLst>
+              <a:ext uri="{FF2B5EF4-FFF2-40B4-BE49-F238E27FC236}">
+                <a16:creationId xmlns:a16="http://schemas.microsoft.com/office/drawing/2014/main" id="{4AE06B47-C51A-4A3B-BA93-618BE1147D4B}"/>
+              </a:ext>
+            </a:extLst>
+          </p:cNvPr>
+          <p:cNvPicPr>
+            <a:picLocks noChangeAspect="1"/>
+          </p:cNvPicPr>
+          <p:nvPr/>
+        </p:nvPicPr>
+        <p:blipFill>
+          <a:blip r:embed="rId4"/>
+          <a:stretch>
+            <a:fillRect/>
+          </a:stretch>
+        </p:blipFill>
+        <p:spPr>
+          <a:xfrm>
+            <a:off x="490763" y="1504940"/>
+            <a:ext cx="3401098" cy="2922279"/>
+          </a:xfrm>
+          <a:prstGeom prst="rect">
+            <a:avLst/>
+          </a:prstGeom>
+        </p:spPr>
+      </p:pic>
+      <p:pic>
+        <p:nvPicPr>
+          <p:cNvPr id="7" name="Imagen 6">
+            <a:extLst>
+              <a:ext uri="{FF2B5EF4-FFF2-40B4-BE49-F238E27FC236}">
+                <a16:creationId xmlns:a16="http://schemas.microsoft.com/office/drawing/2014/main" id="{94BFB097-F986-46EF-9C09-3A5FD2459A0E}"/>
+              </a:ext>
+            </a:extLst>
+          </p:cNvPr>
+          <p:cNvPicPr>
+            <a:picLocks noChangeAspect="1"/>
+          </p:cNvPicPr>
+          <p:nvPr/>
+        </p:nvPicPr>
+        <p:blipFill>
+          <a:blip r:embed="rId5"/>
+          <a:stretch>
+            <a:fillRect/>
+          </a:stretch>
+        </p:blipFill>
+        <p:spPr>
+          <a:xfrm>
+            <a:off x="4073431" y="1873354"/>
+            <a:ext cx="4856789" cy="2163553"/>
+          </a:xfrm>
+          <a:prstGeom prst="rect">
+            <a:avLst/>
+          </a:prstGeom>
+        </p:spPr>
+      </p:pic>
+    </p:spTree>
+    <p:extLst>
+      <p:ext uri="{BB962C8B-B14F-4D97-AF65-F5344CB8AC3E}">
+        <p14:creationId xmlns:p14="http://schemas.microsoft.com/office/powerpoint/2010/main" val="3390745998"/>
+      </p:ext>
+    </p:extLst>
+  </p:cSld>
+  <p:clrMapOvr>
+    <a:masterClrMapping/>
+  </p:clrMapOvr>
+</p:sld>
+</file>
+
+<file path=ppt/slides/slide13.xml><?xml version="1.0" encoding="utf-8"?>
+<p:sld xmlns:a="http://schemas.openxmlformats.org/drawingml/2006/main" xmlns:r="http://schemas.openxmlformats.org/officeDocument/2006/relationships" xmlns:p="http://schemas.openxmlformats.org/presentationml/2006/main">
+  <p:cSld>
     <p:bg>
       <p:bgPr>
         <a:solidFill>
@@ -5728,7 +6591,7 @@
         </p:nvSpPr>
         <p:spPr>
           <a:xfrm>
-            <a:off x="149092" y="2720974"/>
+            <a:off x="94129" y="2466506"/>
             <a:ext cx="2913981" cy="660961"/>
           </a:xfrm>
           <a:prstGeom prst="rect">
@@ -5756,7 +6619,7 @@
                   <a:schemeClr val="tx1"/>
                 </a:solidFill>
               </a:rPr>
-              <a:t>02. </a:t>
+              <a:t>01. </a:t>
             </a:r>
             <a:r>
               <a:rPr lang="es-ES" sz="3200" dirty="0">
@@ -5764,7 +6627,7 @@
                   <a:schemeClr val="tx1"/>
                 </a:solidFill>
               </a:rPr>
-              <a:t>Estructura de datos</a:t>
+              <a:t>Geométricos</a:t>
             </a:r>
             <a:endParaRPr sz="3200" dirty="0">
               <a:solidFill>
@@ -5910,91 +6773,49 @@
       </p:sp>
       <p:pic>
         <p:nvPicPr>
-          <p:cNvPr id="10" name="Imagen 9">
+          <p:cNvPr id="1026" name="Picture 2" descr="Qué es Geometría? » Su Definición y Significado [2021]">
             <a:extLst>
               <a:ext uri="{FF2B5EF4-FFF2-40B4-BE49-F238E27FC236}">
-                <a16:creationId xmlns:a16="http://schemas.microsoft.com/office/drawing/2014/main" id="{07EF8207-E833-45A9-ADDF-FDFB555654F9}"/>
+                <a16:creationId xmlns:a16="http://schemas.microsoft.com/office/drawing/2014/main" id="{60995C84-0517-4FFD-B535-41BA1CF92D06}"/>
               </a:ext>
             </a:extLst>
           </p:cNvPr>
           <p:cNvPicPr>
-            <a:picLocks noChangeAspect="1"/>
+            <a:picLocks noChangeAspect="1" noChangeArrowheads="1"/>
           </p:cNvPicPr>
           <p:nvPr/>
         </p:nvPicPr>
         <p:blipFill>
-          <a:blip r:embed="rId5"/>
+          <a:blip r:embed="rId5">
+            <a:extLst>
+              <a:ext uri="{28A0092B-C50C-407E-A947-70E740481C1C}">
+                <a14:useLocalDpi xmlns:a14="http://schemas.microsoft.com/office/drawing/2010/main" val="0"/>
+              </a:ext>
+            </a:extLst>
+          </a:blip>
+          <a:srcRect/>
           <a:stretch>
             <a:fillRect/>
           </a:stretch>
         </p:blipFill>
-        <p:spPr>
+        <p:spPr bwMode="auto">
           <a:xfrm>
-            <a:off x="4763310" y="2359847"/>
-            <a:ext cx="4064659" cy="2287048"/>
+            <a:off x="3494643" y="665628"/>
+            <a:ext cx="5555228" cy="4128245"/>
           </a:xfrm>
           <a:prstGeom prst="rect">
             <a:avLst/>
           </a:prstGeom>
-        </p:spPr>
-      </p:pic>
-      <p:pic>
-        <p:nvPicPr>
-          <p:cNvPr id="2" name="Imagen 1">
-            <a:extLst>
-              <a:ext uri="{FF2B5EF4-FFF2-40B4-BE49-F238E27FC236}">
-                <a16:creationId xmlns:a16="http://schemas.microsoft.com/office/drawing/2014/main" id="{98553344-B994-4282-AEED-DA3F40CC974C}"/>
-              </a:ext>
-            </a:extLst>
-          </p:cNvPr>
-          <p:cNvPicPr>
-            <a:picLocks noChangeAspect="1"/>
-          </p:cNvPicPr>
-          <p:nvPr/>
-        </p:nvPicPr>
-        <p:blipFill rotWithShape="1">
-          <a:blip r:embed="rId6"/>
-          <a:srcRect l="16892" r="14542"/>
-          <a:stretch/>
-        </p:blipFill>
-        <p:spPr>
-          <a:xfrm>
-            <a:off x="3674236" y="886662"/>
-            <a:ext cx="1950207" cy="1587485"/>
-          </a:xfrm>
-          <a:prstGeom prst="rect">
-            <a:avLst/>
-          </a:prstGeom>
-        </p:spPr>
-      </p:pic>
-      <p:pic>
-        <p:nvPicPr>
-          <p:cNvPr id="11" name="Imagen 10">
-            <a:extLst>
-              <a:ext uri="{FF2B5EF4-FFF2-40B4-BE49-F238E27FC236}">
-                <a16:creationId xmlns:a16="http://schemas.microsoft.com/office/drawing/2014/main" id="{74EA1CE9-C626-437A-953F-11B6CAAF6E15}"/>
-              </a:ext>
-            </a:extLst>
-          </p:cNvPr>
-          <p:cNvPicPr>
-            <a:picLocks noChangeAspect="1"/>
-          </p:cNvPicPr>
-          <p:nvPr/>
-        </p:nvPicPr>
-        <p:blipFill>
-          <a:blip r:embed="rId7"/>
-          <a:stretch>
-            <a:fillRect/>
-          </a:stretch>
-        </p:blipFill>
-        <p:spPr>
-          <a:xfrm>
-            <a:off x="6093975" y="902072"/>
-            <a:ext cx="2095949" cy="1309968"/>
-          </a:xfrm>
-          <a:prstGeom prst="rect">
-            <a:avLst/>
-          </a:prstGeom>
+          <a:noFill/>
+          <a:extLst>
+            <a:ext uri="{909E8E84-426E-40DD-AFC4-6F175D3DCCD1}">
+              <a14:hiddenFill xmlns:a14="http://schemas.microsoft.com/office/drawing/2010/main">
+                <a:solidFill>
+                  <a:srgbClr val="FFFFFF"/>
+                </a:solidFill>
+              </a14:hiddenFill>
+            </a:ext>
+          </a:extLst>
         </p:spPr>
       </p:pic>
     </p:spTree>
@@ -6045,8 +6866,8 @@
         </p:nvSpPr>
         <p:spPr>
           <a:xfrm flipH="1">
-            <a:off x="4008219" y="2630916"/>
-            <a:ext cx="4840506" cy="845102"/>
+            <a:off x="4056419" y="1446180"/>
+            <a:ext cx="4840506" cy="3482501"/>
           </a:xfrm>
         </p:spPr>
         <p:txBody>
@@ -6057,16 +6878,99 @@
               <a:buNone/>
             </a:pPr>
             <a:r>
-              <a:rPr lang="es-CO" sz="1200" dirty="0">
+              <a:rPr lang="es-ES" sz="1200" dirty="0">
                 <a:latin typeface="Abadi" panose="020B0604020104020204" pitchFamily="34" charset="0"/>
               </a:rPr>
-              <a:t>El Montículo binario o cola de prioridad es una estructura de datos que nos permite sacar el máximo o el mínimo de un conjunto de datos con mayor eficiencia. </a:t>
+              <a:t>Comparación</a:t>
             </a:r>
           </a:p>
           <a:p>
             <a:pPr marL="152400" indent="0" algn="just">
               <a:buNone/>
             </a:pPr>
+            <a:r>
+              <a:rPr lang="es-ES" sz="1200" dirty="0">
+                <a:latin typeface="Abadi" panose="020B0604020104020204" pitchFamily="34" charset="0"/>
+              </a:rPr>
+              <a:t>Como algunos números son imposibles de representar en forma decimal por una computadora,</a:t>
+            </a:r>
+          </a:p>
+          <a:p>
+            <a:pPr marL="152400" indent="0" algn="just">
+              <a:buNone/>
+            </a:pPr>
+            <a:r>
+              <a:rPr lang="es-ES" sz="1200" dirty="0">
+                <a:latin typeface="Abadi" panose="020B0604020104020204" pitchFamily="34" charset="0"/>
+              </a:rPr>
+              <a:t>las maquinas muchas veces aproximan el resultado y esto da lugar imprecisiones por ejemplo</a:t>
+            </a:r>
+          </a:p>
+          <a:p>
+            <a:pPr marL="152400" indent="0" algn="just">
+              <a:buNone/>
+            </a:pPr>
+            <a:r>
+              <a:rPr lang="es-ES" sz="1200" dirty="0">
+                <a:latin typeface="Abadi" panose="020B0604020104020204" pitchFamily="34" charset="0"/>
+              </a:rPr>
+              <a:t>el numero 1</a:t>
+            </a:r>
+          </a:p>
+          <a:p>
+            <a:pPr marL="152400" indent="0" algn="just">
+              <a:buNone/>
+            </a:pPr>
+            <a:r>
+              <a:rPr lang="es-ES" sz="1200" dirty="0">
+                <a:latin typeface="Abadi" panose="020B0604020104020204" pitchFamily="34" charset="0"/>
+              </a:rPr>
+              <a:t>3</a:t>
+            </a:r>
+          </a:p>
+          <a:p>
+            <a:pPr marL="152400" indent="0" algn="just">
+              <a:buNone/>
+            </a:pPr>
+            <a:r>
+              <a:rPr lang="es-ES" sz="1200" dirty="0">
+                <a:latin typeface="Abadi" panose="020B0604020104020204" pitchFamily="34" charset="0"/>
+              </a:rPr>
+              <a:t>no se puede representar en su totalidad por que tiene un número de decimales</a:t>
+            </a:r>
+          </a:p>
+          <a:p>
+            <a:pPr marL="152400" indent="0" algn="just">
+              <a:buNone/>
+            </a:pPr>
+            <a:r>
+              <a:rPr lang="es-ES" sz="1200" dirty="0">
+                <a:latin typeface="Abadi" panose="020B0604020104020204" pitchFamily="34" charset="0"/>
+              </a:rPr>
+              <a:t>infinitos, así que cuando estamos haciendo una comparación tenemos que comparar que el valor</a:t>
+            </a:r>
+          </a:p>
+          <a:p>
+            <a:pPr marL="152400" indent="0" algn="just">
+              <a:buNone/>
+            </a:pPr>
+            <a:r>
+              <a:rPr lang="es-ES" sz="1200" dirty="0">
+                <a:latin typeface="Abadi" panose="020B0604020104020204" pitchFamily="34" charset="0"/>
+              </a:rPr>
+              <a:t>absoluto de la resta de 2 valores es menor que ε, ε es un numero muy pequeño casi cero se define</a:t>
+            </a:r>
+          </a:p>
+          <a:p>
+            <a:pPr marL="152400" indent="0" algn="just">
+              <a:buNone/>
+            </a:pPr>
+            <a:r>
+              <a:rPr lang="es-ES" sz="1200" dirty="0">
+                <a:latin typeface="Abadi" panose="020B0604020104020204" pitchFamily="34" charset="0"/>
+              </a:rPr>
+              <a:t>normalmente como 1e-9.</a:t>
+            </a:r>
             <a:endParaRPr lang="es-CO" sz="1200" dirty="0">
               <a:latin typeface="Abadi" panose="020B0604020104020204" pitchFamily="34" charset="0"/>
             </a:endParaRPr>
@@ -6169,8 +7073,360 @@
         </p:nvSpPr>
         <p:spPr>
           <a:xfrm>
-            <a:off x="477806" y="1288421"/>
-            <a:ext cx="3521783" cy="3355041"/>
+            <a:off x="477806" y="1446180"/>
+            <a:ext cx="3521783" cy="3035030"/>
+          </a:xfrm>
+          <a:prstGeom prst="rect">
+            <a:avLst/>
+          </a:prstGeom>
+          <a:solidFill>
+            <a:srgbClr val="FFFFFF"/>
+          </a:solidFill>
+          <a:ln>
+            <a:solidFill>
+              <a:srgbClr val="BAF7C9"/>
+            </a:solidFill>
+          </a:ln>
+        </p:spPr>
+        <p:style>
+          <a:lnRef idx="2">
+            <a:schemeClr val="accent1">
+              <a:shade val="50000"/>
+            </a:schemeClr>
+          </a:lnRef>
+          <a:fillRef idx="1">
+            <a:schemeClr val="accent1"/>
+          </a:fillRef>
+          <a:effectRef idx="0">
+            <a:schemeClr val="accent1"/>
+          </a:effectRef>
+          <a:fontRef idx="minor">
+            <a:schemeClr val="lt1"/>
+          </a:fontRef>
+        </p:style>
+        <p:txBody>
+          <a:bodyPr rtlCol="0" anchor="ctr"/>
+          <a:lstStyle/>
+          <a:p>
+            <a:pPr algn="ctr"/>
+            <a:endParaRPr lang="es-CO"/>
+          </a:p>
+        </p:txBody>
+      </p:sp>
+      <p:sp>
+        <p:nvSpPr>
+          <p:cNvPr id="10" name="Título 2">
+            <a:extLst>
+              <a:ext uri="{FF2B5EF4-FFF2-40B4-BE49-F238E27FC236}">
+                <a16:creationId xmlns:a16="http://schemas.microsoft.com/office/drawing/2014/main" id="{4B4F06C2-20E6-40C1-BAD4-30FB77130CD3}"/>
+              </a:ext>
+            </a:extLst>
+          </p:cNvPr>
+          <p:cNvSpPr>
+            <a:spLocks noGrp="1"/>
+          </p:cNvSpPr>
+          <p:nvPr>
+            <p:ph type="ctrTitle"/>
+          </p:nvPr>
+        </p:nvSpPr>
+        <p:spPr>
+          <a:xfrm>
+            <a:off x="5686373" y="379275"/>
+            <a:ext cx="3195637" cy="481013"/>
+          </a:xfrm>
+        </p:spPr>
+        <p:txBody>
+          <a:bodyPr/>
+          <a:lstStyle/>
+          <a:p>
+            <a:r>
+              <a:rPr lang="es-CO" dirty="0"/>
+              <a:t>Punto</a:t>
+            </a:r>
+          </a:p>
+        </p:txBody>
+      </p:sp>
+      <p:pic>
+        <p:nvPicPr>
+          <p:cNvPr id="7" name="Imagen 6">
+            <a:extLst>
+              <a:ext uri="{FF2B5EF4-FFF2-40B4-BE49-F238E27FC236}">
+                <a16:creationId xmlns:a16="http://schemas.microsoft.com/office/drawing/2014/main" id="{F0BD948B-55A3-4BBB-AB31-6B37CADE4155}"/>
+              </a:ext>
+            </a:extLst>
+          </p:cNvPr>
+          <p:cNvPicPr>
+            <a:picLocks noChangeAspect="1"/>
+          </p:cNvPicPr>
+          <p:nvPr/>
+        </p:nvPicPr>
+        <p:blipFill>
+          <a:blip r:embed="rId4"/>
+          <a:stretch>
+            <a:fillRect/>
+          </a:stretch>
+        </p:blipFill>
+        <p:spPr>
+          <a:xfrm>
+            <a:off x="534636" y="1521035"/>
+            <a:ext cx="3408121" cy="2889812"/>
+          </a:xfrm>
+          <a:prstGeom prst="rect">
+            <a:avLst/>
+          </a:prstGeom>
+        </p:spPr>
+      </p:pic>
+    </p:spTree>
+    <p:extLst>
+      <p:ext uri="{BB962C8B-B14F-4D97-AF65-F5344CB8AC3E}">
+        <p14:creationId xmlns:p14="http://schemas.microsoft.com/office/powerpoint/2010/main" val="3384925096"/>
+      </p:ext>
+    </p:extLst>
+  </p:cSld>
+  <p:clrMapOvr>
+    <a:masterClrMapping/>
+  </p:clrMapOvr>
+</p:sld>
+</file>
+
+<file path=ppt/slides/slide4.xml><?xml version="1.0" encoding="utf-8"?>
+<p:sld xmlns:a="http://schemas.openxmlformats.org/drawingml/2006/main" xmlns:r="http://schemas.openxmlformats.org/officeDocument/2006/relationships" xmlns:p="http://schemas.openxmlformats.org/presentationml/2006/main">
+  <p:cSld>
+    <p:spTree>
+      <p:nvGrpSpPr>
+        <p:cNvPr id="1" name=""/>
+        <p:cNvGrpSpPr/>
+        <p:nvPr/>
+      </p:nvGrpSpPr>
+      <p:grpSpPr>
+        <a:xfrm>
+          <a:off x="0" y="0"/>
+          <a:ext cx="0" cy="0"/>
+          <a:chOff x="0" y="0"/>
+          <a:chExt cx="0" cy="0"/>
+        </a:xfrm>
+      </p:grpSpPr>
+      <p:sp>
+        <p:nvSpPr>
+          <p:cNvPr id="2" name="Subtítulo 1">
+            <a:extLst>
+              <a:ext uri="{FF2B5EF4-FFF2-40B4-BE49-F238E27FC236}">
+                <a16:creationId xmlns:a16="http://schemas.microsoft.com/office/drawing/2014/main" id="{29A75048-B2F8-4A8B-9645-CF6D9A7AE10B}"/>
+              </a:ext>
+            </a:extLst>
+          </p:cNvPr>
+          <p:cNvSpPr>
+            <a:spLocks noGrp="1"/>
+          </p:cNvSpPr>
+          <p:nvPr>
+            <p:ph type="subTitle" idx="1"/>
+          </p:nvPr>
+        </p:nvSpPr>
+        <p:spPr>
+          <a:xfrm flipH="1">
+            <a:off x="4050882" y="2160853"/>
+            <a:ext cx="4840506" cy="1649254"/>
+          </a:xfrm>
+        </p:spPr>
+        <p:txBody>
+          <a:bodyPr/>
+          <a:lstStyle/>
+          <a:p>
+            <a:pPr marL="152400" indent="0" algn="just">
+              <a:buNone/>
+            </a:pPr>
+            <a:r>
+              <a:rPr lang="es-ES" sz="1200" dirty="0">
+                <a:latin typeface="Abadi" panose="020B0604020104020204" pitchFamily="34" charset="0"/>
+              </a:rPr>
+              <a:t>Una línea es un elemento matemático que tiene infinitos puntos, una sola dimensión y va en ambos</a:t>
+            </a:r>
+          </a:p>
+          <a:p>
+            <a:pPr marL="152400" indent="0" algn="just">
+              <a:buNone/>
+            </a:pPr>
+            <a:r>
+              <a:rPr lang="es-ES" sz="1200" dirty="0">
+                <a:latin typeface="Abadi" panose="020B0604020104020204" pitchFamily="34" charset="0"/>
+              </a:rPr>
+              <a:t>Sentidos</a:t>
+            </a:r>
+          </a:p>
+          <a:p>
+            <a:pPr marL="152400" indent="0" algn="just">
+              <a:buNone/>
+            </a:pPr>
+            <a:endParaRPr lang="es-ES" sz="1200" dirty="0">
+              <a:latin typeface="Abadi" panose="020B0604020104020204" pitchFamily="34" charset="0"/>
+            </a:endParaRPr>
+          </a:p>
+          <a:p>
+            <a:pPr marL="152400" indent="0" algn="just">
+              <a:buNone/>
+            </a:pPr>
+            <a:r>
+              <a:rPr lang="es-ES" sz="1200" dirty="0">
+                <a:latin typeface="Abadi" panose="020B0604020104020204" pitchFamily="34" charset="0"/>
+              </a:rPr>
+              <a:t>Se recomienda usar la forma </a:t>
+            </a:r>
+            <a:r>
+              <a:rPr lang="es-ES" sz="1200" dirty="0" err="1">
+                <a:latin typeface="Abadi" panose="020B0604020104020204" pitchFamily="34" charset="0"/>
+              </a:rPr>
+              <a:t>ax</a:t>
+            </a:r>
+            <a:r>
+              <a:rPr lang="es-ES" sz="1200" dirty="0">
+                <a:latin typeface="Abadi" panose="020B0604020104020204" pitchFamily="34" charset="0"/>
+              </a:rPr>
+              <a:t> + </a:t>
+            </a:r>
+            <a:r>
+              <a:rPr lang="es-ES" sz="1200" dirty="0" err="1">
+                <a:latin typeface="Abadi" panose="020B0604020104020204" pitchFamily="34" charset="0"/>
+              </a:rPr>
+              <a:t>by</a:t>
+            </a:r>
+            <a:r>
+              <a:rPr lang="es-ES" sz="1200" dirty="0">
+                <a:latin typeface="Abadi" panose="020B0604020104020204" pitchFamily="34" charset="0"/>
+              </a:rPr>
+              <a:t> + c = 0 y no y = </a:t>
+            </a:r>
+            <a:r>
+              <a:rPr lang="es-ES" sz="1200" dirty="0" err="1">
+                <a:latin typeface="Abadi" panose="020B0604020104020204" pitchFamily="34" charset="0"/>
+              </a:rPr>
+              <a:t>mx</a:t>
+            </a:r>
+            <a:r>
+              <a:rPr lang="es-ES" sz="1200" dirty="0">
+                <a:latin typeface="Abadi" panose="020B0604020104020204" pitchFamily="34" charset="0"/>
+              </a:rPr>
+              <a:t> + b por que la primera tiene la capacidad</a:t>
+            </a:r>
+          </a:p>
+          <a:p>
+            <a:pPr marL="152400" indent="0" algn="just">
+              <a:buNone/>
+            </a:pPr>
+            <a:r>
+              <a:rPr lang="es-ES" sz="1200" dirty="0">
+                <a:latin typeface="Abadi" panose="020B0604020104020204" pitchFamily="34" charset="0"/>
+              </a:rPr>
+              <a:t>de representar líneas verticales.</a:t>
+            </a:r>
+          </a:p>
+          <a:p>
+            <a:pPr marL="152400" indent="0" algn="just">
+              <a:buNone/>
+            </a:pPr>
+            <a:endParaRPr lang="es-CO" sz="1200" dirty="0">
+              <a:latin typeface="Abadi" panose="020B0604020104020204" pitchFamily="34" charset="0"/>
+            </a:endParaRPr>
+          </a:p>
+        </p:txBody>
+      </p:sp>
+      <p:pic>
+        <p:nvPicPr>
+          <p:cNvPr id="4" name="Picture 4" descr="Símbolos Universitarios – Universidad de Nariño">
+            <a:extLst>
+              <a:ext uri="{FF2B5EF4-FFF2-40B4-BE49-F238E27FC236}">
+                <a16:creationId xmlns:a16="http://schemas.microsoft.com/office/drawing/2014/main" id="{0B2EA667-CB57-4DF8-BB35-E9AFDF367C2B}"/>
+              </a:ext>
+            </a:extLst>
+          </p:cNvPr>
+          <p:cNvPicPr>
+            <a:picLocks noChangeAspect="1" noChangeArrowheads="1"/>
+          </p:cNvPicPr>
+          <p:nvPr/>
+        </p:nvPicPr>
+        <p:blipFill>
+          <a:blip r:embed="rId2">
+            <a:extLst>
+              <a:ext uri="{28A0092B-C50C-407E-A947-70E740481C1C}">
+                <a14:useLocalDpi xmlns:a14="http://schemas.microsoft.com/office/drawing/2010/main" val="0"/>
+              </a:ext>
+            </a:extLst>
+          </a:blip>
+          <a:srcRect/>
+          <a:stretch>
+            <a:fillRect/>
+          </a:stretch>
+        </p:blipFill>
+        <p:spPr bwMode="auto">
+          <a:xfrm>
+            <a:off x="261990" y="192093"/>
+            <a:ext cx="660961" cy="660961"/>
+          </a:xfrm>
+          <a:prstGeom prst="rect">
+            <a:avLst/>
+          </a:prstGeom>
+          <a:noFill/>
+          <a:extLst>
+            <a:ext uri="{909E8E84-426E-40DD-AFC4-6F175D3DCCD1}">
+              <a14:hiddenFill xmlns:a14="http://schemas.microsoft.com/office/drawing/2010/main">
+                <a:solidFill>
+                  <a:srgbClr val="FFFFFF"/>
+                </a:solidFill>
+              </a14:hiddenFill>
+            </a:ext>
+          </a:extLst>
+        </p:spPr>
+      </p:pic>
+      <p:pic>
+        <p:nvPicPr>
+          <p:cNvPr id="5" name="Imagen 4">
+            <a:extLst>
+              <a:ext uri="{FF2B5EF4-FFF2-40B4-BE49-F238E27FC236}">
+                <a16:creationId xmlns:a16="http://schemas.microsoft.com/office/drawing/2014/main" id="{1B46FA37-FA47-4459-8828-383FB697E3AF}"/>
+              </a:ext>
+            </a:extLst>
+          </p:cNvPr>
+          <p:cNvPicPr>
+            <a:picLocks noChangeAspect="1"/>
+          </p:cNvPicPr>
+          <p:nvPr/>
+        </p:nvPicPr>
+        <p:blipFill rotWithShape="1">
+          <a:blip r:embed="rId3"/>
+          <a:srcRect l="53279" t="4713" r="5319"/>
+          <a:stretch/>
+        </p:blipFill>
+        <p:spPr>
+          <a:xfrm>
+            <a:off x="1071372" y="144121"/>
+            <a:ext cx="918577" cy="804385"/>
+          </a:xfrm>
+          <a:prstGeom prst="ellipse">
+            <a:avLst/>
+          </a:prstGeom>
+          <a:ln>
+            <a:noFill/>
+          </a:ln>
+          <a:effectLst>
+            <a:softEdge rad="112500"/>
+          </a:effectLst>
+        </p:spPr>
+      </p:pic>
+      <p:sp>
+        <p:nvSpPr>
+          <p:cNvPr id="6" name="Rectángulo 5">
+            <a:extLst>
+              <a:ext uri="{FF2B5EF4-FFF2-40B4-BE49-F238E27FC236}">
+                <a16:creationId xmlns:a16="http://schemas.microsoft.com/office/drawing/2014/main" id="{EC2D0E56-7D0C-40D0-8E56-B8801C98D13A}"/>
+              </a:ext>
+            </a:extLst>
+          </p:cNvPr>
+          <p:cNvSpPr/>
+          <p:nvPr/>
+        </p:nvSpPr>
+        <p:spPr>
+          <a:xfrm>
+            <a:off x="477806" y="1446180"/>
+            <a:ext cx="3521783" cy="3035030"/>
           </a:xfrm>
           <a:prstGeom prst="rect">
             <a:avLst/>
@@ -6237,17 +7493,17 @@
           <a:p>
             <a:r>
               <a:rPr lang="es-CO" dirty="0"/>
-              <a:t>montículo  Binario </a:t>
+              <a:t>Recta</a:t>
             </a:r>
           </a:p>
         </p:txBody>
       </p:sp>
       <p:pic>
         <p:nvPicPr>
-          <p:cNvPr id="7" name="Imagen 6" descr="Imagen que contiene reloj&#10;&#10;Descripción generada automáticamente">
+          <p:cNvPr id="8" name="Imagen 7" descr="Gráfico&#10;&#10;Descripción generada automáticamente">
             <a:extLst>
               <a:ext uri="{FF2B5EF4-FFF2-40B4-BE49-F238E27FC236}">
-                <a16:creationId xmlns:a16="http://schemas.microsoft.com/office/drawing/2014/main" id="{F6D14717-9CAC-468E-9349-74EDB44A320E}"/>
+                <a16:creationId xmlns:a16="http://schemas.microsoft.com/office/drawing/2014/main" id="{F2DC4C48-B318-4D4B-ABED-494399EB1BD6}"/>
               </a:ext>
             </a:extLst>
           </p:cNvPr>
@@ -6264,8 +7520,8 @@
         </p:blipFill>
         <p:spPr>
           <a:xfrm>
-            <a:off x="922951" y="1680114"/>
-            <a:ext cx="2557044" cy="2340992"/>
+            <a:off x="529099" y="1541632"/>
+            <a:ext cx="3394138" cy="2887696"/>
           </a:xfrm>
           <a:prstGeom prst="rect">
             <a:avLst/>
@@ -6275,415 +7531,7 @@
     </p:spTree>
     <p:extLst>
       <p:ext uri="{BB962C8B-B14F-4D97-AF65-F5344CB8AC3E}">
-        <p14:creationId xmlns:p14="http://schemas.microsoft.com/office/powerpoint/2010/main" val="3384925096"/>
-      </p:ext>
-    </p:extLst>
-  </p:cSld>
-  <p:clrMapOvr>
-    <a:masterClrMapping/>
-  </p:clrMapOvr>
-</p:sld>
-</file>
-
-<file path=ppt/slides/slide4.xml><?xml version="1.0" encoding="utf-8"?>
-<p:sld xmlns:a="http://schemas.openxmlformats.org/drawingml/2006/main" xmlns:r="http://schemas.openxmlformats.org/officeDocument/2006/relationships" xmlns:p="http://schemas.openxmlformats.org/presentationml/2006/main">
-  <p:cSld>
-    <p:spTree>
-      <p:nvGrpSpPr>
-        <p:cNvPr id="1" name="Shape 139"/>
-        <p:cNvGrpSpPr/>
-        <p:nvPr/>
-      </p:nvGrpSpPr>
-      <p:grpSpPr>
-        <a:xfrm>
-          <a:off x="0" y="0"/>
-          <a:ext cx="0" cy="0"/>
-          <a:chOff x="0" y="0"/>
-          <a:chExt cx="0" cy="0"/>
-        </a:xfrm>
-      </p:grpSpPr>
-      <p:sp>
-        <p:nvSpPr>
-          <p:cNvPr id="6" name="Rectángulo 5">
-            <a:extLst>
-              <a:ext uri="{FF2B5EF4-FFF2-40B4-BE49-F238E27FC236}">
-                <a16:creationId xmlns:a16="http://schemas.microsoft.com/office/drawing/2014/main" id="{1C2148E8-29B0-47B9-AB82-4263D9C3E039}"/>
-              </a:ext>
-            </a:extLst>
-          </p:cNvPr>
-          <p:cNvSpPr/>
-          <p:nvPr/>
-        </p:nvSpPr>
-        <p:spPr>
-          <a:xfrm>
-            <a:off x="3193043" y="403410"/>
-            <a:ext cx="5801865" cy="4390465"/>
-          </a:xfrm>
-          <a:prstGeom prst="rect">
-            <a:avLst/>
-          </a:prstGeom>
-          <a:solidFill>
-            <a:srgbClr val="FFDE59"/>
-          </a:solidFill>
-          <a:ln>
-            <a:noFill/>
-          </a:ln>
-        </p:spPr>
-        <p:style>
-          <a:lnRef idx="2">
-            <a:schemeClr val="accent1">
-              <a:shade val="50000"/>
-            </a:schemeClr>
-          </a:lnRef>
-          <a:fillRef idx="1">
-            <a:schemeClr val="accent1"/>
-          </a:fillRef>
-          <a:effectRef idx="0">
-            <a:schemeClr val="accent1"/>
-          </a:effectRef>
-          <a:fontRef idx="minor">
-            <a:schemeClr val="lt1"/>
-          </a:fontRef>
-        </p:style>
-        <p:txBody>
-          <a:bodyPr rtlCol="0" anchor="ctr"/>
-          <a:lstStyle/>
-          <a:p>
-            <a:pPr algn="ctr"/>
-            <a:endParaRPr lang="es-CO"/>
-          </a:p>
-        </p:txBody>
-      </p:sp>
-      <p:sp>
-        <p:nvSpPr>
-          <p:cNvPr id="7" name="Rectángulo 6">
-            <a:extLst>
-              <a:ext uri="{FF2B5EF4-FFF2-40B4-BE49-F238E27FC236}">
-                <a16:creationId xmlns:a16="http://schemas.microsoft.com/office/drawing/2014/main" id="{7D51D62D-F866-480C-BB56-3911EC80193D}"/>
-              </a:ext>
-            </a:extLst>
-          </p:cNvPr>
-          <p:cNvSpPr/>
-          <p:nvPr/>
-        </p:nvSpPr>
-        <p:spPr>
-          <a:xfrm>
-            <a:off x="-10483" y="2212040"/>
-            <a:ext cx="3356034" cy="1169895"/>
-          </a:xfrm>
-          <a:prstGeom prst="rect">
-            <a:avLst/>
-          </a:prstGeom>
-          <a:solidFill>
-            <a:srgbClr val="94DD26"/>
-          </a:solidFill>
-          <a:ln>
-            <a:noFill/>
-          </a:ln>
-        </p:spPr>
-        <p:style>
-          <a:lnRef idx="2">
-            <a:schemeClr val="accent1">
-              <a:shade val="50000"/>
-            </a:schemeClr>
-          </a:lnRef>
-          <a:fillRef idx="1">
-            <a:schemeClr val="accent1"/>
-          </a:fillRef>
-          <a:effectRef idx="0">
-            <a:schemeClr val="accent1"/>
-          </a:effectRef>
-          <a:fontRef idx="minor">
-            <a:schemeClr val="lt1"/>
-          </a:fontRef>
-        </p:style>
-        <p:txBody>
-          <a:bodyPr rtlCol="0" anchor="ctr"/>
-          <a:lstStyle/>
-          <a:p>
-            <a:pPr algn="ctr"/>
-            <a:endParaRPr lang="es-CO"/>
-          </a:p>
-        </p:txBody>
-      </p:sp>
-      <p:sp>
-        <p:nvSpPr>
-          <p:cNvPr id="8" name="Rectángulo 7">
-            <a:extLst>
-              <a:ext uri="{FF2B5EF4-FFF2-40B4-BE49-F238E27FC236}">
-                <a16:creationId xmlns:a16="http://schemas.microsoft.com/office/drawing/2014/main" id="{13EB4147-DCE5-4698-A3B6-4D7F472AAE93}"/>
-              </a:ext>
-            </a:extLst>
-          </p:cNvPr>
-          <p:cNvSpPr/>
-          <p:nvPr/>
-        </p:nvSpPr>
-        <p:spPr>
-          <a:xfrm>
-            <a:off x="3342135" y="496605"/>
-            <a:ext cx="5801865" cy="4390465"/>
-          </a:xfrm>
-          <a:prstGeom prst="rect">
-            <a:avLst/>
-          </a:prstGeom>
-          <a:solidFill>
-            <a:srgbClr val="94DD26"/>
-          </a:solidFill>
-          <a:ln>
-            <a:noFill/>
-          </a:ln>
-        </p:spPr>
-        <p:style>
-          <a:lnRef idx="2">
-            <a:schemeClr val="accent1">
-              <a:shade val="50000"/>
-            </a:schemeClr>
-          </a:lnRef>
-          <a:fillRef idx="1">
-            <a:schemeClr val="accent1"/>
-          </a:fillRef>
-          <a:effectRef idx="0">
-            <a:schemeClr val="accent1"/>
-          </a:effectRef>
-          <a:fontRef idx="minor">
-            <a:schemeClr val="lt1"/>
-          </a:fontRef>
-        </p:style>
-        <p:txBody>
-          <a:bodyPr rtlCol="0" anchor="ctr"/>
-          <a:lstStyle/>
-          <a:p>
-            <a:pPr algn="ctr"/>
-            <a:endParaRPr lang="es-CO"/>
-          </a:p>
-        </p:txBody>
-      </p:sp>
-      <p:sp>
-        <p:nvSpPr>
-          <p:cNvPr id="166" name="Google Shape;166;p26"/>
-          <p:cNvSpPr txBox="1">
-            <a:spLocks noGrp="1"/>
-          </p:cNvSpPr>
-          <p:nvPr>
-            <p:ph type="ctrTitle"/>
-          </p:nvPr>
-        </p:nvSpPr>
-        <p:spPr>
-          <a:xfrm>
-            <a:off x="129970" y="2466506"/>
-            <a:ext cx="2913981" cy="660961"/>
-          </a:xfrm>
-          <a:prstGeom prst="rect">
-            <a:avLst/>
-          </a:prstGeom>
-        </p:spPr>
-        <p:txBody>
-          <a:bodyPr spcFirstLastPara="1" wrap="square" lIns="91425" tIns="91425" rIns="91425" bIns="91425" anchor="b" anchorCtr="0">
-            <a:noAutofit/>
-          </a:bodyPr>
-          <a:lstStyle/>
-          <a:p>
-            <a:pPr marL="0" lvl="0" indent="0" algn="ctr" rtl="0">
-              <a:spcBef>
-                <a:spcPts val="0"/>
-              </a:spcBef>
-              <a:spcAft>
-                <a:spcPts val="0"/>
-              </a:spcAft>
-              <a:buNone/>
-            </a:pPr>
-            <a:r>
-              <a:rPr lang="en" sz="3200" dirty="0">
-                <a:solidFill>
-                  <a:schemeClr val="tx1"/>
-                </a:solidFill>
-              </a:rPr>
-              <a:t>04.</a:t>
-            </a:r>
-            <a:r>
-              <a:rPr lang="es-CO" sz="3200" dirty="0">
-                <a:solidFill>
-                  <a:schemeClr val="tx1"/>
-                </a:solidFill>
-              </a:rPr>
-              <a:t> Matemáticos </a:t>
-            </a:r>
-            <a:endParaRPr sz="3200" dirty="0">
-              <a:solidFill>
-                <a:schemeClr val="tx1"/>
-              </a:solidFill>
-            </a:endParaRPr>
-          </a:p>
-        </p:txBody>
-      </p:sp>
-      <p:pic>
-        <p:nvPicPr>
-          <p:cNvPr id="1028" name="Picture 4" descr="Símbolos Universitarios – Universidad de Nariño">
-            <a:extLst>
-              <a:ext uri="{FF2B5EF4-FFF2-40B4-BE49-F238E27FC236}">
-                <a16:creationId xmlns:a16="http://schemas.microsoft.com/office/drawing/2014/main" id="{EDF64FA2-360A-4D3A-AF78-F1E4C7CCFD55}"/>
-              </a:ext>
-            </a:extLst>
-          </p:cNvPr>
-          <p:cNvPicPr>
-            <a:picLocks noChangeAspect="1" noChangeArrowheads="1"/>
-          </p:cNvPicPr>
-          <p:nvPr/>
-        </p:nvPicPr>
-        <p:blipFill>
-          <a:blip r:embed="rId3">
-            <a:extLst>
-              <a:ext uri="{28A0092B-C50C-407E-A947-70E740481C1C}">
-                <a14:useLocalDpi xmlns:a14="http://schemas.microsoft.com/office/drawing/2010/main" val="0"/>
-              </a:ext>
-            </a:extLst>
-          </a:blip>
-          <a:srcRect/>
-          <a:stretch>
-            <a:fillRect/>
-          </a:stretch>
-        </p:blipFill>
-        <p:spPr bwMode="auto">
-          <a:xfrm>
-            <a:off x="291117" y="219456"/>
-            <a:ext cx="660961" cy="660961"/>
-          </a:xfrm>
-          <a:prstGeom prst="rect">
-            <a:avLst/>
-          </a:prstGeom>
-          <a:noFill/>
-          <a:extLst>
-            <a:ext uri="{909E8E84-426E-40DD-AFC4-6F175D3DCCD1}">
-              <a14:hiddenFill xmlns:a14="http://schemas.microsoft.com/office/drawing/2010/main">
-                <a:solidFill>
-                  <a:srgbClr val="FFFFFF"/>
-                </a:solidFill>
-              </a14:hiddenFill>
-            </a:ext>
-          </a:extLst>
-        </p:spPr>
-      </p:pic>
-      <p:pic>
-        <p:nvPicPr>
-          <p:cNvPr id="417" name="Imagen 416">
-            <a:extLst>
-              <a:ext uri="{FF2B5EF4-FFF2-40B4-BE49-F238E27FC236}">
-                <a16:creationId xmlns:a16="http://schemas.microsoft.com/office/drawing/2014/main" id="{6C54B729-21DA-4852-927D-4E13F29541B2}"/>
-              </a:ext>
-            </a:extLst>
-          </p:cNvPr>
-          <p:cNvPicPr>
-            <a:picLocks noChangeAspect="1"/>
-          </p:cNvPicPr>
-          <p:nvPr/>
-        </p:nvPicPr>
-        <p:blipFill rotWithShape="1">
-          <a:blip r:embed="rId4"/>
-          <a:srcRect l="53279" t="4713" r="5319"/>
-          <a:stretch/>
-        </p:blipFill>
-        <p:spPr>
-          <a:xfrm>
-            <a:off x="1082048" y="147745"/>
-            <a:ext cx="918577" cy="804385"/>
-          </a:xfrm>
-          <a:prstGeom prst="ellipse">
-            <a:avLst/>
-          </a:prstGeom>
-          <a:ln>
-            <a:noFill/>
-          </a:ln>
-          <a:effectLst>
-            <a:softEdge rad="112500"/>
-          </a:effectLst>
-        </p:spPr>
-      </p:pic>
-      <p:sp>
-        <p:nvSpPr>
-          <p:cNvPr id="4" name="Rectángulo 3">
-            <a:extLst>
-              <a:ext uri="{FF2B5EF4-FFF2-40B4-BE49-F238E27FC236}">
-                <a16:creationId xmlns:a16="http://schemas.microsoft.com/office/drawing/2014/main" id="{F04C2CAB-775C-4D47-9732-B8CCEE3CC5EB}"/>
-              </a:ext>
-            </a:extLst>
-          </p:cNvPr>
-          <p:cNvSpPr/>
-          <p:nvPr/>
-        </p:nvSpPr>
-        <p:spPr>
-          <a:xfrm>
-            <a:off x="3494643" y="665629"/>
-            <a:ext cx="5555228" cy="4128246"/>
-          </a:xfrm>
-          <a:prstGeom prst="rect">
-            <a:avLst/>
-          </a:prstGeom>
-          <a:solidFill>
-            <a:srgbClr val="FFFFFF"/>
-          </a:solidFill>
-          <a:ln>
-            <a:noFill/>
-          </a:ln>
-        </p:spPr>
-        <p:style>
-          <a:lnRef idx="2">
-            <a:schemeClr val="accent1">
-              <a:shade val="50000"/>
-            </a:schemeClr>
-          </a:lnRef>
-          <a:fillRef idx="1">
-            <a:schemeClr val="accent1"/>
-          </a:fillRef>
-          <a:effectRef idx="0">
-            <a:schemeClr val="accent1"/>
-          </a:effectRef>
-          <a:fontRef idx="minor">
-            <a:schemeClr val="lt1"/>
-          </a:fontRef>
-        </p:style>
-        <p:txBody>
-          <a:bodyPr rtlCol="0" anchor="ctr"/>
-          <a:lstStyle/>
-          <a:p>
-            <a:pPr algn="ctr"/>
-            <a:endParaRPr lang="es-CO"/>
-          </a:p>
-        </p:txBody>
-      </p:sp>
-      <p:pic>
-        <p:nvPicPr>
-          <p:cNvPr id="5" name="Imagen 4" descr="Una caricatura de un pizarrón&#10;&#10;Descripción generada automáticamente con confianza media">
-            <a:extLst>
-              <a:ext uri="{FF2B5EF4-FFF2-40B4-BE49-F238E27FC236}">
-                <a16:creationId xmlns:a16="http://schemas.microsoft.com/office/drawing/2014/main" id="{BAC3E0B6-EA4E-4E62-B0D1-5B05008D0B99}"/>
-              </a:ext>
-            </a:extLst>
-          </p:cNvPr>
-          <p:cNvPicPr>
-            <a:picLocks noChangeAspect="1"/>
-          </p:cNvPicPr>
-          <p:nvPr/>
-        </p:nvPicPr>
-        <p:blipFill>
-          <a:blip r:embed="rId5"/>
-          <a:stretch>
-            <a:fillRect/>
-          </a:stretch>
-        </p:blipFill>
-        <p:spPr>
-          <a:xfrm>
-            <a:off x="3638145" y="989923"/>
-            <a:ext cx="5236104" cy="3487948"/>
-          </a:xfrm>
-          <a:prstGeom prst="rect">
-            <a:avLst/>
-          </a:prstGeom>
-        </p:spPr>
-      </p:pic>
-    </p:spTree>
-    <p:extLst>
-      <p:ext uri="{BB962C8B-B14F-4D97-AF65-F5344CB8AC3E}">
-        <p14:creationId xmlns:p14="http://schemas.microsoft.com/office/powerpoint/2010/main" val="3880983346"/>
+        <p14:creationId xmlns:p14="http://schemas.microsoft.com/office/powerpoint/2010/main" val="1484175073"/>
       </p:ext>
     </p:extLst>
   </p:cSld>
@@ -6694,511 +7542,6 @@
 </file>
 
 <file path=ppt/slides/slide5.xml><?xml version="1.0" encoding="utf-8"?>
-<p:sld xmlns:a="http://schemas.openxmlformats.org/drawingml/2006/main" xmlns:r="http://schemas.openxmlformats.org/officeDocument/2006/relationships" xmlns:p="http://schemas.openxmlformats.org/presentationml/2006/main">
-  <p:cSld>
-    <p:spTree>
-      <p:nvGrpSpPr>
-        <p:cNvPr id="1" name=""/>
-        <p:cNvGrpSpPr/>
-        <p:nvPr/>
-      </p:nvGrpSpPr>
-      <p:grpSpPr>
-        <a:xfrm>
-          <a:off x="0" y="0"/>
-          <a:ext cx="0" cy="0"/>
-          <a:chOff x="0" y="0"/>
-          <a:chExt cx="0" cy="0"/>
-        </a:xfrm>
-      </p:grpSpPr>
-      <p:sp>
-        <p:nvSpPr>
-          <p:cNvPr id="2" name="Subtítulo 1">
-            <a:extLst>
-              <a:ext uri="{FF2B5EF4-FFF2-40B4-BE49-F238E27FC236}">
-                <a16:creationId xmlns:a16="http://schemas.microsoft.com/office/drawing/2014/main" id="{29A75048-B2F8-4A8B-9645-CF6D9A7AE10B}"/>
-              </a:ext>
-            </a:extLst>
-          </p:cNvPr>
-          <p:cNvSpPr>
-            <a:spLocks noGrp="1"/>
-          </p:cNvSpPr>
-          <p:nvPr>
-            <p:ph type="subTitle" idx="1"/>
-          </p:nvPr>
-        </p:nvSpPr>
-        <p:spPr>
-          <a:xfrm flipH="1">
-            <a:off x="3904322" y="1517500"/>
-            <a:ext cx="4873792" cy="3125962"/>
-          </a:xfrm>
-        </p:spPr>
-        <p:txBody>
-          <a:bodyPr/>
-          <a:lstStyle/>
-          <a:p>
-            <a:pPr marL="152400" indent="0" algn="just">
-              <a:buNone/>
-            </a:pPr>
-            <a:endParaRPr lang="es-CO" sz="1200" dirty="0">
-              <a:latin typeface="Abadi" panose="020B0604020104020204" pitchFamily="34" charset="0"/>
-            </a:endParaRPr>
-          </a:p>
-          <a:p>
-            <a:pPr marL="152400" indent="0" algn="just">
-              <a:buNone/>
-            </a:pPr>
-            <a:r>
-              <a:rPr lang="es-ES" sz="1200" dirty="0">
-                <a:latin typeface="Abadi" panose="020B0604020104020204" pitchFamily="34" charset="0"/>
-              </a:rPr>
-              <a:t>primer paso:</a:t>
-            </a:r>
-          </a:p>
-          <a:p>
-            <a:pPr marL="152400" indent="0" algn="just">
-              <a:buNone/>
-            </a:pPr>
-            <a:r>
-              <a:rPr lang="es-ES" sz="1200" dirty="0">
-                <a:latin typeface="Abadi" panose="020B0604020104020204" pitchFamily="34" charset="0"/>
-              </a:rPr>
-              <a:t>iniciamos la tortuga en f(x0) y la libre en f(f(x0)), avanzamos la tortuga f(tortuga) y la libre f(f(liebre)) hasta que los 2 punteros coincidan</a:t>
-            </a:r>
-          </a:p>
-          <a:p>
-            <a:pPr marL="152400" indent="0" algn="just">
-              <a:buNone/>
-            </a:pPr>
-            <a:endParaRPr lang="es-ES" sz="1200" dirty="0">
-              <a:latin typeface="Abadi" panose="020B0604020104020204" pitchFamily="34" charset="0"/>
-            </a:endParaRPr>
-          </a:p>
-          <a:p>
-            <a:pPr marL="152400" indent="0" algn="just">
-              <a:buNone/>
-            </a:pPr>
-            <a:r>
-              <a:rPr lang="es-ES" sz="1200" dirty="0">
-                <a:latin typeface="Abadi" panose="020B0604020104020204" pitchFamily="34" charset="0"/>
-              </a:rPr>
-              <a:t>paso 2:</a:t>
-            </a:r>
-          </a:p>
-          <a:p>
-            <a:pPr marL="152400" indent="0" algn="just">
-              <a:buNone/>
-            </a:pPr>
-            <a:r>
-              <a:rPr lang="es-ES" sz="1200" dirty="0">
-                <a:latin typeface="Abadi" panose="020B0604020104020204" pitchFamily="34" charset="0"/>
-              </a:rPr>
-              <a:t>iniciamos mu = 0 hacemos la liebre igual a nuestro inicio y empezamos iterar los 2 punteros paso a paso sumando le 1 a mu hasta que coincidan.</a:t>
-            </a:r>
-          </a:p>
-          <a:p>
-            <a:pPr marL="152400" indent="0" algn="just">
-              <a:buNone/>
-            </a:pPr>
-            <a:endParaRPr lang="es-ES" sz="1200" dirty="0">
-              <a:latin typeface="Abadi" panose="020B0604020104020204" pitchFamily="34" charset="0"/>
-            </a:endParaRPr>
-          </a:p>
-          <a:p>
-            <a:pPr marL="152400" indent="0" algn="just">
-              <a:buNone/>
-            </a:pPr>
-            <a:r>
-              <a:rPr lang="es-ES" sz="1200" dirty="0">
-                <a:latin typeface="Abadi" panose="020B0604020104020204" pitchFamily="34" charset="0"/>
-              </a:rPr>
-              <a:t>paso 3:</a:t>
-            </a:r>
-          </a:p>
-          <a:p>
-            <a:pPr marL="152400" indent="0" algn="just">
-              <a:buNone/>
-            </a:pPr>
-            <a:r>
-              <a:rPr lang="es-ES" sz="1200" dirty="0">
-                <a:latin typeface="Abadi" panose="020B0604020104020204" pitchFamily="34" charset="0"/>
-              </a:rPr>
-              <a:t>estando los dos punteros en el mismo lugar iniciamos lambda = 1 y libre = f(liebre) e iteramos</a:t>
-            </a:r>
-          </a:p>
-          <a:p>
-            <a:pPr marL="152400" indent="0" algn="just">
-              <a:buNone/>
-            </a:pPr>
-            <a:r>
-              <a:rPr lang="es-ES" sz="1200" dirty="0">
-                <a:latin typeface="Abadi" panose="020B0604020104020204" pitchFamily="34" charset="0"/>
-              </a:rPr>
-              <a:t>solo con la liebre hasta que vuelva a coincidir con la tortuga sumándole 1 a lambda por cada iteración.</a:t>
-            </a:r>
-            <a:endParaRPr lang="es-CO" sz="1200" dirty="0">
-              <a:latin typeface="Abadi" panose="020B0604020104020204" pitchFamily="34" charset="0"/>
-            </a:endParaRPr>
-          </a:p>
-        </p:txBody>
-      </p:sp>
-      <p:pic>
-        <p:nvPicPr>
-          <p:cNvPr id="4" name="Picture 4" descr="Símbolos Universitarios – Universidad de Nariño">
-            <a:extLst>
-              <a:ext uri="{FF2B5EF4-FFF2-40B4-BE49-F238E27FC236}">
-                <a16:creationId xmlns:a16="http://schemas.microsoft.com/office/drawing/2014/main" id="{0B2EA667-CB57-4DF8-BB35-E9AFDF367C2B}"/>
-              </a:ext>
-            </a:extLst>
-          </p:cNvPr>
-          <p:cNvPicPr>
-            <a:picLocks noChangeAspect="1" noChangeArrowheads="1"/>
-          </p:cNvPicPr>
-          <p:nvPr/>
-        </p:nvPicPr>
-        <p:blipFill>
-          <a:blip r:embed="rId2">
-            <a:extLst>
-              <a:ext uri="{28A0092B-C50C-407E-A947-70E740481C1C}">
-                <a14:useLocalDpi xmlns:a14="http://schemas.microsoft.com/office/drawing/2010/main" val="0"/>
-              </a:ext>
-            </a:extLst>
-          </a:blip>
-          <a:srcRect/>
-          <a:stretch>
-            <a:fillRect/>
-          </a:stretch>
-        </p:blipFill>
-        <p:spPr bwMode="auto">
-          <a:xfrm>
-            <a:off x="261990" y="192093"/>
-            <a:ext cx="660961" cy="660961"/>
-          </a:xfrm>
-          <a:prstGeom prst="rect">
-            <a:avLst/>
-          </a:prstGeom>
-          <a:noFill/>
-          <a:extLst>
-            <a:ext uri="{909E8E84-426E-40DD-AFC4-6F175D3DCCD1}">
-              <a14:hiddenFill xmlns:a14="http://schemas.microsoft.com/office/drawing/2010/main">
-                <a:solidFill>
-                  <a:srgbClr val="FFFFFF"/>
-                </a:solidFill>
-              </a14:hiddenFill>
-            </a:ext>
-          </a:extLst>
-        </p:spPr>
-      </p:pic>
-      <p:pic>
-        <p:nvPicPr>
-          <p:cNvPr id="5" name="Imagen 4">
-            <a:extLst>
-              <a:ext uri="{FF2B5EF4-FFF2-40B4-BE49-F238E27FC236}">
-                <a16:creationId xmlns:a16="http://schemas.microsoft.com/office/drawing/2014/main" id="{1B46FA37-FA47-4459-8828-383FB697E3AF}"/>
-              </a:ext>
-            </a:extLst>
-          </p:cNvPr>
-          <p:cNvPicPr>
-            <a:picLocks noChangeAspect="1"/>
-          </p:cNvPicPr>
-          <p:nvPr/>
-        </p:nvPicPr>
-        <p:blipFill rotWithShape="1">
-          <a:blip r:embed="rId3"/>
-          <a:srcRect l="53279" t="4713" r="5319"/>
-          <a:stretch/>
-        </p:blipFill>
-        <p:spPr>
-          <a:xfrm>
-            <a:off x="1071372" y="144121"/>
-            <a:ext cx="918577" cy="804385"/>
-          </a:xfrm>
-          <a:prstGeom prst="ellipse">
-            <a:avLst/>
-          </a:prstGeom>
-          <a:ln>
-            <a:noFill/>
-          </a:ln>
-          <a:effectLst>
-            <a:softEdge rad="112500"/>
-          </a:effectLst>
-        </p:spPr>
-      </p:pic>
-      <p:sp>
-        <p:nvSpPr>
-          <p:cNvPr id="6" name="Rectángulo 5">
-            <a:extLst>
-              <a:ext uri="{FF2B5EF4-FFF2-40B4-BE49-F238E27FC236}">
-                <a16:creationId xmlns:a16="http://schemas.microsoft.com/office/drawing/2014/main" id="{EC2D0E56-7D0C-40D0-8E56-B8801C98D13A}"/>
-              </a:ext>
-            </a:extLst>
-          </p:cNvPr>
-          <p:cNvSpPr/>
-          <p:nvPr/>
-        </p:nvSpPr>
-        <p:spPr>
-          <a:xfrm>
-            <a:off x="477806" y="1288421"/>
-            <a:ext cx="3361377" cy="3355041"/>
-          </a:xfrm>
-          <a:prstGeom prst="rect">
-            <a:avLst/>
-          </a:prstGeom>
-          <a:solidFill>
-            <a:srgbClr val="EEEEEE"/>
-          </a:solidFill>
-          <a:ln>
-            <a:solidFill>
-              <a:srgbClr val="BAF7C9"/>
-            </a:solidFill>
-          </a:ln>
-        </p:spPr>
-        <p:style>
-          <a:lnRef idx="2">
-            <a:schemeClr val="accent1">
-              <a:shade val="50000"/>
-            </a:schemeClr>
-          </a:lnRef>
-          <a:fillRef idx="1">
-            <a:schemeClr val="accent1"/>
-          </a:fillRef>
-          <a:effectRef idx="0">
-            <a:schemeClr val="accent1"/>
-          </a:effectRef>
-          <a:fontRef idx="minor">
-            <a:schemeClr val="lt1"/>
-          </a:fontRef>
-        </p:style>
-        <p:txBody>
-          <a:bodyPr rtlCol="0" anchor="ctr"/>
-          <a:lstStyle/>
-          <a:p>
-            <a:pPr algn="ctr"/>
-            <a:endParaRPr lang="es-CO"/>
-          </a:p>
-        </p:txBody>
-      </p:sp>
-      <p:sp>
-        <p:nvSpPr>
-          <p:cNvPr id="10" name="Título 2">
-            <a:extLst>
-              <a:ext uri="{FF2B5EF4-FFF2-40B4-BE49-F238E27FC236}">
-                <a16:creationId xmlns:a16="http://schemas.microsoft.com/office/drawing/2014/main" id="{4B4F06C2-20E6-40C1-BAD4-30FB77130CD3}"/>
-              </a:ext>
-            </a:extLst>
-          </p:cNvPr>
-          <p:cNvSpPr>
-            <a:spLocks noGrp="1"/>
-          </p:cNvSpPr>
-          <p:nvPr>
-            <p:ph type="ctrTitle"/>
-          </p:nvPr>
-        </p:nvSpPr>
-        <p:spPr>
-          <a:xfrm>
-            <a:off x="5686373" y="372041"/>
-            <a:ext cx="3195637" cy="481013"/>
-          </a:xfrm>
-        </p:spPr>
-        <p:txBody>
-          <a:bodyPr/>
-          <a:lstStyle/>
-          <a:p>
-            <a:r>
-              <a:rPr lang="es-CO" dirty="0" err="1"/>
-              <a:t>Floyd’s</a:t>
-            </a:r>
-            <a:r>
-              <a:rPr lang="es-CO" dirty="0"/>
-              <a:t> </a:t>
-            </a:r>
-            <a:r>
-              <a:rPr lang="es-CO" dirty="0" err="1"/>
-              <a:t>Cycle-Finding</a:t>
-            </a:r>
-            <a:endParaRPr lang="es-CO" dirty="0"/>
-          </a:p>
-        </p:txBody>
-      </p:sp>
-      <p:pic>
-        <p:nvPicPr>
-          <p:cNvPr id="8" name="Imagen 7">
-            <a:extLst>
-              <a:ext uri="{FF2B5EF4-FFF2-40B4-BE49-F238E27FC236}">
-                <a16:creationId xmlns:a16="http://schemas.microsoft.com/office/drawing/2014/main" id="{ED88B3B5-B357-4A13-A9E7-5563D9EDF1C3}"/>
-              </a:ext>
-            </a:extLst>
-          </p:cNvPr>
-          <p:cNvPicPr>
-            <a:picLocks noChangeAspect="1"/>
-          </p:cNvPicPr>
-          <p:nvPr/>
-        </p:nvPicPr>
-        <p:blipFill>
-          <a:blip r:embed="rId4"/>
-          <a:stretch>
-            <a:fillRect/>
-          </a:stretch>
-        </p:blipFill>
-        <p:spPr>
-          <a:xfrm>
-            <a:off x="712494" y="1580420"/>
-            <a:ext cx="2892000" cy="2771042"/>
-          </a:xfrm>
-          <a:prstGeom prst="rect">
-            <a:avLst/>
-          </a:prstGeom>
-        </p:spPr>
-      </p:pic>
-      <mc:AlternateContent xmlns:mc="http://schemas.openxmlformats.org/markup-compatibility/2006" xmlns:a14="http://schemas.microsoft.com/office/drawing/2010/main">
-        <mc:Choice Requires="a14">
-          <p:sp>
-            <p:nvSpPr>
-              <p:cNvPr id="11" name="CuadroTexto 10">
-                <a:extLst>
-                  <a:ext uri="{FF2B5EF4-FFF2-40B4-BE49-F238E27FC236}">
-                    <a16:creationId xmlns:a16="http://schemas.microsoft.com/office/drawing/2014/main" id="{8FB8CDDF-70CC-4603-B579-68371DC7FA70}"/>
-                  </a:ext>
-                </a:extLst>
-              </p:cNvPr>
-              <p:cNvSpPr txBox="1"/>
-              <p:nvPr/>
-            </p:nvSpPr>
-            <p:spPr>
-              <a:xfrm>
-                <a:off x="1191062" y="4351462"/>
-                <a:ext cx="1716688" cy="215444"/>
-              </a:xfrm>
-              <a:prstGeom prst="rect">
-                <a:avLst/>
-              </a:prstGeom>
-              <a:noFill/>
-            </p:spPr>
-            <p:txBody>
-              <a:bodyPr wrap="none" lIns="0" tIns="0" rIns="0" bIns="0" rtlCol="0">
-                <a:spAutoFit/>
-              </a:bodyPr>
-              <a:lstStyle/>
-              <a:p>
-                <a14:m>
-                  <m:oMath xmlns:m="http://schemas.openxmlformats.org/officeDocument/2006/math">
-                    <m:sSup>
-                      <m:sSupPr>
-                        <m:ctrlPr>
-                          <a:rPr lang="es-ES" b="0" i="1" smtClean="0">
-                            <a:latin typeface="Cambria Math" panose="02040503050406030204" pitchFamily="18" charset="0"/>
-                          </a:rPr>
-                        </m:ctrlPr>
-                      </m:sSupPr>
-                      <m:e>
-                        <m:r>
-                          <a:rPr lang="es-ES" b="0" i="1" smtClean="0">
-                            <a:latin typeface="Cambria Math" panose="02040503050406030204" pitchFamily="18" charset="0"/>
-                          </a:rPr>
-                          <m:t>(3</m:t>
-                        </m:r>
-                        <m:r>
-                          <a:rPr lang="es-ES" b="0" i="1" smtClean="0">
-                            <a:latin typeface="Cambria Math" panose="02040503050406030204" pitchFamily="18" charset="0"/>
-                          </a:rPr>
-                          <m:t>𝑥</m:t>
-                        </m:r>
-                      </m:e>
-                      <m:sup>
-                        <m:r>
-                          <a:rPr lang="es-ES" b="0" i="1" smtClean="0">
-                            <a:latin typeface="Cambria Math" panose="02040503050406030204" pitchFamily="18" charset="0"/>
-                          </a:rPr>
-                          <m:t>2</m:t>
-                        </m:r>
-                      </m:sup>
-                    </m:sSup>
-                    <m:r>
-                      <a:rPr lang="es-ES" b="0" i="1" smtClean="0">
-                        <a:latin typeface="Cambria Math" panose="02040503050406030204" pitchFamily="18" charset="0"/>
-                      </a:rPr>
-                      <m:t>+7</m:t>
-                    </m:r>
-                    <m:r>
-                      <a:rPr lang="es-ES" b="0" i="1" smtClean="0">
-                        <a:latin typeface="Cambria Math" panose="02040503050406030204" pitchFamily="18" charset="0"/>
-                      </a:rPr>
-                      <m:t>𝑥</m:t>
-                    </m:r>
-                    <m:r>
-                      <a:rPr lang="es-ES" b="0" i="1" smtClean="0">
-                        <a:latin typeface="Cambria Math" panose="02040503050406030204" pitchFamily="18" charset="0"/>
-                      </a:rPr>
-                      <m:t>+5</m:t>
-                    </m:r>
-                  </m:oMath>
-                </a14:m>
-                <a:r>
-                  <a:rPr lang="es-CO" dirty="0"/>
-                  <a:t>) mod 97</a:t>
-                </a:r>
-              </a:p>
-            </p:txBody>
-          </p:sp>
-        </mc:Choice>
-        <mc:Fallback xmlns="">
-          <p:sp>
-            <p:nvSpPr>
-              <p:cNvPr id="11" name="CuadroTexto 10">
-                <a:extLst>
-                  <a:ext uri="{FF2B5EF4-FFF2-40B4-BE49-F238E27FC236}">
-                    <a16:creationId xmlns:a16="http://schemas.microsoft.com/office/drawing/2014/main" id="{8FB8CDDF-70CC-4603-B579-68371DC7FA70}"/>
-                  </a:ext>
-                </a:extLst>
-              </p:cNvPr>
-              <p:cNvSpPr txBox="1">
-                <a:spLocks noRot="1" noChangeAspect="1" noMove="1" noResize="1" noEditPoints="1" noAdjustHandles="1" noChangeArrowheads="1" noChangeShapeType="1" noTextEdit="1"/>
-              </p:cNvSpPr>
-              <p:nvPr/>
-            </p:nvSpPr>
-            <p:spPr>
-              <a:xfrm>
-                <a:off x="1191062" y="4351462"/>
-                <a:ext cx="1716688" cy="215444"/>
-              </a:xfrm>
-              <a:prstGeom prst="rect">
-                <a:avLst/>
-              </a:prstGeom>
-              <a:blipFill>
-                <a:blip r:embed="rId5"/>
-                <a:stretch>
-                  <a:fillRect l="-4610" t="-25714" r="-4965" b="-51429"/>
-                </a:stretch>
-              </a:blipFill>
-            </p:spPr>
-            <p:txBody>
-              <a:bodyPr/>
-              <a:lstStyle/>
-              <a:p>
-                <a:r>
-                  <a:rPr lang="es-CO">
-                    <a:noFill/>
-                  </a:rPr>
-                  <a:t> </a:t>
-                </a:r>
-              </a:p>
-            </p:txBody>
-          </p:sp>
-        </mc:Fallback>
-      </mc:AlternateContent>
-    </p:spTree>
-    <p:extLst>
-      <p:ext uri="{BB962C8B-B14F-4D97-AF65-F5344CB8AC3E}">
-        <p14:creationId xmlns:p14="http://schemas.microsoft.com/office/powerpoint/2010/main" val="4062622684"/>
-      </p:ext>
-    </p:extLst>
-  </p:cSld>
-  <p:clrMapOvr>
-    <a:masterClrMapping/>
-  </p:clrMapOvr>
-</p:sld>
-</file>
-
-<file path=ppt/slides/slide6.xml><?xml version="1.0" encoding="utf-8"?>
 <p:sld xmlns:a="http://schemas.openxmlformats.org/drawingml/2006/main" xmlns:r="http://schemas.openxmlformats.org/officeDocument/2006/relationships" xmlns:p="http://schemas.openxmlformats.org/presentationml/2006/main">
   <p:cSld>
     <p:spTree>
@@ -7311,707 +7654,8 @@
         </p:nvSpPr>
         <p:spPr>
           <a:xfrm>
-            <a:off x="981307" y="1311679"/>
-            <a:ext cx="7768683" cy="3355041"/>
-          </a:xfrm>
-          <a:prstGeom prst="rect">
-            <a:avLst/>
-          </a:prstGeom>
-          <a:solidFill>
-            <a:srgbClr val="FFFFFF"/>
-          </a:solidFill>
-          <a:ln>
-            <a:solidFill>
-              <a:srgbClr val="BAF7C9"/>
-            </a:solidFill>
-          </a:ln>
-        </p:spPr>
-        <p:style>
-          <a:lnRef idx="2">
-            <a:schemeClr val="accent1">
-              <a:shade val="50000"/>
-            </a:schemeClr>
-          </a:lnRef>
-          <a:fillRef idx="1">
-            <a:schemeClr val="accent1"/>
-          </a:fillRef>
-          <a:effectRef idx="0">
-            <a:schemeClr val="accent1"/>
-          </a:effectRef>
-          <a:fontRef idx="minor">
-            <a:schemeClr val="lt1"/>
-          </a:fontRef>
-        </p:style>
-        <p:txBody>
-          <a:bodyPr rtlCol="0" anchor="ctr"/>
-          <a:lstStyle/>
-          <a:p>
-            <a:pPr algn="ctr"/>
-            <a:endParaRPr lang="es-CO"/>
-          </a:p>
-        </p:txBody>
-      </p:sp>
-      <p:sp>
-        <p:nvSpPr>
-          <p:cNvPr id="10" name="Título 2">
-            <a:extLst>
-              <a:ext uri="{FF2B5EF4-FFF2-40B4-BE49-F238E27FC236}">
-                <a16:creationId xmlns:a16="http://schemas.microsoft.com/office/drawing/2014/main" id="{4B4F06C2-20E6-40C1-BAD4-30FB77130CD3}"/>
-              </a:ext>
-            </a:extLst>
-          </p:cNvPr>
-          <p:cNvSpPr>
-            <a:spLocks noGrp="1"/>
-          </p:cNvSpPr>
-          <p:nvPr>
-            <p:ph type="ctrTitle"/>
-          </p:nvPr>
-        </p:nvSpPr>
-        <p:spPr>
-          <a:xfrm>
-            <a:off x="5686373" y="372041"/>
-            <a:ext cx="3195637" cy="481013"/>
-          </a:xfrm>
-        </p:spPr>
-        <p:txBody>
-          <a:bodyPr/>
-          <a:lstStyle/>
-          <a:p>
-            <a:r>
-              <a:rPr lang="es-CO" dirty="0"/>
-              <a:t>Sumatorios</a:t>
-            </a:r>
-          </a:p>
-        </p:txBody>
-      </p:sp>
-      <p:pic>
-        <p:nvPicPr>
-          <p:cNvPr id="9" name="Imagen 8">
-            <a:extLst>
-              <a:ext uri="{FF2B5EF4-FFF2-40B4-BE49-F238E27FC236}">
-                <a16:creationId xmlns:a16="http://schemas.microsoft.com/office/drawing/2014/main" id="{1B3ADAAC-73CC-4D10-918C-80E4C76ECE8F}"/>
-              </a:ext>
-            </a:extLst>
-          </p:cNvPr>
-          <p:cNvPicPr>
-            <a:picLocks noChangeAspect="1"/>
-          </p:cNvPicPr>
-          <p:nvPr/>
-        </p:nvPicPr>
-        <p:blipFill>
-          <a:blip r:embed="rId4"/>
-          <a:stretch>
-            <a:fillRect/>
-          </a:stretch>
-        </p:blipFill>
-        <p:spPr>
-          <a:xfrm>
-            <a:off x="3440826" y="1361585"/>
-            <a:ext cx="2717856" cy="3255227"/>
-          </a:xfrm>
-          <a:prstGeom prst="rect">
-            <a:avLst/>
-          </a:prstGeom>
-        </p:spPr>
-      </p:pic>
-    </p:spTree>
-    <p:extLst>
-      <p:ext uri="{BB962C8B-B14F-4D97-AF65-F5344CB8AC3E}">
-        <p14:creationId xmlns:p14="http://schemas.microsoft.com/office/powerpoint/2010/main" val="3599436201"/>
-      </p:ext>
-    </p:extLst>
-  </p:cSld>
-  <p:clrMapOvr>
-    <a:masterClrMapping/>
-  </p:clrMapOvr>
-</p:sld>
-</file>
-
-<file path=ppt/slides/slide7.xml><?xml version="1.0" encoding="utf-8"?>
-<p:sld xmlns:a="http://schemas.openxmlformats.org/drawingml/2006/main" xmlns:r="http://schemas.openxmlformats.org/officeDocument/2006/relationships" xmlns:p="http://schemas.openxmlformats.org/presentationml/2006/main">
-  <p:cSld>
-    <p:spTree>
-      <p:nvGrpSpPr>
-        <p:cNvPr id="1" name="Shape 139"/>
-        <p:cNvGrpSpPr/>
-        <p:nvPr/>
-      </p:nvGrpSpPr>
-      <p:grpSpPr>
-        <a:xfrm>
-          <a:off x="0" y="0"/>
-          <a:ext cx="0" cy="0"/>
-          <a:chOff x="0" y="0"/>
-          <a:chExt cx="0" cy="0"/>
-        </a:xfrm>
-      </p:grpSpPr>
-      <p:sp>
-        <p:nvSpPr>
-          <p:cNvPr id="6" name="Rectángulo 5">
-            <a:extLst>
-              <a:ext uri="{FF2B5EF4-FFF2-40B4-BE49-F238E27FC236}">
-                <a16:creationId xmlns:a16="http://schemas.microsoft.com/office/drawing/2014/main" id="{1C2148E8-29B0-47B9-AB82-4263D9C3E039}"/>
-              </a:ext>
-            </a:extLst>
-          </p:cNvPr>
-          <p:cNvSpPr/>
-          <p:nvPr/>
-        </p:nvSpPr>
-        <p:spPr>
-          <a:xfrm>
-            <a:off x="3193043" y="403410"/>
-            <a:ext cx="5801865" cy="4390465"/>
-          </a:xfrm>
-          <a:prstGeom prst="rect">
-            <a:avLst/>
-          </a:prstGeom>
-          <a:solidFill>
-            <a:srgbClr val="FFDE59"/>
-          </a:solidFill>
-          <a:ln>
-            <a:noFill/>
-          </a:ln>
-        </p:spPr>
-        <p:style>
-          <a:lnRef idx="2">
-            <a:schemeClr val="accent1">
-              <a:shade val="50000"/>
-            </a:schemeClr>
-          </a:lnRef>
-          <a:fillRef idx="1">
-            <a:schemeClr val="accent1"/>
-          </a:fillRef>
-          <a:effectRef idx="0">
-            <a:schemeClr val="accent1"/>
-          </a:effectRef>
-          <a:fontRef idx="minor">
-            <a:schemeClr val="lt1"/>
-          </a:fontRef>
-        </p:style>
-        <p:txBody>
-          <a:bodyPr rtlCol="0" anchor="ctr"/>
-          <a:lstStyle/>
-          <a:p>
-            <a:pPr algn="ctr"/>
-            <a:endParaRPr lang="es-CO"/>
-          </a:p>
-        </p:txBody>
-      </p:sp>
-      <p:sp>
-        <p:nvSpPr>
-          <p:cNvPr id="7" name="Rectángulo 6">
-            <a:extLst>
-              <a:ext uri="{FF2B5EF4-FFF2-40B4-BE49-F238E27FC236}">
-                <a16:creationId xmlns:a16="http://schemas.microsoft.com/office/drawing/2014/main" id="{7D51D62D-F866-480C-BB56-3911EC80193D}"/>
-              </a:ext>
-            </a:extLst>
-          </p:cNvPr>
-          <p:cNvSpPr/>
-          <p:nvPr/>
-        </p:nvSpPr>
-        <p:spPr>
-          <a:xfrm>
-            <a:off x="-10483" y="2212040"/>
-            <a:ext cx="3356034" cy="1169895"/>
-          </a:xfrm>
-          <a:prstGeom prst="rect">
-            <a:avLst/>
-          </a:prstGeom>
-          <a:solidFill>
-            <a:srgbClr val="94DD26"/>
-          </a:solidFill>
-          <a:ln>
-            <a:noFill/>
-          </a:ln>
-        </p:spPr>
-        <p:style>
-          <a:lnRef idx="2">
-            <a:schemeClr val="accent1">
-              <a:shade val="50000"/>
-            </a:schemeClr>
-          </a:lnRef>
-          <a:fillRef idx="1">
-            <a:schemeClr val="accent1"/>
-          </a:fillRef>
-          <a:effectRef idx="0">
-            <a:schemeClr val="accent1"/>
-          </a:effectRef>
-          <a:fontRef idx="minor">
-            <a:schemeClr val="lt1"/>
-          </a:fontRef>
-        </p:style>
-        <p:txBody>
-          <a:bodyPr rtlCol="0" anchor="ctr"/>
-          <a:lstStyle/>
-          <a:p>
-            <a:pPr algn="ctr"/>
-            <a:endParaRPr lang="es-CO"/>
-          </a:p>
-        </p:txBody>
-      </p:sp>
-      <p:sp>
-        <p:nvSpPr>
-          <p:cNvPr id="8" name="Rectángulo 7">
-            <a:extLst>
-              <a:ext uri="{FF2B5EF4-FFF2-40B4-BE49-F238E27FC236}">
-                <a16:creationId xmlns:a16="http://schemas.microsoft.com/office/drawing/2014/main" id="{13EB4147-DCE5-4698-A3B6-4D7F472AAE93}"/>
-              </a:ext>
-            </a:extLst>
-          </p:cNvPr>
-          <p:cNvSpPr/>
-          <p:nvPr/>
-        </p:nvSpPr>
-        <p:spPr>
-          <a:xfrm>
-            <a:off x="3342135" y="496605"/>
-            <a:ext cx="5801865" cy="4390465"/>
-          </a:xfrm>
-          <a:prstGeom prst="rect">
-            <a:avLst/>
-          </a:prstGeom>
-          <a:solidFill>
-            <a:srgbClr val="94DD26"/>
-          </a:solidFill>
-          <a:ln>
-            <a:noFill/>
-          </a:ln>
-        </p:spPr>
-        <p:style>
-          <a:lnRef idx="2">
-            <a:schemeClr val="accent1">
-              <a:shade val="50000"/>
-            </a:schemeClr>
-          </a:lnRef>
-          <a:fillRef idx="1">
-            <a:schemeClr val="accent1"/>
-          </a:fillRef>
-          <a:effectRef idx="0">
-            <a:schemeClr val="accent1"/>
-          </a:effectRef>
-          <a:fontRef idx="minor">
-            <a:schemeClr val="lt1"/>
-          </a:fontRef>
-        </p:style>
-        <p:txBody>
-          <a:bodyPr rtlCol="0" anchor="ctr"/>
-          <a:lstStyle/>
-          <a:p>
-            <a:pPr algn="ctr"/>
-            <a:endParaRPr lang="es-CO"/>
-          </a:p>
-        </p:txBody>
-      </p:sp>
-      <p:sp>
-        <p:nvSpPr>
-          <p:cNvPr id="166" name="Google Shape;166;p26"/>
-          <p:cNvSpPr txBox="1">
-            <a:spLocks noGrp="1"/>
-          </p:cNvSpPr>
-          <p:nvPr>
-            <p:ph type="ctrTitle"/>
-          </p:nvPr>
-        </p:nvSpPr>
-        <p:spPr>
-          <a:xfrm>
-            <a:off x="149092" y="2720974"/>
-            <a:ext cx="2913981" cy="660961"/>
-          </a:xfrm>
-          <a:prstGeom prst="rect">
-            <a:avLst/>
-          </a:prstGeom>
-        </p:spPr>
-        <p:txBody>
-          <a:bodyPr spcFirstLastPara="1" wrap="square" lIns="91425" tIns="91425" rIns="91425" bIns="91425" anchor="b" anchorCtr="0">
-            <a:noAutofit/>
-          </a:bodyPr>
-          <a:lstStyle/>
-          <a:p>
-            <a:pPr marL="0" lvl="0" indent="0" algn="ctr" rtl="0">
-              <a:spcBef>
-                <a:spcPts val="0"/>
-              </a:spcBef>
-              <a:spcAft>
-                <a:spcPts val="0"/>
-              </a:spcAft>
-              <a:buNone/>
-            </a:pPr>
-            <a:r>
-              <a:rPr lang="en" sz="3200" dirty="0">
-                <a:solidFill>
-                  <a:schemeClr val="tx1"/>
-                </a:solidFill>
-              </a:rPr>
-              <a:t>03.</a:t>
-            </a:r>
-            <a:r>
-              <a:rPr lang="es-CO" sz="3200" dirty="0">
-                <a:solidFill>
-                  <a:schemeClr val="tx1"/>
-                </a:solidFill>
-              </a:rPr>
-              <a:t> Programación dinámica </a:t>
-            </a:r>
-            <a:endParaRPr sz="3200" dirty="0">
-              <a:solidFill>
-                <a:schemeClr val="tx1"/>
-              </a:solidFill>
-            </a:endParaRPr>
-          </a:p>
-        </p:txBody>
-      </p:sp>
-      <p:pic>
-        <p:nvPicPr>
-          <p:cNvPr id="1028" name="Picture 4" descr="Símbolos Universitarios – Universidad de Nariño">
-            <a:extLst>
-              <a:ext uri="{FF2B5EF4-FFF2-40B4-BE49-F238E27FC236}">
-                <a16:creationId xmlns:a16="http://schemas.microsoft.com/office/drawing/2014/main" id="{EDF64FA2-360A-4D3A-AF78-F1E4C7CCFD55}"/>
-              </a:ext>
-            </a:extLst>
-          </p:cNvPr>
-          <p:cNvPicPr>
-            <a:picLocks noChangeAspect="1" noChangeArrowheads="1"/>
-          </p:cNvPicPr>
-          <p:nvPr/>
-        </p:nvPicPr>
-        <p:blipFill>
-          <a:blip r:embed="rId3">
-            <a:extLst>
-              <a:ext uri="{28A0092B-C50C-407E-A947-70E740481C1C}">
-                <a14:useLocalDpi xmlns:a14="http://schemas.microsoft.com/office/drawing/2010/main" val="0"/>
-              </a:ext>
-            </a:extLst>
-          </a:blip>
-          <a:srcRect/>
-          <a:stretch>
-            <a:fillRect/>
-          </a:stretch>
-        </p:blipFill>
-        <p:spPr bwMode="auto">
-          <a:xfrm>
-            <a:off x="291117" y="219456"/>
-            <a:ext cx="660961" cy="660961"/>
-          </a:xfrm>
-          <a:prstGeom prst="rect">
-            <a:avLst/>
-          </a:prstGeom>
-          <a:noFill/>
-          <a:extLst>
-            <a:ext uri="{909E8E84-426E-40DD-AFC4-6F175D3DCCD1}">
-              <a14:hiddenFill xmlns:a14="http://schemas.microsoft.com/office/drawing/2010/main">
-                <a:solidFill>
-                  <a:srgbClr val="FFFFFF"/>
-                </a:solidFill>
-              </a14:hiddenFill>
-            </a:ext>
-          </a:extLst>
-        </p:spPr>
-      </p:pic>
-      <p:pic>
-        <p:nvPicPr>
-          <p:cNvPr id="417" name="Imagen 416">
-            <a:extLst>
-              <a:ext uri="{FF2B5EF4-FFF2-40B4-BE49-F238E27FC236}">
-                <a16:creationId xmlns:a16="http://schemas.microsoft.com/office/drawing/2014/main" id="{6C54B729-21DA-4852-927D-4E13F29541B2}"/>
-              </a:ext>
-            </a:extLst>
-          </p:cNvPr>
-          <p:cNvPicPr>
-            <a:picLocks noChangeAspect="1"/>
-          </p:cNvPicPr>
-          <p:nvPr/>
-        </p:nvPicPr>
-        <p:blipFill rotWithShape="1">
-          <a:blip r:embed="rId4"/>
-          <a:srcRect l="53279" t="4713" r="5319"/>
-          <a:stretch/>
-        </p:blipFill>
-        <p:spPr>
-          <a:xfrm>
-            <a:off x="1082048" y="147745"/>
-            <a:ext cx="918577" cy="804385"/>
-          </a:xfrm>
-          <a:prstGeom prst="ellipse">
-            <a:avLst/>
-          </a:prstGeom>
-          <a:ln>
-            <a:noFill/>
-          </a:ln>
-          <a:effectLst>
-            <a:softEdge rad="112500"/>
-          </a:effectLst>
-        </p:spPr>
-      </p:pic>
-      <p:sp>
-        <p:nvSpPr>
-          <p:cNvPr id="4" name="Rectángulo 3">
-            <a:extLst>
-              <a:ext uri="{FF2B5EF4-FFF2-40B4-BE49-F238E27FC236}">
-                <a16:creationId xmlns:a16="http://schemas.microsoft.com/office/drawing/2014/main" id="{F04C2CAB-775C-4D47-9732-B8CCEE3CC5EB}"/>
-              </a:ext>
-            </a:extLst>
-          </p:cNvPr>
-          <p:cNvSpPr/>
-          <p:nvPr/>
-        </p:nvSpPr>
-        <p:spPr>
-          <a:xfrm>
-            <a:off x="3494643" y="665629"/>
-            <a:ext cx="5555228" cy="4128246"/>
-          </a:xfrm>
-          <a:prstGeom prst="rect">
-            <a:avLst/>
-          </a:prstGeom>
-          <a:solidFill>
-            <a:srgbClr val="FFFFFF"/>
-          </a:solidFill>
-          <a:ln>
-            <a:noFill/>
-          </a:ln>
-        </p:spPr>
-        <p:style>
-          <a:lnRef idx="2">
-            <a:schemeClr val="accent1">
-              <a:shade val="50000"/>
-            </a:schemeClr>
-          </a:lnRef>
-          <a:fillRef idx="1">
-            <a:schemeClr val="accent1"/>
-          </a:fillRef>
-          <a:effectRef idx="0">
-            <a:schemeClr val="accent1"/>
-          </a:effectRef>
-          <a:fontRef idx="minor">
-            <a:schemeClr val="lt1"/>
-          </a:fontRef>
-        </p:style>
-        <p:txBody>
-          <a:bodyPr rtlCol="0" anchor="ctr"/>
-          <a:lstStyle/>
-          <a:p>
-            <a:pPr algn="ctr"/>
-            <a:endParaRPr lang="es-CO"/>
-          </a:p>
-        </p:txBody>
-      </p:sp>
-      <p:pic>
-        <p:nvPicPr>
-          <p:cNvPr id="2" name="Imagen 1">
-            <a:extLst>
-              <a:ext uri="{FF2B5EF4-FFF2-40B4-BE49-F238E27FC236}">
-                <a16:creationId xmlns:a16="http://schemas.microsoft.com/office/drawing/2014/main" id="{A1BEFCE1-6458-4058-BCF0-F81084E241F9}"/>
-              </a:ext>
-            </a:extLst>
-          </p:cNvPr>
-          <p:cNvPicPr>
-            <a:picLocks noChangeAspect="1"/>
-          </p:cNvPicPr>
-          <p:nvPr/>
-        </p:nvPicPr>
-        <p:blipFill>
-          <a:blip r:embed="rId5"/>
-          <a:stretch>
-            <a:fillRect/>
-          </a:stretch>
-        </p:blipFill>
-        <p:spPr>
-          <a:xfrm>
-            <a:off x="4169420" y="903419"/>
-            <a:ext cx="4194358" cy="3635110"/>
-          </a:xfrm>
-          <a:prstGeom prst="rect">
-            <a:avLst/>
-          </a:prstGeom>
-        </p:spPr>
-      </p:pic>
-    </p:spTree>
-    <p:extLst>
-      <p:ext uri="{BB962C8B-B14F-4D97-AF65-F5344CB8AC3E}">
-        <p14:creationId xmlns:p14="http://schemas.microsoft.com/office/powerpoint/2010/main" val="3373967862"/>
-      </p:ext>
-    </p:extLst>
-  </p:cSld>
-  <p:clrMapOvr>
-    <a:masterClrMapping/>
-  </p:clrMapOvr>
-</p:sld>
-</file>
-
-<file path=ppt/slides/slide8.xml><?xml version="1.0" encoding="utf-8"?>
-<p:sld xmlns:a="http://schemas.openxmlformats.org/drawingml/2006/main" xmlns:r="http://schemas.openxmlformats.org/officeDocument/2006/relationships" xmlns:p="http://schemas.openxmlformats.org/presentationml/2006/main">
-  <p:cSld>
-    <p:spTree>
-      <p:nvGrpSpPr>
-        <p:cNvPr id="1" name=""/>
-        <p:cNvGrpSpPr/>
-        <p:nvPr/>
-      </p:nvGrpSpPr>
-      <p:grpSpPr>
-        <a:xfrm>
-          <a:off x="0" y="0"/>
-          <a:ext cx="0" cy="0"/>
-          <a:chOff x="0" y="0"/>
-          <a:chExt cx="0" cy="0"/>
-        </a:xfrm>
-      </p:grpSpPr>
-      <p:sp>
-        <p:nvSpPr>
-          <p:cNvPr id="2" name="Subtítulo 1">
-            <a:extLst>
-              <a:ext uri="{FF2B5EF4-FFF2-40B4-BE49-F238E27FC236}">
-                <a16:creationId xmlns:a16="http://schemas.microsoft.com/office/drawing/2014/main" id="{29A75048-B2F8-4A8B-9645-CF6D9A7AE10B}"/>
-              </a:ext>
-            </a:extLst>
-          </p:cNvPr>
-          <p:cNvSpPr>
-            <a:spLocks noGrp="1"/>
-          </p:cNvSpPr>
-          <p:nvPr>
-            <p:ph type="subTitle" idx="1"/>
-          </p:nvPr>
-        </p:nvSpPr>
-        <p:spPr>
-          <a:xfrm flipH="1">
-            <a:off x="2079628" y="3276200"/>
-            <a:ext cx="6681751" cy="1221236"/>
-          </a:xfrm>
-        </p:spPr>
-        <p:txBody>
-          <a:bodyPr/>
-          <a:lstStyle/>
-          <a:p>
-            <a:pPr marL="152400" indent="0" algn="just">
-              <a:buNone/>
-            </a:pPr>
-            <a:r>
-              <a:rPr lang="es-CO" sz="1200" dirty="0">
-                <a:latin typeface="Abadi" panose="020B0604020104020204" pitchFamily="34" charset="0"/>
-              </a:rPr>
-              <a:t>“Durante un robo, el ladrón encuentra un botín más cuantioso de lo esperado y tiene que elegir qué llevarse. Su saco puede transportar como máximo W kilos. En el botín hay n objetos que pesan w1,…, </a:t>
-            </a:r>
-            <a:r>
-              <a:rPr lang="es-CO" sz="1200" dirty="0" err="1">
-                <a:latin typeface="Abadi" panose="020B0604020104020204" pitchFamily="34" charset="0"/>
-              </a:rPr>
-              <a:t>wn</a:t>
-            </a:r>
-            <a:r>
-              <a:rPr lang="es-CO" sz="1200" dirty="0">
-                <a:latin typeface="Abadi" panose="020B0604020104020204" pitchFamily="34" charset="0"/>
-              </a:rPr>
-              <a:t> kilos y valen v1,…, </a:t>
-            </a:r>
-            <a:r>
-              <a:rPr lang="es-CO" sz="1200" dirty="0" err="1">
-                <a:latin typeface="Abadi" panose="020B0604020104020204" pitchFamily="34" charset="0"/>
-              </a:rPr>
-              <a:t>vn</a:t>
-            </a:r>
-            <a:r>
-              <a:rPr lang="es-CO" sz="1200" dirty="0">
-                <a:latin typeface="Abadi" panose="020B0604020104020204" pitchFamily="34" charset="0"/>
-              </a:rPr>
-              <a:t> euros. ¿Qué objetos debe elegir para llevarse el máximo valor sin que se rompa el saco?”</a:t>
-            </a:r>
-          </a:p>
-        </p:txBody>
-      </p:sp>
-      <p:pic>
-        <p:nvPicPr>
-          <p:cNvPr id="4" name="Picture 4" descr="Símbolos Universitarios – Universidad de Nariño">
-            <a:extLst>
-              <a:ext uri="{FF2B5EF4-FFF2-40B4-BE49-F238E27FC236}">
-                <a16:creationId xmlns:a16="http://schemas.microsoft.com/office/drawing/2014/main" id="{0B2EA667-CB57-4DF8-BB35-E9AFDF367C2B}"/>
-              </a:ext>
-            </a:extLst>
-          </p:cNvPr>
-          <p:cNvPicPr>
-            <a:picLocks noChangeAspect="1" noChangeArrowheads="1"/>
-          </p:cNvPicPr>
-          <p:nvPr/>
-        </p:nvPicPr>
-        <p:blipFill>
-          <a:blip r:embed="rId2">
-            <a:extLst>
-              <a:ext uri="{28A0092B-C50C-407E-A947-70E740481C1C}">
-                <a14:useLocalDpi xmlns:a14="http://schemas.microsoft.com/office/drawing/2010/main" val="0"/>
-              </a:ext>
-            </a:extLst>
-          </a:blip>
-          <a:srcRect/>
-          <a:stretch>
-            <a:fillRect/>
-          </a:stretch>
-        </p:blipFill>
-        <p:spPr bwMode="auto">
-          <a:xfrm>
-            <a:off x="261990" y="192093"/>
-            <a:ext cx="660961" cy="660961"/>
-          </a:xfrm>
-          <a:prstGeom prst="rect">
-            <a:avLst/>
-          </a:prstGeom>
-          <a:noFill/>
-          <a:extLst>
-            <a:ext uri="{909E8E84-426E-40DD-AFC4-6F175D3DCCD1}">
-              <a14:hiddenFill xmlns:a14="http://schemas.microsoft.com/office/drawing/2010/main">
-                <a:solidFill>
-                  <a:srgbClr val="FFFFFF"/>
-                </a:solidFill>
-              </a14:hiddenFill>
-            </a:ext>
-          </a:extLst>
-        </p:spPr>
-      </p:pic>
-      <p:pic>
-        <p:nvPicPr>
-          <p:cNvPr id="5" name="Imagen 4">
-            <a:extLst>
-              <a:ext uri="{FF2B5EF4-FFF2-40B4-BE49-F238E27FC236}">
-                <a16:creationId xmlns:a16="http://schemas.microsoft.com/office/drawing/2014/main" id="{1B46FA37-FA47-4459-8828-383FB697E3AF}"/>
-              </a:ext>
-            </a:extLst>
-          </p:cNvPr>
-          <p:cNvPicPr>
-            <a:picLocks noChangeAspect="1"/>
-          </p:cNvPicPr>
-          <p:nvPr/>
-        </p:nvPicPr>
-        <p:blipFill rotWithShape="1">
-          <a:blip r:embed="rId3"/>
-          <a:srcRect l="53279" t="4713" r="5319"/>
-          <a:stretch/>
-        </p:blipFill>
-        <p:spPr>
-          <a:xfrm>
-            <a:off x="1071372" y="144121"/>
-            <a:ext cx="918577" cy="804385"/>
-          </a:xfrm>
-          <a:prstGeom prst="ellipse">
-            <a:avLst/>
-          </a:prstGeom>
-          <a:ln>
-            <a:noFill/>
-          </a:ln>
-          <a:effectLst>
-            <a:softEdge rad="112500"/>
-          </a:effectLst>
-        </p:spPr>
-      </p:pic>
-      <p:sp>
-        <p:nvSpPr>
-          <p:cNvPr id="6" name="Rectángulo 5">
-            <a:extLst>
-              <a:ext uri="{FF2B5EF4-FFF2-40B4-BE49-F238E27FC236}">
-                <a16:creationId xmlns:a16="http://schemas.microsoft.com/office/drawing/2014/main" id="{EC2D0E56-7D0C-40D0-8E56-B8801C98D13A}"/>
-              </a:ext>
-            </a:extLst>
-          </p:cNvPr>
-          <p:cNvSpPr/>
-          <p:nvPr/>
-        </p:nvSpPr>
-        <p:spPr>
-          <a:xfrm>
-            <a:off x="2924783" y="1467366"/>
-            <a:ext cx="5784715" cy="1221236"/>
+            <a:off x="1698118" y="1092910"/>
+            <a:ext cx="6436301" cy="3841618"/>
           </a:xfrm>
           <a:prstGeom prst="rect">
             <a:avLst/>
@@ -8078,679 +7722,17 @@
           <a:p>
             <a:r>
               <a:rPr lang="es-CO" dirty="0"/>
-              <a:t>Problema de la mochila  </a:t>
+              <a:t>Distancia entre dos puntos</a:t>
             </a:r>
           </a:p>
         </p:txBody>
       </p:sp>
       <p:pic>
         <p:nvPicPr>
-          <p:cNvPr id="8" name="Imagen 7">
+          <p:cNvPr id="7" name="Imagen 6" descr="Gráfico&#10;&#10;Descripción generada automáticamente">
             <a:extLst>
               <a:ext uri="{FF2B5EF4-FFF2-40B4-BE49-F238E27FC236}">
-                <a16:creationId xmlns:a16="http://schemas.microsoft.com/office/drawing/2014/main" id="{E95FE8FF-7163-4493-8988-3ECB139B3392}"/>
-              </a:ext>
-            </a:extLst>
-          </p:cNvPr>
-          <p:cNvPicPr>
-            <a:picLocks noChangeAspect="1"/>
-          </p:cNvPicPr>
-          <p:nvPr/>
-        </p:nvPicPr>
-        <p:blipFill rotWithShape="1">
-          <a:blip r:embed="rId4"/>
-          <a:srcRect l="1354"/>
-          <a:stretch/>
-        </p:blipFill>
-        <p:spPr>
-          <a:xfrm>
-            <a:off x="3036007" y="1595850"/>
-            <a:ext cx="5667983" cy="990207"/>
-          </a:xfrm>
-          <a:prstGeom prst="rect">
-            <a:avLst/>
-          </a:prstGeom>
-        </p:spPr>
-      </p:pic>
-      <p:grpSp>
-        <p:nvGrpSpPr>
-          <p:cNvPr id="9" name="Grupo 8">
-            <a:extLst>
-              <a:ext uri="{FF2B5EF4-FFF2-40B4-BE49-F238E27FC236}">
-                <a16:creationId xmlns:a16="http://schemas.microsoft.com/office/drawing/2014/main" id="{011A2A81-768D-4A4E-B7AE-0AB4A94FC00E}"/>
-              </a:ext>
-            </a:extLst>
-          </p:cNvPr>
-          <p:cNvGrpSpPr/>
-          <p:nvPr/>
-        </p:nvGrpSpPr>
-        <p:grpSpPr>
-          <a:xfrm>
-            <a:off x="2120631" y="4169838"/>
-            <a:ext cx="4127052" cy="461558"/>
-            <a:chOff x="1251626" y="3959154"/>
-            <a:chExt cx="4127052" cy="461558"/>
-          </a:xfrm>
-        </p:grpSpPr>
-        <p:sp>
-          <p:nvSpPr>
-            <p:cNvPr id="11" name="Subtítulo 1">
-              <a:extLst>
-                <a:ext uri="{FF2B5EF4-FFF2-40B4-BE49-F238E27FC236}">
-                  <a16:creationId xmlns:a16="http://schemas.microsoft.com/office/drawing/2014/main" id="{70B1D5AA-3CDB-450E-B6C4-17EE9C2B7921}"/>
-                </a:ext>
-              </a:extLst>
-            </p:cNvPr>
-            <p:cNvSpPr txBox="1">
-              <a:spLocks/>
-            </p:cNvSpPr>
-            <p:nvPr/>
-          </p:nvSpPr>
-          <p:spPr>
-            <a:xfrm flipH="1">
-              <a:off x="1989949" y="3959154"/>
-              <a:ext cx="3388729" cy="461557"/>
-            </a:xfrm>
-            <a:prstGeom prst="rect">
-              <a:avLst/>
-            </a:prstGeom>
-            <a:noFill/>
-            <a:ln>
-              <a:noFill/>
-            </a:ln>
-          </p:spPr>
-          <p:txBody>
-            <a:bodyPr spcFirstLastPara="1" wrap="square" lIns="91425" tIns="91425" rIns="91425" bIns="91425" anchor="ctr" anchorCtr="0">
-              <a:noAutofit/>
-            </a:bodyPr>
-            <a:lstStyle>
-              <a:defPPr marR="0" lvl="0" algn="l" rtl="0">
-                <a:lnSpc>
-                  <a:spcPct val="100000"/>
-                </a:lnSpc>
-                <a:spcBef>
-                  <a:spcPts val="0"/>
-                </a:spcBef>
-                <a:spcAft>
-                  <a:spcPts val="0"/>
-                </a:spcAft>
-              </a:defPPr>
-              <a:lvl1pPr marL="457200" marR="0" lvl="0" indent="-304800" algn="l" rtl="0">
-                <a:lnSpc>
-                  <a:spcPct val="100000"/>
-                </a:lnSpc>
-                <a:spcBef>
-                  <a:spcPts val="0"/>
-                </a:spcBef>
-                <a:spcAft>
-                  <a:spcPts val="0"/>
-                </a:spcAft>
-                <a:buClr>
-                  <a:schemeClr val="accent3"/>
-                </a:buClr>
-                <a:buSzPts val="1000"/>
-                <a:buFont typeface="Josefin Slab"/>
-                <a:buAutoNum type="arabicPeriod"/>
-                <a:defRPr sz="1100" b="0" i="0" u="none" strike="noStrike" cap="none">
-                  <a:solidFill>
-                    <a:schemeClr val="accent3"/>
-                  </a:solidFill>
-                  <a:latin typeface="Anaheim"/>
-                  <a:ea typeface="Anaheim"/>
-                  <a:cs typeface="Anaheim"/>
-                  <a:sym typeface="Anaheim"/>
-                </a:defRPr>
-              </a:lvl1pPr>
-              <a:lvl2pPr marL="914400" marR="0" lvl="1" indent="-304800" algn="ctr" rtl="0">
-                <a:lnSpc>
-                  <a:spcPct val="100000"/>
-                </a:lnSpc>
-                <a:spcBef>
-                  <a:spcPts val="0"/>
-                </a:spcBef>
-                <a:spcAft>
-                  <a:spcPts val="0"/>
-                </a:spcAft>
-                <a:buClr>
-                  <a:schemeClr val="accent3"/>
-                </a:buClr>
-                <a:buSzPts val="1400"/>
-                <a:buFont typeface="Josefin Slab SemiBold"/>
-                <a:buAutoNum type="alphaLcPeriod"/>
-                <a:defRPr sz="1400" b="0" i="0" u="none" strike="noStrike" cap="none">
-                  <a:solidFill>
-                    <a:schemeClr val="accent3"/>
-                  </a:solidFill>
-                  <a:latin typeface="Josefin Slab"/>
-                  <a:ea typeface="Josefin Slab"/>
-                  <a:cs typeface="Josefin Slab"/>
-                  <a:sym typeface="Josefin Slab"/>
-                </a:defRPr>
-              </a:lvl2pPr>
-              <a:lvl3pPr marL="1371600" marR="0" lvl="2" indent="-304800" algn="ctr" rtl="0">
-                <a:lnSpc>
-                  <a:spcPct val="100000"/>
-                </a:lnSpc>
-                <a:spcBef>
-                  <a:spcPts val="0"/>
-                </a:spcBef>
-                <a:spcAft>
-                  <a:spcPts val="0"/>
-                </a:spcAft>
-                <a:buClr>
-                  <a:schemeClr val="accent3"/>
-                </a:buClr>
-                <a:buSzPts val="1400"/>
-                <a:buFont typeface="Josefin Slab SemiBold"/>
-                <a:buAutoNum type="romanLcPeriod"/>
-                <a:defRPr sz="1400" b="0" i="0" u="none" strike="noStrike" cap="none">
-                  <a:solidFill>
-                    <a:schemeClr val="accent3"/>
-                  </a:solidFill>
-                  <a:latin typeface="Josefin Slab"/>
-                  <a:ea typeface="Josefin Slab"/>
-                  <a:cs typeface="Josefin Slab"/>
-                  <a:sym typeface="Josefin Slab"/>
-                </a:defRPr>
-              </a:lvl3pPr>
-              <a:lvl4pPr marL="1828800" marR="0" lvl="3" indent="-304800" algn="ctr" rtl="0">
-                <a:lnSpc>
-                  <a:spcPct val="100000"/>
-                </a:lnSpc>
-                <a:spcBef>
-                  <a:spcPts val="0"/>
-                </a:spcBef>
-                <a:spcAft>
-                  <a:spcPts val="0"/>
-                </a:spcAft>
-                <a:buClr>
-                  <a:schemeClr val="accent3"/>
-                </a:buClr>
-                <a:buSzPts val="1400"/>
-                <a:buFont typeface="Josefin Slab SemiBold"/>
-                <a:buAutoNum type="arabicPeriod"/>
-                <a:defRPr sz="1400" b="0" i="0" u="none" strike="noStrike" cap="none">
-                  <a:solidFill>
-                    <a:schemeClr val="accent3"/>
-                  </a:solidFill>
-                  <a:latin typeface="Josefin Slab"/>
-                  <a:ea typeface="Josefin Slab"/>
-                  <a:cs typeface="Josefin Slab"/>
-                  <a:sym typeface="Josefin Slab"/>
-                </a:defRPr>
-              </a:lvl4pPr>
-              <a:lvl5pPr marL="2286000" marR="0" lvl="4" indent="-304800" algn="ctr" rtl="0">
-                <a:lnSpc>
-                  <a:spcPct val="100000"/>
-                </a:lnSpc>
-                <a:spcBef>
-                  <a:spcPts val="0"/>
-                </a:spcBef>
-                <a:spcAft>
-                  <a:spcPts val="0"/>
-                </a:spcAft>
-                <a:buClr>
-                  <a:schemeClr val="accent3"/>
-                </a:buClr>
-                <a:buSzPts val="1400"/>
-                <a:buFont typeface="Josefin Slab SemiBold"/>
-                <a:buAutoNum type="alphaLcPeriod"/>
-                <a:defRPr sz="1400" b="0" i="0" u="none" strike="noStrike" cap="none">
-                  <a:solidFill>
-                    <a:schemeClr val="accent3"/>
-                  </a:solidFill>
-                  <a:latin typeface="Josefin Slab"/>
-                  <a:ea typeface="Josefin Slab"/>
-                  <a:cs typeface="Josefin Slab"/>
-                  <a:sym typeface="Josefin Slab"/>
-                </a:defRPr>
-              </a:lvl5pPr>
-              <a:lvl6pPr marL="2743200" marR="0" lvl="5" indent="-304800" algn="ctr" rtl="0">
-                <a:lnSpc>
-                  <a:spcPct val="100000"/>
-                </a:lnSpc>
-                <a:spcBef>
-                  <a:spcPts val="0"/>
-                </a:spcBef>
-                <a:spcAft>
-                  <a:spcPts val="0"/>
-                </a:spcAft>
-                <a:buClr>
-                  <a:schemeClr val="accent3"/>
-                </a:buClr>
-                <a:buSzPts val="1400"/>
-                <a:buFont typeface="Josefin Slab SemiBold"/>
-                <a:buAutoNum type="romanLcPeriod"/>
-                <a:defRPr sz="1400" b="0" i="0" u="none" strike="noStrike" cap="none">
-                  <a:solidFill>
-                    <a:schemeClr val="accent3"/>
-                  </a:solidFill>
-                  <a:latin typeface="Josefin Slab"/>
-                  <a:ea typeface="Josefin Slab"/>
-                  <a:cs typeface="Josefin Slab"/>
-                  <a:sym typeface="Josefin Slab"/>
-                </a:defRPr>
-              </a:lvl6pPr>
-              <a:lvl7pPr marL="3200400" marR="0" lvl="6" indent="-304800" algn="ctr" rtl="0">
-                <a:lnSpc>
-                  <a:spcPct val="100000"/>
-                </a:lnSpc>
-                <a:spcBef>
-                  <a:spcPts val="0"/>
-                </a:spcBef>
-                <a:spcAft>
-                  <a:spcPts val="0"/>
-                </a:spcAft>
-                <a:buClr>
-                  <a:schemeClr val="accent3"/>
-                </a:buClr>
-                <a:buSzPts val="1400"/>
-                <a:buFont typeface="Josefin Slab SemiBold"/>
-                <a:buAutoNum type="arabicPeriod"/>
-                <a:defRPr sz="1400" b="0" i="0" u="none" strike="noStrike" cap="none">
-                  <a:solidFill>
-                    <a:schemeClr val="accent3"/>
-                  </a:solidFill>
-                  <a:latin typeface="Josefin Slab"/>
-                  <a:ea typeface="Josefin Slab"/>
-                  <a:cs typeface="Josefin Slab"/>
-                  <a:sym typeface="Josefin Slab"/>
-                </a:defRPr>
-              </a:lvl7pPr>
-              <a:lvl8pPr marL="3657600" marR="0" lvl="7" indent="-304800" algn="ctr" rtl="0">
-                <a:lnSpc>
-                  <a:spcPct val="100000"/>
-                </a:lnSpc>
-                <a:spcBef>
-                  <a:spcPts val="0"/>
-                </a:spcBef>
-                <a:spcAft>
-                  <a:spcPts val="0"/>
-                </a:spcAft>
-                <a:buClr>
-                  <a:schemeClr val="accent3"/>
-                </a:buClr>
-                <a:buSzPts val="1400"/>
-                <a:buFont typeface="Josefin Slab SemiBold"/>
-                <a:buAutoNum type="alphaLcPeriod"/>
-                <a:defRPr sz="1400" b="0" i="0" u="none" strike="noStrike" cap="none">
-                  <a:solidFill>
-                    <a:schemeClr val="accent3"/>
-                  </a:solidFill>
-                  <a:latin typeface="Josefin Slab"/>
-                  <a:ea typeface="Josefin Slab"/>
-                  <a:cs typeface="Josefin Slab"/>
-                  <a:sym typeface="Josefin Slab"/>
-                </a:defRPr>
-              </a:lvl8pPr>
-              <a:lvl9pPr marL="4114800" marR="0" lvl="8" indent="-304800" algn="ctr" rtl="0">
-                <a:lnSpc>
-                  <a:spcPct val="100000"/>
-                </a:lnSpc>
-                <a:spcBef>
-                  <a:spcPts val="0"/>
-                </a:spcBef>
-                <a:spcAft>
-                  <a:spcPts val="0"/>
-                </a:spcAft>
-                <a:buClr>
-                  <a:schemeClr val="accent3"/>
-                </a:buClr>
-                <a:buSzPts val="1400"/>
-                <a:buFont typeface="Josefin Slab SemiBold"/>
-                <a:buAutoNum type="romanLcPeriod"/>
-                <a:defRPr sz="1400" b="0" i="0" u="none" strike="noStrike" cap="none">
-                  <a:solidFill>
-                    <a:schemeClr val="accent3"/>
-                  </a:solidFill>
-                  <a:latin typeface="Josefin Slab"/>
-                  <a:ea typeface="Josefin Slab"/>
-                  <a:cs typeface="Josefin Slab"/>
-                  <a:sym typeface="Josefin Slab"/>
-                </a:defRPr>
-              </a:lvl9pPr>
-            </a:lstStyle>
-            <a:p>
-              <a:pPr marL="152400" indent="0" algn="just">
-                <a:buFont typeface="Josefin Slab"/>
-                <a:buNone/>
-              </a:pPr>
-              <a:r>
-                <a:rPr lang="es-CO" sz="1050" dirty="0">
-                  <a:solidFill>
-                    <a:schemeClr val="accent6">
-                      <a:lumMod val="90000"/>
-                    </a:schemeClr>
-                  </a:solidFill>
-                  <a:latin typeface="Abadi" panose="020B0604020104020204" pitchFamily="34" charset="0"/>
-                  <a:hlinkClick r:id="rId5">
-                    <a:extLst>
-                      <a:ext uri="{A12FA001-AC4F-418D-AE19-62706E023703}">
-                        <ahyp:hlinkClr xmlns:ahyp="http://schemas.microsoft.com/office/drawing/2018/hyperlinkcolor" val="tx"/>
-                      </a:ext>
-                    </a:extLst>
-                  </a:hlinkClick>
-                </a:rPr>
-                <a:t>http://webdiis.unizar.es/asignaturas/AB/?p=425</a:t>
-              </a:r>
-              <a:r>
-                <a:rPr lang="es-CO" sz="1050" dirty="0">
-                  <a:solidFill>
-                    <a:schemeClr val="accent6">
-                      <a:lumMod val="90000"/>
-                    </a:schemeClr>
-                  </a:solidFill>
-                  <a:latin typeface="Abadi" panose="020B0604020104020204" pitchFamily="34" charset="0"/>
-                </a:rPr>
-                <a:t> </a:t>
-              </a:r>
-            </a:p>
-          </p:txBody>
-        </p:sp>
-        <p:sp>
-          <p:nvSpPr>
-            <p:cNvPr id="12" name="Subtítulo 1">
-              <a:extLst>
-                <a:ext uri="{FF2B5EF4-FFF2-40B4-BE49-F238E27FC236}">
-                  <a16:creationId xmlns:a16="http://schemas.microsoft.com/office/drawing/2014/main" id="{F81BA047-A32A-479F-9177-F5B929F83446}"/>
-                </a:ext>
-              </a:extLst>
-            </p:cNvPr>
-            <p:cNvSpPr txBox="1">
-              <a:spLocks/>
-            </p:cNvSpPr>
-            <p:nvPr/>
-          </p:nvSpPr>
-          <p:spPr>
-            <a:xfrm flipH="1">
-              <a:off x="1251626" y="3959155"/>
-              <a:ext cx="1128408" cy="461557"/>
-            </a:xfrm>
-            <a:prstGeom prst="rect">
-              <a:avLst/>
-            </a:prstGeom>
-            <a:noFill/>
-            <a:ln>
-              <a:noFill/>
-            </a:ln>
-          </p:spPr>
-          <p:txBody>
-            <a:bodyPr spcFirstLastPara="1" wrap="square" lIns="91425" tIns="91425" rIns="91425" bIns="91425" anchor="ctr" anchorCtr="0">
-              <a:noAutofit/>
-            </a:bodyPr>
-            <a:lstStyle>
-              <a:defPPr marR="0" lvl="0" algn="l" rtl="0">
-                <a:lnSpc>
-                  <a:spcPct val="100000"/>
-                </a:lnSpc>
-                <a:spcBef>
-                  <a:spcPts val="0"/>
-                </a:spcBef>
-                <a:spcAft>
-                  <a:spcPts val="0"/>
-                </a:spcAft>
-              </a:defPPr>
-              <a:lvl1pPr marL="457200" marR="0" lvl="0" indent="-304800" algn="l" rtl="0">
-                <a:lnSpc>
-                  <a:spcPct val="100000"/>
-                </a:lnSpc>
-                <a:spcBef>
-                  <a:spcPts val="0"/>
-                </a:spcBef>
-                <a:spcAft>
-                  <a:spcPts val="0"/>
-                </a:spcAft>
-                <a:buClr>
-                  <a:schemeClr val="accent3"/>
-                </a:buClr>
-                <a:buSzPts val="1000"/>
-                <a:buFont typeface="Josefin Slab"/>
-                <a:buAutoNum type="arabicPeriod"/>
-                <a:defRPr sz="1100" b="0" i="0" u="none" strike="noStrike" cap="none">
-                  <a:solidFill>
-                    <a:schemeClr val="accent3"/>
-                  </a:solidFill>
-                  <a:latin typeface="Anaheim"/>
-                  <a:ea typeface="Anaheim"/>
-                  <a:cs typeface="Anaheim"/>
-                  <a:sym typeface="Anaheim"/>
-                </a:defRPr>
-              </a:lvl1pPr>
-              <a:lvl2pPr marL="914400" marR="0" lvl="1" indent="-304800" algn="ctr" rtl="0">
-                <a:lnSpc>
-                  <a:spcPct val="100000"/>
-                </a:lnSpc>
-                <a:spcBef>
-                  <a:spcPts val="0"/>
-                </a:spcBef>
-                <a:spcAft>
-                  <a:spcPts val="0"/>
-                </a:spcAft>
-                <a:buClr>
-                  <a:schemeClr val="accent3"/>
-                </a:buClr>
-                <a:buSzPts val="1400"/>
-                <a:buFont typeface="Josefin Slab SemiBold"/>
-                <a:buAutoNum type="alphaLcPeriod"/>
-                <a:defRPr sz="1400" b="0" i="0" u="none" strike="noStrike" cap="none">
-                  <a:solidFill>
-                    <a:schemeClr val="accent3"/>
-                  </a:solidFill>
-                  <a:latin typeface="Josefin Slab"/>
-                  <a:ea typeface="Josefin Slab"/>
-                  <a:cs typeface="Josefin Slab"/>
-                  <a:sym typeface="Josefin Slab"/>
-                </a:defRPr>
-              </a:lvl2pPr>
-              <a:lvl3pPr marL="1371600" marR="0" lvl="2" indent="-304800" algn="ctr" rtl="0">
-                <a:lnSpc>
-                  <a:spcPct val="100000"/>
-                </a:lnSpc>
-                <a:spcBef>
-                  <a:spcPts val="0"/>
-                </a:spcBef>
-                <a:spcAft>
-                  <a:spcPts val="0"/>
-                </a:spcAft>
-                <a:buClr>
-                  <a:schemeClr val="accent3"/>
-                </a:buClr>
-                <a:buSzPts val="1400"/>
-                <a:buFont typeface="Josefin Slab SemiBold"/>
-                <a:buAutoNum type="romanLcPeriod"/>
-                <a:defRPr sz="1400" b="0" i="0" u="none" strike="noStrike" cap="none">
-                  <a:solidFill>
-                    <a:schemeClr val="accent3"/>
-                  </a:solidFill>
-                  <a:latin typeface="Josefin Slab"/>
-                  <a:ea typeface="Josefin Slab"/>
-                  <a:cs typeface="Josefin Slab"/>
-                  <a:sym typeface="Josefin Slab"/>
-                </a:defRPr>
-              </a:lvl3pPr>
-              <a:lvl4pPr marL="1828800" marR="0" lvl="3" indent="-304800" algn="ctr" rtl="0">
-                <a:lnSpc>
-                  <a:spcPct val="100000"/>
-                </a:lnSpc>
-                <a:spcBef>
-                  <a:spcPts val="0"/>
-                </a:spcBef>
-                <a:spcAft>
-                  <a:spcPts val="0"/>
-                </a:spcAft>
-                <a:buClr>
-                  <a:schemeClr val="accent3"/>
-                </a:buClr>
-                <a:buSzPts val="1400"/>
-                <a:buFont typeface="Josefin Slab SemiBold"/>
-                <a:buAutoNum type="arabicPeriod"/>
-                <a:defRPr sz="1400" b="0" i="0" u="none" strike="noStrike" cap="none">
-                  <a:solidFill>
-                    <a:schemeClr val="accent3"/>
-                  </a:solidFill>
-                  <a:latin typeface="Josefin Slab"/>
-                  <a:ea typeface="Josefin Slab"/>
-                  <a:cs typeface="Josefin Slab"/>
-                  <a:sym typeface="Josefin Slab"/>
-                </a:defRPr>
-              </a:lvl4pPr>
-              <a:lvl5pPr marL="2286000" marR="0" lvl="4" indent="-304800" algn="ctr" rtl="0">
-                <a:lnSpc>
-                  <a:spcPct val="100000"/>
-                </a:lnSpc>
-                <a:spcBef>
-                  <a:spcPts val="0"/>
-                </a:spcBef>
-                <a:spcAft>
-                  <a:spcPts val="0"/>
-                </a:spcAft>
-                <a:buClr>
-                  <a:schemeClr val="accent3"/>
-                </a:buClr>
-                <a:buSzPts val="1400"/>
-                <a:buFont typeface="Josefin Slab SemiBold"/>
-                <a:buAutoNum type="alphaLcPeriod"/>
-                <a:defRPr sz="1400" b="0" i="0" u="none" strike="noStrike" cap="none">
-                  <a:solidFill>
-                    <a:schemeClr val="accent3"/>
-                  </a:solidFill>
-                  <a:latin typeface="Josefin Slab"/>
-                  <a:ea typeface="Josefin Slab"/>
-                  <a:cs typeface="Josefin Slab"/>
-                  <a:sym typeface="Josefin Slab"/>
-                </a:defRPr>
-              </a:lvl5pPr>
-              <a:lvl6pPr marL="2743200" marR="0" lvl="5" indent="-304800" algn="ctr" rtl="0">
-                <a:lnSpc>
-                  <a:spcPct val="100000"/>
-                </a:lnSpc>
-                <a:spcBef>
-                  <a:spcPts val="0"/>
-                </a:spcBef>
-                <a:spcAft>
-                  <a:spcPts val="0"/>
-                </a:spcAft>
-                <a:buClr>
-                  <a:schemeClr val="accent3"/>
-                </a:buClr>
-                <a:buSzPts val="1400"/>
-                <a:buFont typeface="Josefin Slab SemiBold"/>
-                <a:buAutoNum type="romanLcPeriod"/>
-                <a:defRPr sz="1400" b="0" i="0" u="none" strike="noStrike" cap="none">
-                  <a:solidFill>
-                    <a:schemeClr val="accent3"/>
-                  </a:solidFill>
-                  <a:latin typeface="Josefin Slab"/>
-                  <a:ea typeface="Josefin Slab"/>
-                  <a:cs typeface="Josefin Slab"/>
-                  <a:sym typeface="Josefin Slab"/>
-                </a:defRPr>
-              </a:lvl6pPr>
-              <a:lvl7pPr marL="3200400" marR="0" lvl="6" indent="-304800" algn="ctr" rtl="0">
-                <a:lnSpc>
-                  <a:spcPct val="100000"/>
-                </a:lnSpc>
-                <a:spcBef>
-                  <a:spcPts val="0"/>
-                </a:spcBef>
-                <a:spcAft>
-                  <a:spcPts val="0"/>
-                </a:spcAft>
-                <a:buClr>
-                  <a:schemeClr val="accent3"/>
-                </a:buClr>
-                <a:buSzPts val="1400"/>
-                <a:buFont typeface="Josefin Slab SemiBold"/>
-                <a:buAutoNum type="arabicPeriod"/>
-                <a:defRPr sz="1400" b="0" i="0" u="none" strike="noStrike" cap="none">
-                  <a:solidFill>
-                    <a:schemeClr val="accent3"/>
-                  </a:solidFill>
-                  <a:latin typeface="Josefin Slab"/>
-                  <a:ea typeface="Josefin Slab"/>
-                  <a:cs typeface="Josefin Slab"/>
-                  <a:sym typeface="Josefin Slab"/>
-                </a:defRPr>
-              </a:lvl7pPr>
-              <a:lvl8pPr marL="3657600" marR="0" lvl="7" indent="-304800" algn="ctr" rtl="0">
-                <a:lnSpc>
-                  <a:spcPct val="100000"/>
-                </a:lnSpc>
-                <a:spcBef>
-                  <a:spcPts val="0"/>
-                </a:spcBef>
-                <a:spcAft>
-                  <a:spcPts val="0"/>
-                </a:spcAft>
-                <a:buClr>
-                  <a:schemeClr val="accent3"/>
-                </a:buClr>
-                <a:buSzPts val="1400"/>
-                <a:buFont typeface="Josefin Slab SemiBold"/>
-                <a:buAutoNum type="alphaLcPeriod"/>
-                <a:defRPr sz="1400" b="0" i="0" u="none" strike="noStrike" cap="none">
-                  <a:solidFill>
-                    <a:schemeClr val="accent3"/>
-                  </a:solidFill>
-                  <a:latin typeface="Josefin Slab"/>
-                  <a:ea typeface="Josefin Slab"/>
-                  <a:cs typeface="Josefin Slab"/>
-                  <a:sym typeface="Josefin Slab"/>
-                </a:defRPr>
-              </a:lvl8pPr>
-              <a:lvl9pPr marL="4114800" marR="0" lvl="8" indent="-304800" algn="ctr" rtl="0">
-                <a:lnSpc>
-                  <a:spcPct val="100000"/>
-                </a:lnSpc>
-                <a:spcBef>
-                  <a:spcPts val="0"/>
-                </a:spcBef>
-                <a:spcAft>
-                  <a:spcPts val="0"/>
-                </a:spcAft>
-                <a:buClr>
-                  <a:schemeClr val="accent3"/>
-                </a:buClr>
-                <a:buSzPts val="1400"/>
-                <a:buFont typeface="Josefin Slab SemiBold"/>
-                <a:buAutoNum type="romanLcPeriod"/>
-                <a:defRPr sz="1400" b="0" i="0" u="none" strike="noStrike" cap="none">
-                  <a:solidFill>
-                    <a:schemeClr val="accent3"/>
-                  </a:solidFill>
-                  <a:latin typeface="Josefin Slab"/>
-                  <a:ea typeface="Josefin Slab"/>
-                  <a:cs typeface="Josefin Slab"/>
-                  <a:sym typeface="Josefin Slab"/>
-                </a:defRPr>
-              </a:lvl9pPr>
-            </a:lstStyle>
-            <a:p>
-              <a:pPr marL="152400" indent="0" algn="just">
-                <a:buFont typeface="Josefin Slab"/>
-                <a:buNone/>
-              </a:pPr>
-              <a:r>
-                <a:rPr lang="es-CO" sz="1050" dirty="0">
-                  <a:solidFill>
-                    <a:schemeClr val="accent6">
-                      <a:lumMod val="90000"/>
-                    </a:schemeClr>
-                  </a:solidFill>
-                  <a:latin typeface="Abadi" panose="020B0604020104020204" pitchFamily="34" charset="0"/>
-                </a:rPr>
-                <a:t>Tomado de: </a:t>
-              </a:r>
-            </a:p>
-          </p:txBody>
-        </p:sp>
-      </p:grpSp>
-      <p:pic>
-        <p:nvPicPr>
-          <p:cNvPr id="14" name="Imagen 13">
-            <a:extLst>
-              <a:ext uri="{FF2B5EF4-FFF2-40B4-BE49-F238E27FC236}">
-                <a16:creationId xmlns:a16="http://schemas.microsoft.com/office/drawing/2014/main" id="{9B91810B-D64D-4196-AE2B-FF321C15C484}"/>
+                <a16:creationId xmlns:a16="http://schemas.microsoft.com/office/drawing/2014/main" id="{49908F8C-AD17-4D4C-A305-D9D68A061E8E}"/>
               </a:ext>
             </a:extLst>
           </p:cNvPr>
@@ -8760,164 +7742,25 @@
           <p:nvPr/>
         </p:nvPicPr>
         <p:blipFill>
-          <a:blip r:embed="rId6"/>
+          <a:blip r:embed="rId4"/>
           <a:stretch>
             <a:fillRect/>
           </a:stretch>
         </p:blipFill>
         <p:spPr>
           <a:xfrm>
-            <a:off x="440010" y="1458044"/>
-            <a:ext cx="2285246" cy="2099839"/>
+            <a:off x="1729389" y="1175285"/>
+            <a:ext cx="6364024" cy="3737351"/>
           </a:xfrm>
           <a:prstGeom prst="rect">
             <a:avLst/>
           </a:prstGeom>
         </p:spPr>
       </p:pic>
-      <mc:AlternateContent xmlns:mc="http://schemas.openxmlformats.org/markup-compatibility/2006">
-        <mc:Choice xmlns:a14="http://schemas.microsoft.com/office/drawing/2010/main" Requires="a14">
-          <p:sp>
-            <p:nvSpPr>
-              <p:cNvPr id="3" name="CuadroTexto 2">
-                <a:extLst>
-                  <a:ext uri="{FF2B5EF4-FFF2-40B4-BE49-F238E27FC236}">
-                    <a16:creationId xmlns:a16="http://schemas.microsoft.com/office/drawing/2014/main" id="{2B4C1C35-637C-4CE7-87A1-EA4ED1574026}"/>
-                  </a:ext>
-                </a:extLst>
-              </p:cNvPr>
-              <p:cNvSpPr txBox="1"/>
-              <p:nvPr/>
-            </p:nvSpPr>
-            <p:spPr>
-              <a:xfrm>
-                <a:off x="4553318" y="1595849"/>
-                <a:ext cx="1001813" cy="215444"/>
-              </a:xfrm>
-              <a:prstGeom prst="rect">
-                <a:avLst/>
-              </a:prstGeom>
-              <a:noFill/>
-            </p:spPr>
-            <p:txBody>
-              <a:bodyPr wrap="none" lIns="0" tIns="0" rIns="0" bIns="0" rtlCol="0">
-                <a:spAutoFit/>
-              </a:bodyPr>
-              <a:lstStyle/>
-              <a:p>
-                <a14:m>
-                  <m:oMathPara xmlns:m="http://schemas.openxmlformats.org/officeDocument/2006/math">
-                    <m:oMathParaPr>
-                      <m:jc m:val="centerGroup"/>
-                    </m:oMathParaPr>
-                    <m:oMath xmlns:m="http://schemas.openxmlformats.org/officeDocument/2006/math">
-                      <m:r>
-                        <a:rPr lang="es-ES" b="0" i="1" smtClean="0">
-                          <a:latin typeface="Cambria Math" panose="02040503050406030204" pitchFamily="18" charset="0"/>
-                        </a:rPr>
-                        <m:t>𝑑𝑝</m:t>
-                      </m:r>
-                      <m:d>
-                        <m:dPr>
-                          <m:begChr m:val="["/>
-                          <m:endChr m:val="]"/>
-                          <m:ctrlPr>
-                            <a:rPr lang="es-ES" b="0" i="1" smtClean="0">
-                              <a:latin typeface="Cambria Math" panose="02040503050406030204" pitchFamily="18" charset="0"/>
-                            </a:rPr>
-                          </m:ctrlPr>
-                        </m:dPr>
-                        <m:e>
-                          <m:r>
-                            <a:rPr lang="es-ES" b="0" i="1" smtClean="0">
-                              <a:latin typeface="Cambria Math" panose="02040503050406030204" pitchFamily="18" charset="0"/>
-                            </a:rPr>
-                            <m:t>𝑖</m:t>
-                          </m:r>
-                        </m:e>
-                      </m:d>
-                      <m:d>
-                        <m:dPr>
-                          <m:begChr m:val="["/>
-                          <m:endChr m:val="]"/>
-                          <m:ctrlPr>
-                            <a:rPr lang="es-ES" b="0" i="1" smtClean="0">
-                              <a:latin typeface="Cambria Math" panose="02040503050406030204" pitchFamily="18" charset="0"/>
-                            </a:rPr>
-                          </m:ctrlPr>
-                        </m:dPr>
-                        <m:e>
-                          <m:r>
-                            <a:rPr lang="es-ES" b="0" i="1" smtClean="0">
-                              <a:latin typeface="Cambria Math" panose="02040503050406030204" pitchFamily="18" charset="0"/>
-                            </a:rPr>
-                            <m:t>0</m:t>
-                          </m:r>
-                        </m:e>
-                      </m:d>
-                      <m:r>
-                        <a:rPr lang="es-ES" b="0" i="1" smtClean="0">
-                          <a:latin typeface="Cambria Math" panose="02040503050406030204" pitchFamily="18" charset="0"/>
-                        </a:rPr>
-                        <m:t>=0</m:t>
-                      </m:r>
-                    </m:oMath>
-                  </m:oMathPara>
-                </a14:m>
-                <a:endParaRPr lang="es-CO" dirty="0"/>
-              </a:p>
-            </p:txBody>
-          </p:sp>
-        </mc:Choice>
-        <mc:Fallback>
-          <p:sp>
-            <p:nvSpPr>
-              <p:cNvPr id="3" name="CuadroTexto 2">
-                <a:extLst>
-                  <a:ext uri="{FF2B5EF4-FFF2-40B4-BE49-F238E27FC236}">
-                    <a16:creationId xmlns:a16="http://schemas.microsoft.com/office/drawing/2014/main" id="{2B4C1C35-637C-4CE7-87A1-EA4ED1574026}"/>
-                  </a:ext>
-                </a:extLst>
-              </p:cNvPr>
-              <p:cNvSpPr txBox="1">
-                <a:spLocks noRot="1" noChangeAspect="1" noMove="1" noResize="1" noEditPoints="1" noAdjustHandles="1" noChangeArrowheads="1" noChangeShapeType="1" noTextEdit="1"/>
-              </p:cNvSpPr>
-              <p:nvPr/>
-            </p:nvSpPr>
-            <p:spPr>
-              <a:xfrm>
-                <a:off x="4553318" y="1595849"/>
-                <a:ext cx="1001813" cy="215444"/>
-              </a:xfrm>
-              <a:prstGeom prst="rect">
-                <a:avLst/>
-              </a:prstGeom>
-              <a:blipFill>
-                <a:blip r:embed="rId7"/>
-                <a:stretch>
-                  <a:fillRect l="-5488" r="-3049" b="-34286"/>
-                </a:stretch>
-              </a:blipFill>
-            </p:spPr>
-            <p:txBody>
-              <a:bodyPr/>
-              <a:lstStyle/>
-              <a:p>
-                <a:r>
-                  <a:rPr lang="es-CO">
-                    <a:noFill/>
-                  </a:rPr>
-                  <a:t> </a:t>
-                </a:r>
-              </a:p>
-            </p:txBody>
-          </p:sp>
-        </mc:Fallback>
-      </mc:AlternateContent>
     </p:spTree>
     <p:extLst>
       <p:ext uri="{BB962C8B-B14F-4D97-AF65-F5344CB8AC3E}">
-        <p14:creationId xmlns:p14="http://schemas.microsoft.com/office/powerpoint/2010/main" val="2405181293"/>
+        <p14:creationId xmlns:p14="http://schemas.microsoft.com/office/powerpoint/2010/main" val="165510519"/>
       </p:ext>
     </p:extLst>
   </p:cSld>
@@ -8927,7 +7770,7 @@
 </p:sld>
 </file>
 
-<file path=ppt/slides/slide9.xml><?xml version="1.0" encoding="utf-8"?>
+<file path=ppt/slides/slide6.xml><?xml version="1.0" encoding="utf-8"?>
 <p:sld xmlns:a="http://schemas.openxmlformats.org/drawingml/2006/main" xmlns:r="http://schemas.openxmlformats.org/officeDocument/2006/relationships" xmlns:p="http://schemas.openxmlformats.org/presentationml/2006/main">
   <p:cSld>
     <p:spTree>
@@ -8962,8 +7805,8 @@
         </p:nvSpPr>
         <p:spPr>
           <a:xfrm flipH="1">
-            <a:off x="2079628" y="3276200"/>
-            <a:ext cx="6681751" cy="1221236"/>
+            <a:off x="4008219" y="2630916"/>
+            <a:ext cx="4840506" cy="845102"/>
           </a:xfrm>
         </p:spPr>
         <p:txBody>
@@ -8974,35 +7817,36 @@
               <a:buNone/>
             </a:pPr>
             <a:r>
-              <a:rPr lang="es-CO" sz="1200" dirty="0">
+              <a:rPr lang="es-ES" sz="1200" dirty="0">
                 <a:latin typeface="Abadi" panose="020B0604020104020204" pitchFamily="34" charset="0"/>
               </a:rPr>
-              <a:t>“Durante un robo, el ladrón encuentra un botín más cuantioso de lo esperado y tiene que elegir qué llevarse. Su saco puede transportar como máximo W kilos. En el botín hay n objetos que pesan w1,…, </a:t>
+              <a:t>Un vector es un segmento de línea que tiene magnitud y dirección, los vectores son representados</a:t>
             </a:r>
+          </a:p>
+          <a:p>
+            <a:pPr marL="152400" indent="0" algn="just">
+              <a:buNone/>
+            </a:pPr>
             <a:r>
-              <a:rPr lang="es-CO" sz="1200" dirty="0" err="1">
+              <a:rPr lang="es-ES" sz="1200" dirty="0">
                 <a:latin typeface="Abadi" panose="020B0604020104020204" pitchFamily="34" charset="0"/>
               </a:rPr>
-              <a:t>wn</a:t>
+              <a:t>parecido a como se representa un punto con dos coordenadas x, y donde con eso ya tenemos la magnitud</a:t>
             </a:r>
+          </a:p>
+          <a:p>
+            <a:pPr marL="152400" indent="0" algn="just">
+              <a:buNone/>
+            </a:pPr>
             <a:r>
-              <a:rPr lang="es-CO" sz="1200" dirty="0">
+              <a:rPr lang="es-ES" sz="1200" dirty="0">
                 <a:latin typeface="Abadi" panose="020B0604020104020204" pitchFamily="34" charset="0"/>
               </a:rPr>
-              <a:t> kilos y valen v1,…, </a:t>
+              <a:t>y dirección del vector en posición estándar.</a:t>
             </a:r>
-            <a:r>
-              <a:rPr lang="es-CO" sz="1200" dirty="0" err="1">
-                <a:latin typeface="Abadi" panose="020B0604020104020204" pitchFamily="34" charset="0"/>
-              </a:rPr>
-              <a:t>vn</a:t>
-            </a:r>
-            <a:r>
-              <a:rPr lang="es-CO" sz="1200" dirty="0">
-                <a:latin typeface="Abadi" panose="020B0604020104020204" pitchFamily="34" charset="0"/>
-              </a:rPr>
-              <a:t> euros. ¿Qué objetos debe elegir para llevarse el máximo valor sin que se rompa el saco?”</a:t>
-            </a:r>
+            <a:endParaRPr lang="es-CO" sz="1200" dirty="0">
+              <a:latin typeface="Abadi" panose="020B0604020104020204" pitchFamily="34" charset="0"/>
+            </a:endParaRPr>
           </a:p>
         </p:txBody>
       </p:sp>
@@ -9102,8 +7946,8 @@
         </p:nvSpPr>
         <p:spPr>
           <a:xfrm>
-            <a:off x="2919275" y="1464444"/>
-            <a:ext cx="5784715" cy="1221236"/>
+            <a:off x="477806" y="1446180"/>
+            <a:ext cx="3521783" cy="3035030"/>
           </a:xfrm>
           <a:prstGeom prst="rect">
             <a:avLst/>
@@ -9170,650 +8014,17 @@
           <a:p>
             <a:r>
               <a:rPr lang="es-CO" dirty="0"/>
-              <a:t>Problema de la mochila  </a:t>
+              <a:t>vectores</a:t>
             </a:r>
           </a:p>
         </p:txBody>
       </p:sp>
-      <p:grpSp>
-        <p:nvGrpSpPr>
-          <p:cNvPr id="9" name="Grupo 8">
+      <p:pic>
+        <p:nvPicPr>
+          <p:cNvPr id="8" name="Imagen 7" descr="Gráfico, Gráfico de líneas&#10;&#10;Descripción generada automáticamente">
             <a:extLst>
               <a:ext uri="{FF2B5EF4-FFF2-40B4-BE49-F238E27FC236}">
-                <a16:creationId xmlns:a16="http://schemas.microsoft.com/office/drawing/2014/main" id="{011A2A81-768D-4A4E-B7AE-0AB4A94FC00E}"/>
-              </a:ext>
-            </a:extLst>
-          </p:cNvPr>
-          <p:cNvGrpSpPr/>
-          <p:nvPr/>
-        </p:nvGrpSpPr>
-        <p:grpSpPr>
-          <a:xfrm>
-            <a:off x="2120631" y="4169838"/>
-            <a:ext cx="4127052" cy="461558"/>
-            <a:chOff x="1251626" y="3959154"/>
-            <a:chExt cx="4127052" cy="461558"/>
-          </a:xfrm>
-        </p:grpSpPr>
-        <p:sp>
-          <p:nvSpPr>
-            <p:cNvPr id="11" name="Subtítulo 1">
-              <a:extLst>
-                <a:ext uri="{FF2B5EF4-FFF2-40B4-BE49-F238E27FC236}">
-                  <a16:creationId xmlns:a16="http://schemas.microsoft.com/office/drawing/2014/main" id="{70B1D5AA-3CDB-450E-B6C4-17EE9C2B7921}"/>
-                </a:ext>
-              </a:extLst>
-            </p:cNvPr>
-            <p:cNvSpPr txBox="1">
-              <a:spLocks/>
-            </p:cNvSpPr>
-            <p:nvPr/>
-          </p:nvSpPr>
-          <p:spPr>
-            <a:xfrm flipH="1">
-              <a:off x="1989949" y="3959154"/>
-              <a:ext cx="3388729" cy="461557"/>
-            </a:xfrm>
-            <a:prstGeom prst="rect">
-              <a:avLst/>
-            </a:prstGeom>
-            <a:noFill/>
-            <a:ln>
-              <a:noFill/>
-            </a:ln>
-          </p:spPr>
-          <p:txBody>
-            <a:bodyPr spcFirstLastPara="1" wrap="square" lIns="91425" tIns="91425" rIns="91425" bIns="91425" anchor="ctr" anchorCtr="0">
-              <a:noAutofit/>
-            </a:bodyPr>
-            <a:lstStyle>
-              <a:defPPr marR="0" lvl="0" algn="l" rtl="0">
-                <a:lnSpc>
-                  <a:spcPct val="100000"/>
-                </a:lnSpc>
-                <a:spcBef>
-                  <a:spcPts val="0"/>
-                </a:spcBef>
-                <a:spcAft>
-                  <a:spcPts val="0"/>
-                </a:spcAft>
-              </a:defPPr>
-              <a:lvl1pPr marL="457200" marR="0" lvl="0" indent="-304800" algn="l" rtl="0">
-                <a:lnSpc>
-                  <a:spcPct val="100000"/>
-                </a:lnSpc>
-                <a:spcBef>
-                  <a:spcPts val="0"/>
-                </a:spcBef>
-                <a:spcAft>
-                  <a:spcPts val="0"/>
-                </a:spcAft>
-                <a:buClr>
-                  <a:schemeClr val="accent3"/>
-                </a:buClr>
-                <a:buSzPts val="1000"/>
-                <a:buFont typeface="Josefin Slab"/>
-                <a:buAutoNum type="arabicPeriod"/>
-                <a:defRPr sz="1100" b="0" i="0" u="none" strike="noStrike" cap="none">
-                  <a:solidFill>
-                    <a:schemeClr val="accent3"/>
-                  </a:solidFill>
-                  <a:latin typeface="Anaheim"/>
-                  <a:ea typeface="Anaheim"/>
-                  <a:cs typeface="Anaheim"/>
-                  <a:sym typeface="Anaheim"/>
-                </a:defRPr>
-              </a:lvl1pPr>
-              <a:lvl2pPr marL="914400" marR="0" lvl="1" indent="-304800" algn="ctr" rtl="0">
-                <a:lnSpc>
-                  <a:spcPct val="100000"/>
-                </a:lnSpc>
-                <a:spcBef>
-                  <a:spcPts val="0"/>
-                </a:spcBef>
-                <a:spcAft>
-                  <a:spcPts val="0"/>
-                </a:spcAft>
-                <a:buClr>
-                  <a:schemeClr val="accent3"/>
-                </a:buClr>
-                <a:buSzPts val="1400"/>
-                <a:buFont typeface="Josefin Slab SemiBold"/>
-                <a:buAutoNum type="alphaLcPeriod"/>
-                <a:defRPr sz="1400" b="0" i="0" u="none" strike="noStrike" cap="none">
-                  <a:solidFill>
-                    <a:schemeClr val="accent3"/>
-                  </a:solidFill>
-                  <a:latin typeface="Josefin Slab"/>
-                  <a:ea typeface="Josefin Slab"/>
-                  <a:cs typeface="Josefin Slab"/>
-                  <a:sym typeface="Josefin Slab"/>
-                </a:defRPr>
-              </a:lvl2pPr>
-              <a:lvl3pPr marL="1371600" marR="0" lvl="2" indent="-304800" algn="ctr" rtl="0">
-                <a:lnSpc>
-                  <a:spcPct val="100000"/>
-                </a:lnSpc>
-                <a:spcBef>
-                  <a:spcPts val="0"/>
-                </a:spcBef>
-                <a:spcAft>
-                  <a:spcPts val="0"/>
-                </a:spcAft>
-                <a:buClr>
-                  <a:schemeClr val="accent3"/>
-                </a:buClr>
-                <a:buSzPts val="1400"/>
-                <a:buFont typeface="Josefin Slab SemiBold"/>
-                <a:buAutoNum type="romanLcPeriod"/>
-                <a:defRPr sz="1400" b="0" i="0" u="none" strike="noStrike" cap="none">
-                  <a:solidFill>
-                    <a:schemeClr val="accent3"/>
-                  </a:solidFill>
-                  <a:latin typeface="Josefin Slab"/>
-                  <a:ea typeface="Josefin Slab"/>
-                  <a:cs typeface="Josefin Slab"/>
-                  <a:sym typeface="Josefin Slab"/>
-                </a:defRPr>
-              </a:lvl3pPr>
-              <a:lvl4pPr marL="1828800" marR="0" lvl="3" indent="-304800" algn="ctr" rtl="0">
-                <a:lnSpc>
-                  <a:spcPct val="100000"/>
-                </a:lnSpc>
-                <a:spcBef>
-                  <a:spcPts val="0"/>
-                </a:spcBef>
-                <a:spcAft>
-                  <a:spcPts val="0"/>
-                </a:spcAft>
-                <a:buClr>
-                  <a:schemeClr val="accent3"/>
-                </a:buClr>
-                <a:buSzPts val="1400"/>
-                <a:buFont typeface="Josefin Slab SemiBold"/>
-                <a:buAutoNum type="arabicPeriod"/>
-                <a:defRPr sz="1400" b="0" i="0" u="none" strike="noStrike" cap="none">
-                  <a:solidFill>
-                    <a:schemeClr val="accent3"/>
-                  </a:solidFill>
-                  <a:latin typeface="Josefin Slab"/>
-                  <a:ea typeface="Josefin Slab"/>
-                  <a:cs typeface="Josefin Slab"/>
-                  <a:sym typeface="Josefin Slab"/>
-                </a:defRPr>
-              </a:lvl4pPr>
-              <a:lvl5pPr marL="2286000" marR="0" lvl="4" indent="-304800" algn="ctr" rtl="0">
-                <a:lnSpc>
-                  <a:spcPct val="100000"/>
-                </a:lnSpc>
-                <a:spcBef>
-                  <a:spcPts val="0"/>
-                </a:spcBef>
-                <a:spcAft>
-                  <a:spcPts val="0"/>
-                </a:spcAft>
-                <a:buClr>
-                  <a:schemeClr val="accent3"/>
-                </a:buClr>
-                <a:buSzPts val="1400"/>
-                <a:buFont typeface="Josefin Slab SemiBold"/>
-                <a:buAutoNum type="alphaLcPeriod"/>
-                <a:defRPr sz="1400" b="0" i="0" u="none" strike="noStrike" cap="none">
-                  <a:solidFill>
-                    <a:schemeClr val="accent3"/>
-                  </a:solidFill>
-                  <a:latin typeface="Josefin Slab"/>
-                  <a:ea typeface="Josefin Slab"/>
-                  <a:cs typeface="Josefin Slab"/>
-                  <a:sym typeface="Josefin Slab"/>
-                </a:defRPr>
-              </a:lvl5pPr>
-              <a:lvl6pPr marL="2743200" marR="0" lvl="5" indent="-304800" algn="ctr" rtl="0">
-                <a:lnSpc>
-                  <a:spcPct val="100000"/>
-                </a:lnSpc>
-                <a:spcBef>
-                  <a:spcPts val="0"/>
-                </a:spcBef>
-                <a:spcAft>
-                  <a:spcPts val="0"/>
-                </a:spcAft>
-                <a:buClr>
-                  <a:schemeClr val="accent3"/>
-                </a:buClr>
-                <a:buSzPts val="1400"/>
-                <a:buFont typeface="Josefin Slab SemiBold"/>
-                <a:buAutoNum type="romanLcPeriod"/>
-                <a:defRPr sz="1400" b="0" i="0" u="none" strike="noStrike" cap="none">
-                  <a:solidFill>
-                    <a:schemeClr val="accent3"/>
-                  </a:solidFill>
-                  <a:latin typeface="Josefin Slab"/>
-                  <a:ea typeface="Josefin Slab"/>
-                  <a:cs typeface="Josefin Slab"/>
-                  <a:sym typeface="Josefin Slab"/>
-                </a:defRPr>
-              </a:lvl6pPr>
-              <a:lvl7pPr marL="3200400" marR="0" lvl="6" indent="-304800" algn="ctr" rtl="0">
-                <a:lnSpc>
-                  <a:spcPct val="100000"/>
-                </a:lnSpc>
-                <a:spcBef>
-                  <a:spcPts val="0"/>
-                </a:spcBef>
-                <a:spcAft>
-                  <a:spcPts val="0"/>
-                </a:spcAft>
-                <a:buClr>
-                  <a:schemeClr val="accent3"/>
-                </a:buClr>
-                <a:buSzPts val="1400"/>
-                <a:buFont typeface="Josefin Slab SemiBold"/>
-                <a:buAutoNum type="arabicPeriod"/>
-                <a:defRPr sz="1400" b="0" i="0" u="none" strike="noStrike" cap="none">
-                  <a:solidFill>
-                    <a:schemeClr val="accent3"/>
-                  </a:solidFill>
-                  <a:latin typeface="Josefin Slab"/>
-                  <a:ea typeface="Josefin Slab"/>
-                  <a:cs typeface="Josefin Slab"/>
-                  <a:sym typeface="Josefin Slab"/>
-                </a:defRPr>
-              </a:lvl7pPr>
-              <a:lvl8pPr marL="3657600" marR="0" lvl="7" indent="-304800" algn="ctr" rtl="0">
-                <a:lnSpc>
-                  <a:spcPct val="100000"/>
-                </a:lnSpc>
-                <a:spcBef>
-                  <a:spcPts val="0"/>
-                </a:spcBef>
-                <a:spcAft>
-                  <a:spcPts val="0"/>
-                </a:spcAft>
-                <a:buClr>
-                  <a:schemeClr val="accent3"/>
-                </a:buClr>
-                <a:buSzPts val="1400"/>
-                <a:buFont typeface="Josefin Slab SemiBold"/>
-                <a:buAutoNum type="alphaLcPeriod"/>
-                <a:defRPr sz="1400" b="0" i="0" u="none" strike="noStrike" cap="none">
-                  <a:solidFill>
-                    <a:schemeClr val="accent3"/>
-                  </a:solidFill>
-                  <a:latin typeface="Josefin Slab"/>
-                  <a:ea typeface="Josefin Slab"/>
-                  <a:cs typeface="Josefin Slab"/>
-                  <a:sym typeface="Josefin Slab"/>
-                </a:defRPr>
-              </a:lvl8pPr>
-              <a:lvl9pPr marL="4114800" marR="0" lvl="8" indent="-304800" algn="ctr" rtl="0">
-                <a:lnSpc>
-                  <a:spcPct val="100000"/>
-                </a:lnSpc>
-                <a:spcBef>
-                  <a:spcPts val="0"/>
-                </a:spcBef>
-                <a:spcAft>
-                  <a:spcPts val="0"/>
-                </a:spcAft>
-                <a:buClr>
-                  <a:schemeClr val="accent3"/>
-                </a:buClr>
-                <a:buSzPts val="1400"/>
-                <a:buFont typeface="Josefin Slab SemiBold"/>
-                <a:buAutoNum type="romanLcPeriod"/>
-                <a:defRPr sz="1400" b="0" i="0" u="none" strike="noStrike" cap="none">
-                  <a:solidFill>
-                    <a:schemeClr val="accent3"/>
-                  </a:solidFill>
-                  <a:latin typeface="Josefin Slab"/>
-                  <a:ea typeface="Josefin Slab"/>
-                  <a:cs typeface="Josefin Slab"/>
-                  <a:sym typeface="Josefin Slab"/>
-                </a:defRPr>
-              </a:lvl9pPr>
-            </a:lstStyle>
-            <a:p>
-              <a:pPr marL="152400" indent="0" algn="just">
-                <a:buFont typeface="Josefin Slab"/>
-                <a:buNone/>
-              </a:pPr>
-              <a:r>
-                <a:rPr lang="es-CO" sz="1050" dirty="0">
-                  <a:solidFill>
-                    <a:schemeClr val="accent6">
-                      <a:lumMod val="90000"/>
-                    </a:schemeClr>
-                  </a:solidFill>
-                  <a:latin typeface="Abadi" panose="020B0604020104020204" pitchFamily="34" charset="0"/>
-                  <a:hlinkClick r:id="rId4">
-                    <a:extLst>
-                      <a:ext uri="{A12FA001-AC4F-418D-AE19-62706E023703}">
-                        <ahyp:hlinkClr xmlns:ahyp="http://schemas.microsoft.com/office/drawing/2018/hyperlinkcolor" val="tx"/>
-                      </a:ext>
-                    </a:extLst>
-                  </a:hlinkClick>
-                </a:rPr>
-                <a:t>http://webdiis.unizar.es/asignaturas/AB/?p=425</a:t>
-              </a:r>
-              <a:r>
-                <a:rPr lang="es-CO" sz="1050" dirty="0">
-                  <a:solidFill>
-                    <a:schemeClr val="accent6">
-                      <a:lumMod val="90000"/>
-                    </a:schemeClr>
-                  </a:solidFill>
-                  <a:latin typeface="Abadi" panose="020B0604020104020204" pitchFamily="34" charset="0"/>
-                </a:rPr>
-                <a:t> </a:t>
-              </a:r>
-            </a:p>
-          </p:txBody>
-        </p:sp>
-        <p:sp>
-          <p:nvSpPr>
-            <p:cNvPr id="12" name="Subtítulo 1">
-              <a:extLst>
-                <a:ext uri="{FF2B5EF4-FFF2-40B4-BE49-F238E27FC236}">
-                  <a16:creationId xmlns:a16="http://schemas.microsoft.com/office/drawing/2014/main" id="{F81BA047-A32A-479F-9177-F5B929F83446}"/>
-                </a:ext>
-              </a:extLst>
-            </p:cNvPr>
-            <p:cNvSpPr txBox="1">
-              <a:spLocks/>
-            </p:cNvSpPr>
-            <p:nvPr/>
-          </p:nvSpPr>
-          <p:spPr>
-            <a:xfrm flipH="1">
-              <a:off x="1251626" y="3959155"/>
-              <a:ext cx="1128408" cy="461557"/>
-            </a:xfrm>
-            <a:prstGeom prst="rect">
-              <a:avLst/>
-            </a:prstGeom>
-            <a:noFill/>
-            <a:ln>
-              <a:noFill/>
-            </a:ln>
-          </p:spPr>
-          <p:txBody>
-            <a:bodyPr spcFirstLastPara="1" wrap="square" lIns="91425" tIns="91425" rIns="91425" bIns="91425" anchor="ctr" anchorCtr="0">
-              <a:noAutofit/>
-            </a:bodyPr>
-            <a:lstStyle>
-              <a:defPPr marR="0" lvl="0" algn="l" rtl="0">
-                <a:lnSpc>
-                  <a:spcPct val="100000"/>
-                </a:lnSpc>
-                <a:spcBef>
-                  <a:spcPts val="0"/>
-                </a:spcBef>
-                <a:spcAft>
-                  <a:spcPts val="0"/>
-                </a:spcAft>
-              </a:defPPr>
-              <a:lvl1pPr marL="457200" marR="0" lvl="0" indent="-304800" algn="l" rtl="0">
-                <a:lnSpc>
-                  <a:spcPct val="100000"/>
-                </a:lnSpc>
-                <a:spcBef>
-                  <a:spcPts val="0"/>
-                </a:spcBef>
-                <a:spcAft>
-                  <a:spcPts val="0"/>
-                </a:spcAft>
-                <a:buClr>
-                  <a:schemeClr val="accent3"/>
-                </a:buClr>
-                <a:buSzPts val="1000"/>
-                <a:buFont typeface="Josefin Slab"/>
-                <a:buAutoNum type="arabicPeriod"/>
-                <a:defRPr sz="1100" b="0" i="0" u="none" strike="noStrike" cap="none">
-                  <a:solidFill>
-                    <a:schemeClr val="accent3"/>
-                  </a:solidFill>
-                  <a:latin typeface="Anaheim"/>
-                  <a:ea typeface="Anaheim"/>
-                  <a:cs typeface="Anaheim"/>
-                  <a:sym typeface="Anaheim"/>
-                </a:defRPr>
-              </a:lvl1pPr>
-              <a:lvl2pPr marL="914400" marR="0" lvl="1" indent="-304800" algn="ctr" rtl="0">
-                <a:lnSpc>
-                  <a:spcPct val="100000"/>
-                </a:lnSpc>
-                <a:spcBef>
-                  <a:spcPts val="0"/>
-                </a:spcBef>
-                <a:spcAft>
-                  <a:spcPts val="0"/>
-                </a:spcAft>
-                <a:buClr>
-                  <a:schemeClr val="accent3"/>
-                </a:buClr>
-                <a:buSzPts val="1400"/>
-                <a:buFont typeface="Josefin Slab SemiBold"/>
-                <a:buAutoNum type="alphaLcPeriod"/>
-                <a:defRPr sz="1400" b="0" i="0" u="none" strike="noStrike" cap="none">
-                  <a:solidFill>
-                    <a:schemeClr val="accent3"/>
-                  </a:solidFill>
-                  <a:latin typeface="Josefin Slab"/>
-                  <a:ea typeface="Josefin Slab"/>
-                  <a:cs typeface="Josefin Slab"/>
-                  <a:sym typeface="Josefin Slab"/>
-                </a:defRPr>
-              </a:lvl2pPr>
-              <a:lvl3pPr marL="1371600" marR="0" lvl="2" indent="-304800" algn="ctr" rtl="0">
-                <a:lnSpc>
-                  <a:spcPct val="100000"/>
-                </a:lnSpc>
-                <a:spcBef>
-                  <a:spcPts val="0"/>
-                </a:spcBef>
-                <a:spcAft>
-                  <a:spcPts val="0"/>
-                </a:spcAft>
-                <a:buClr>
-                  <a:schemeClr val="accent3"/>
-                </a:buClr>
-                <a:buSzPts val="1400"/>
-                <a:buFont typeface="Josefin Slab SemiBold"/>
-                <a:buAutoNum type="romanLcPeriod"/>
-                <a:defRPr sz="1400" b="0" i="0" u="none" strike="noStrike" cap="none">
-                  <a:solidFill>
-                    <a:schemeClr val="accent3"/>
-                  </a:solidFill>
-                  <a:latin typeface="Josefin Slab"/>
-                  <a:ea typeface="Josefin Slab"/>
-                  <a:cs typeface="Josefin Slab"/>
-                  <a:sym typeface="Josefin Slab"/>
-                </a:defRPr>
-              </a:lvl3pPr>
-              <a:lvl4pPr marL="1828800" marR="0" lvl="3" indent="-304800" algn="ctr" rtl="0">
-                <a:lnSpc>
-                  <a:spcPct val="100000"/>
-                </a:lnSpc>
-                <a:spcBef>
-                  <a:spcPts val="0"/>
-                </a:spcBef>
-                <a:spcAft>
-                  <a:spcPts val="0"/>
-                </a:spcAft>
-                <a:buClr>
-                  <a:schemeClr val="accent3"/>
-                </a:buClr>
-                <a:buSzPts val="1400"/>
-                <a:buFont typeface="Josefin Slab SemiBold"/>
-                <a:buAutoNum type="arabicPeriod"/>
-                <a:defRPr sz="1400" b="0" i="0" u="none" strike="noStrike" cap="none">
-                  <a:solidFill>
-                    <a:schemeClr val="accent3"/>
-                  </a:solidFill>
-                  <a:latin typeface="Josefin Slab"/>
-                  <a:ea typeface="Josefin Slab"/>
-                  <a:cs typeface="Josefin Slab"/>
-                  <a:sym typeface="Josefin Slab"/>
-                </a:defRPr>
-              </a:lvl4pPr>
-              <a:lvl5pPr marL="2286000" marR="0" lvl="4" indent="-304800" algn="ctr" rtl="0">
-                <a:lnSpc>
-                  <a:spcPct val="100000"/>
-                </a:lnSpc>
-                <a:spcBef>
-                  <a:spcPts val="0"/>
-                </a:spcBef>
-                <a:spcAft>
-                  <a:spcPts val="0"/>
-                </a:spcAft>
-                <a:buClr>
-                  <a:schemeClr val="accent3"/>
-                </a:buClr>
-                <a:buSzPts val="1400"/>
-                <a:buFont typeface="Josefin Slab SemiBold"/>
-                <a:buAutoNum type="alphaLcPeriod"/>
-                <a:defRPr sz="1400" b="0" i="0" u="none" strike="noStrike" cap="none">
-                  <a:solidFill>
-                    <a:schemeClr val="accent3"/>
-                  </a:solidFill>
-                  <a:latin typeface="Josefin Slab"/>
-                  <a:ea typeface="Josefin Slab"/>
-                  <a:cs typeface="Josefin Slab"/>
-                  <a:sym typeface="Josefin Slab"/>
-                </a:defRPr>
-              </a:lvl5pPr>
-              <a:lvl6pPr marL="2743200" marR="0" lvl="5" indent="-304800" algn="ctr" rtl="0">
-                <a:lnSpc>
-                  <a:spcPct val="100000"/>
-                </a:lnSpc>
-                <a:spcBef>
-                  <a:spcPts val="0"/>
-                </a:spcBef>
-                <a:spcAft>
-                  <a:spcPts val="0"/>
-                </a:spcAft>
-                <a:buClr>
-                  <a:schemeClr val="accent3"/>
-                </a:buClr>
-                <a:buSzPts val="1400"/>
-                <a:buFont typeface="Josefin Slab SemiBold"/>
-                <a:buAutoNum type="romanLcPeriod"/>
-                <a:defRPr sz="1400" b="0" i="0" u="none" strike="noStrike" cap="none">
-                  <a:solidFill>
-                    <a:schemeClr val="accent3"/>
-                  </a:solidFill>
-                  <a:latin typeface="Josefin Slab"/>
-                  <a:ea typeface="Josefin Slab"/>
-                  <a:cs typeface="Josefin Slab"/>
-                  <a:sym typeface="Josefin Slab"/>
-                </a:defRPr>
-              </a:lvl6pPr>
-              <a:lvl7pPr marL="3200400" marR="0" lvl="6" indent="-304800" algn="ctr" rtl="0">
-                <a:lnSpc>
-                  <a:spcPct val="100000"/>
-                </a:lnSpc>
-                <a:spcBef>
-                  <a:spcPts val="0"/>
-                </a:spcBef>
-                <a:spcAft>
-                  <a:spcPts val="0"/>
-                </a:spcAft>
-                <a:buClr>
-                  <a:schemeClr val="accent3"/>
-                </a:buClr>
-                <a:buSzPts val="1400"/>
-                <a:buFont typeface="Josefin Slab SemiBold"/>
-                <a:buAutoNum type="arabicPeriod"/>
-                <a:defRPr sz="1400" b="0" i="0" u="none" strike="noStrike" cap="none">
-                  <a:solidFill>
-                    <a:schemeClr val="accent3"/>
-                  </a:solidFill>
-                  <a:latin typeface="Josefin Slab"/>
-                  <a:ea typeface="Josefin Slab"/>
-                  <a:cs typeface="Josefin Slab"/>
-                  <a:sym typeface="Josefin Slab"/>
-                </a:defRPr>
-              </a:lvl7pPr>
-              <a:lvl8pPr marL="3657600" marR="0" lvl="7" indent="-304800" algn="ctr" rtl="0">
-                <a:lnSpc>
-                  <a:spcPct val="100000"/>
-                </a:lnSpc>
-                <a:spcBef>
-                  <a:spcPts val="0"/>
-                </a:spcBef>
-                <a:spcAft>
-                  <a:spcPts val="0"/>
-                </a:spcAft>
-                <a:buClr>
-                  <a:schemeClr val="accent3"/>
-                </a:buClr>
-                <a:buSzPts val="1400"/>
-                <a:buFont typeface="Josefin Slab SemiBold"/>
-                <a:buAutoNum type="alphaLcPeriod"/>
-                <a:defRPr sz="1400" b="0" i="0" u="none" strike="noStrike" cap="none">
-                  <a:solidFill>
-                    <a:schemeClr val="accent3"/>
-                  </a:solidFill>
-                  <a:latin typeface="Josefin Slab"/>
-                  <a:ea typeface="Josefin Slab"/>
-                  <a:cs typeface="Josefin Slab"/>
-                  <a:sym typeface="Josefin Slab"/>
-                </a:defRPr>
-              </a:lvl8pPr>
-              <a:lvl9pPr marL="4114800" marR="0" lvl="8" indent="-304800" algn="ctr" rtl="0">
-                <a:lnSpc>
-                  <a:spcPct val="100000"/>
-                </a:lnSpc>
-                <a:spcBef>
-                  <a:spcPts val="0"/>
-                </a:spcBef>
-                <a:spcAft>
-                  <a:spcPts val="0"/>
-                </a:spcAft>
-                <a:buClr>
-                  <a:schemeClr val="accent3"/>
-                </a:buClr>
-                <a:buSzPts val="1400"/>
-                <a:buFont typeface="Josefin Slab SemiBold"/>
-                <a:buAutoNum type="romanLcPeriod"/>
-                <a:defRPr sz="1400" b="0" i="0" u="none" strike="noStrike" cap="none">
-                  <a:solidFill>
-                    <a:schemeClr val="accent3"/>
-                  </a:solidFill>
-                  <a:latin typeface="Josefin Slab"/>
-                  <a:ea typeface="Josefin Slab"/>
-                  <a:cs typeface="Josefin Slab"/>
-                  <a:sym typeface="Josefin Slab"/>
-                </a:defRPr>
-              </a:lvl9pPr>
-            </a:lstStyle>
-            <a:p>
-              <a:pPr marL="152400" indent="0" algn="just">
-                <a:buFont typeface="Josefin Slab"/>
-                <a:buNone/>
-              </a:pPr>
-              <a:r>
-                <a:rPr lang="es-CO" sz="1050" dirty="0">
-                  <a:solidFill>
-                    <a:schemeClr val="accent6">
-                      <a:lumMod val="90000"/>
-                    </a:schemeClr>
-                  </a:solidFill>
-                  <a:latin typeface="Abadi" panose="020B0604020104020204" pitchFamily="34" charset="0"/>
-                </a:rPr>
-                <a:t>Tomado de: </a:t>
-              </a:r>
-            </a:p>
-          </p:txBody>
-        </p:sp>
-      </p:grpSp>
-      <p:pic>
-        <p:nvPicPr>
-          <p:cNvPr id="14" name="Imagen 13">
-            <a:extLst>
-              <a:ext uri="{FF2B5EF4-FFF2-40B4-BE49-F238E27FC236}">
-                <a16:creationId xmlns:a16="http://schemas.microsoft.com/office/drawing/2014/main" id="{9B91810B-D64D-4196-AE2B-FF321C15C484}"/>
+                <a16:creationId xmlns:a16="http://schemas.microsoft.com/office/drawing/2014/main" id="{B0A588CB-7314-4AF1-9A88-F941ED566C2B}"/>
               </a:ext>
             </a:extLst>
           </p:cNvPr>
@@ -9823,514 +8034,915 @@
           <p:nvPr/>
         </p:nvPicPr>
         <p:blipFill>
-          <a:blip r:embed="rId5"/>
+          <a:blip r:embed="rId4"/>
           <a:stretch>
             <a:fillRect/>
           </a:stretch>
         </p:blipFill>
         <p:spPr>
           <a:xfrm>
-            <a:off x="440010" y="1458044"/>
-            <a:ext cx="2285246" cy="2099839"/>
+            <a:off x="543997" y="1551146"/>
+            <a:ext cx="3455592" cy="2930064"/>
           </a:xfrm>
           <a:prstGeom prst="rect">
             <a:avLst/>
           </a:prstGeom>
         </p:spPr>
       </p:pic>
-      <mc:AlternateContent xmlns:mc="http://schemas.openxmlformats.org/markup-compatibility/2006" xmlns:a14="http://schemas.microsoft.com/office/drawing/2010/main">
-        <mc:Choice Requires="a14">
-          <p:sp>
-            <p:nvSpPr>
-              <p:cNvPr id="3" name="CuadroTexto 2">
-                <a:extLst>
-                  <a:ext uri="{FF2B5EF4-FFF2-40B4-BE49-F238E27FC236}">
-                    <a16:creationId xmlns:a16="http://schemas.microsoft.com/office/drawing/2014/main" id="{4BCE4190-9B63-43E7-A7A5-88C9FF331FDB}"/>
-                  </a:ext>
-                </a:extLst>
-              </p:cNvPr>
-              <p:cNvSpPr txBox="1"/>
-              <p:nvPr/>
-            </p:nvSpPr>
-            <p:spPr>
-              <a:xfrm>
-                <a:off x="5295458" y="1638404"/>
-                <a:ext cx="715260" cy="215444"/>
-              </a:xfrm>
-              <a:prstGeom prst="rect">
-                <a:avLst/>
-              </a:prstGeom>
-              <a:noFill/>
-            </p:spPr>
-            <p:txBody>
-              <a:bodyPr wrap="none" lIns="0" tIns="0" rIns="0" bIns="0" rtlCol="0">
-                <a:spAutoFit/>
-              </a:bodyPr>
-              <a:lstStyle/>
-              <a:p>
-                <a:pPr/>
-                <a14:m>
-                  <m:oMathPara xmlns:m="http://schemas.openxmlformats.org/officeDocument/2006/math">
-                    <m:oMathParaPr>
-                      <m:jc m:val="centerGroup"/>
-                    </m:oMathParaPr>
-                    <m:oMath xmlns:m="http://schemas.openxmlformats.org/officeDocument/2006/math">
-                      <m:r>
-                        <a:rPr lang="es-ES" b="0" i="1" smtClean="0">
-                          <a:latin typeface="Cambria Math" panose="02040503050406030204" pitchFamily="18" charset="0"/>
-                        </a:rPr>
-                        <m:t>𝑑𝑝</m:t>
-                      </m:r>
-                      <m:d>
-                        <m:dPr>
-                          <m:ctrlPr>
-                            <a:rPr lang="es-ES" b="0" i="1" smtClean="0">
-                              <a:latin typeface="Cambria Math" panose="02040503050406030204" pitchFamily="18" charset="0"/>
-                            </a:rPr>
-                          </m:ctrlPr>
-                        </m:dPr>
-                        <m:e>
-                          <m:r>
-                            <a:rPr lang="es-ES" b="0" i="1" smtClean="0">
-                              <a:latin typeface="Cambria Math" panose="02040503050406030204" pitchFamily="18" charset="0"/>
-                            </a:rPr>
-                            <m:t>𝑛</m:t>
-                          </m:r>
-                          <m:r>
-                            <a:rPr lang="es-ES" b="0" i="1" smtClean="0">
-                              <a:latin typeface="Cambria Math" panose="02040503050406030204" pitchFamily="18" charset="0"/>
-                            </a:rPr>
-                            <m:t>,</m:t>
-                          </m:r>
-                          <m:r>
-                            <a:rPr lang="es-ES" b="0" i="1" smtClean="0">
-                              <a:latin typeface="Cambria Math" panose="02040503050406030204" pitchFamily="18" charset="0"/>
-                            </a:rPr>
-                            <m:t>𝑤</m:t>
-                          </m:r>
-                        </m:e>
-                      </m:d>
-                    </m:oMath>
-                  </m:oMathPara>
-                </a14:m>
-                <a:endParaRPr lang="es-CO" dirty="0"/>
-              </a:p>
-            </p:txBody>
-          </p:sp>
-        </mc:Choice>
-        <mc:Fallback xmlns="">
-          <p:sp>
-            <p:nvSpPr>
-              <p:cNvPr id="3" name="CuadroTexto 2">
-                <a:extLst>
-                  <a:ext uri="{FF2B5EF4-FFF2-40B4-BE49-F238E27FC236}">
-                    <a16:creationId xmlns:a16="http://schemas.microsoft.com/office/drawing/2014/main" id="{4BCE4190-9B63-43E7-A7A5-88C9FF331FDB}"/>
-                  </a:ext>
-                </a:extLst>
-              </p:cNvPr>
-              <p:cNvSpPr txBox="1">
-                <a:spLocks noRot="1" noChangeAspect="1" noMove="1" noResize="1" noEditPoints="1" noAdjustHandles="1" noChangeArrowheads="1" noChangeShapeType="1" noTextEdit="1"/>
-              </p:cNvSpPr>
-              <p:nvPr/>
-            </p:nvSpPr>
-            <p:spPr>
-              <a:xfrm>
-                <a:off x="5295458" y="1638404"/>
-                <a:ext cx="715260" cy="215444"/>
-              </a:xfrm>
-              <a:prstGeom prst="rect">
-                <a:avLst/>
-              </a:prstGeom>
-              <a:blipFill>
-                <a:blip r:embed="rId6"/>
-                <a:stretch>
-                  <a:fillRect l="-7692" b="-34286"/>
-                </a:stretch>
-              </a:blipFill>
-            </p:spPr>
-            <p:txBody>
-              <a:bodyPr/>
-              <a:lstStyle/>
-              <a:p>
-                <a:r>
-                  <a:rPr lang="es-CO">
-                    <a:noFill/>
-                  </a:rPr>
-                  <a:t> </a:t>
-                </a:r>
-              </a:p>
-            </p:txBody>
-          </p:sp>
-        </mc:Fallback>
-      </mc:AlternateContent>
-      <mc:AlternateContent xmlns:mc="http://schemas.openxmlformats.org/markup-compatibility/2006" xmlns:a14="http://schemas.microsoft.com/office/drawing/2010/main">
-        <mc:Choice Requires="a14">
-          <p:sp>
-            <p:nvSpPr>
-              <p:cNvPr id="13" name="CuadroTexto 12">
-                <a:extLst>
-                  <a:ext uri="{FF2B5EF4-FFF2-40B4-BE49-F238E27FC236}">
-                    <a16:creationId xmlns:a16="http://schemas.microsoft.com/office/drawing/2014/main" id="{E6805A36-6A3F-4AE9-90A2-CA08CCEF48A9}"/>
-                  </a:ext>
-                </a:extLst>
-              </p:cNvPr>
-              <p:cNvSpPr txBox="1"/>
-              <p:nvPr/>
-            </p:nvSpPr>
-            <p:spPr>
-              <a:xfrm>
-                <a:off x="3677424" y="2228607"/>
-                <a:ext cx="1029064" cy="215444"/>
-              </a:xfrm>
-              <a:prstGeom prst="rect">
-                <a:avLst/>
-              </a:prstGeom>
-              <a:noFill/>
-            </p:spPr>
-            <p:txBody>
-              <a:bodyPr wrap="none" lIns="0" tIns="0" rIns="0" bIns="0" rtlCol="0">
-                <a:spAutoFit/>
-              </a:bodyPr>
-              <a:lstStyle/>
-              <a:p>
-                <a:pPr/>
-                <a14:m>
-                  <m:oMathPara xmlns:m="http://schemas.openxmlformats.org/officeDocument/2006/math">
-                    <m:oMathParaPr>
-                      <m:jc m:val="centerGroup"/>
-                    </m:oMathParaPr>
-                    <m:oMath xmlns:m="http://schemas.openxmlformats.org/officeDocument/2006/math">
-                      <m:r>
-                        <a:rPr lang="es-ES" b="0" i="1" smtClean="0">
-                          <a:latin typeface="Cambria Math" panose="02040503050406030204" pitchFamily="18" charset="0"/>
-                        </a:rPr>
-                        <m:t>𝑑𝑝</m:t>
-                      </m:r>
-                      <m:d>
-                        <m:dPr>
-                          <m:ctrlPr>
-                            <a:rPr lang="es-ES" b="0" i="1" smtClean="0">
-                              <a:latin typeface="Cambria Math" panose="02040503050406030204" pitchFamily="18" charset="0"/>
-                            </a:rPr>
-                          </m:ctrlPr>
-                        </m:dPr>
-                        <m:e>
-                          <m:r>
-                            <a:rPr lang="es-ES" b="0" i="1" smtClean="0">
-                              <a:latin typeface="Cambria Math" panose="02040503050406030204" pitchFamily="18" charset="0"/>
-                            </a:rPr>
-                            <m:t>𝑛</m:t>
-                          </m:r>
-                          <m:r>
-                            <a:rPr lang="es-ES" b="0" i="1" smtClean="0">
-                              <a:latin typeface="Cambria Math" panose="02040503050406030204" pitchFamily="18" charset="0"/>
-                            </a:rPr>
-                            <m:t>−1,</m:t>
-                          </m:r>
-                          <m:r>
-                            <a:rPr lang="es-ES" b="0" i="1" smtClean="0">
-                              <a:latin typeface="Cambria Math" panose="02040503050406030204" pitchFamily="18" charset="0"/>
-                            </a:rPr>
-                            <m:t>𝑤</m:t>
-                          </m:r>
-                        </m:e>
-                      </m:d>
-                    </m:oMath>
-                  </m:oMathPara>
-                </a14:m>
-                <a:endParaRPr lang="es-CO" dirty="0"/>
-              </a:p>
-            </p:txBody>
-          </p:sp>
-        </mc:Choice>
-        <mc:Fallback xmlns="">
-          <p:sp>
-            <p:nvSpPr>
-              <p:cNvPr id="13" name="CuadroTexto 12">
-                <a:extLst>
-                  <a:ext uri="{FF2B5EF4-FFF2-40B4-BE49-F238E27FC236}">
-                    <a16:creationId xmlns:a16="http://schemas.microsoft.com/office/drawing/2014/main" id="{E6805A36-6A3F-4AE9-90A2-CA08CCEF48A9}"/>
-                  </a:ext>
-                </a:extLst>
-              </p:cNvPr>
-              <p:cNvSpPr txBox="1">
-                <a:spLocks noRot="1" noChangeAspect="1" noMove="1" noResize="1" noEditPoints="1" noAdjustHandles="1" noChangeArrowheads="1" noChangeShapeType="1" noTextEdit="1"/>
-              </p:cNvSpPr>
-              <p:nvPr/>
-            </p:nvSpPr>
-            <p:spPr>
-              <a:xfrm>
-                <a:off x="3677424" y="2228607"/>
-                <a:ext cx="1029064" cy="215444"/>
-              </a:xfrm>
-              <a:prstGeom prst="rect">
-                <a:avLst/>
-              </a:prstGeom>
-              <a:blipFill>
-                <a:blip r:embed="rId7"/>
-                <a:stretch>
-                  <a:fillRect l="-4734" b="-34286"/>
-                </a:stretch>
-              </a:blipFill>
-            </p:spPr>
-            <p:txBody>
-              <a:bodyPr/>
-              <a:lstStyle/>
-              <a:p>
-                <a:r>
-                  <a:rPr lang="es-CO">
-                    <a:noFill/>
-                  </a:rPr>
-                  <a:t> </a:t>
-                </a:r>
-              </a:p>
-            </p:txBody>
-          </p:sp>
-        </mc:Fallback>
-      </mc:AlternateContent>
-      <mc:AlternateContent xmlns:mc="http://schemas.openxmlformats.org/markup-compatibility/2006" xmlns:a14="http://schemas.microsoft.com/office/drawing/2010/main">
-        <mc:Choice Requires="a14">
-          <p:sp>
-            <p:nvSpPr>
-              <p:cNvPr id="15" name="CuadroTexto 14">
-                <a:extLst>
-                  <a:ext uri="{FF2B5EF4-FFF2-40B4-BE49-F238E27FC236}">
-                    <a16:creationId xmlns:a16="http://schemas.microsoft.com/office/drawing/2014/main" id="{C4567120-0C43-48A2-8D44-1FC364512AB0}"/>
-                  </a:ext>
-                </a:extLst>
-              </p:cNvPr>
-              <p:cNvSpPr txBox="1"/>
-              <p:nvPr/>
-            </p:nvSpPr>
-            <p:spPr>
-              <a:xfrm>
-                <a:off x="6436837" y="2228607"/>
-                <a:ext cx="1482201" cy="215444"/>
-              </a:xfrm>
-              <a:prstGeom prst="rect">
-                <a:avLst/>
-              </a:prstGeom>
-              <a:noFill/>
-            </p:spPr>
-            <p:txBody>
-              <a:bodyPr wrap="none" lIns="0" tIns="0" rIns="0" bIns="0" rtlCol="0">
-                <a:spAutoFit/>
-              </a:bodyPr>
-              <a:lstStyle/>
-              <a:p>
-                <a:pPr/>
-                <a14:m>
-                  <m:oMathPara xmlns:m="http://schemas.openxmlformats.org/officeDocument/2006/math">
-                    <m:oMathParaPr>
-                      <m:jc m:val="centerGroup"/>
-                    </m:oMathParaPr>
-                    <m:oMath xmlns:m="http://schemas.openxmlformats.org/officeDocument/2006/math">
-                      <m:r>
-                        <a:rPr lang="es-ES" b="0" i="1" smtClean="0">
-                          <a:latin typeface="Cambria Math" panose="02040503050406030204" pitchFamily="18" charset="0"/>
-                        </a:rPr>
-                        <m:t>𝑑𝑝</m:t>
-                      </m:r>
-                      <m:d>
-                        <m:dPr>
-                          <m:ctrlPr>
-                            <a:rPr lang="es-ES" b="0" i="1" smtClean="0">
-                              <a:latin typeface="Cambria Math" panose="02040503050406030204" pitchFamily="18" charset="0"/>
-                            </a:rPr>
-                          </m:ctrlPr>
-                        </m:dPr>
-                        <m:e>
-                          <m:r>
-                            <a:rPr lang="es-ES" b="0" i="1" smtClean="0">
-                              <a:latin typeface="Cambria Math" panose="02040503050406030204" pitchFamily="18" charset="0"/>
-                            </a:rPr>
-                            <m:t>𝑛</m:t>
-                          </m:r>
-                          <m:r>
-                            <a:rPr lang="es-ES" b="0" i="1" smtClean="0">
-                              <a:latin typeface="Cambria Math" panose="02040503050406030204" pitchFamily="18" charset="0"/>
-                            </a:rPr>
-                            <m:t>−1,</m:t>
-                          </m:r>
-                          <m:r>
-                            <a:rPr lang="es-ES" b="0" i="1" smtClean="0">
-                              <a:latin typeface="Cambria Math" panose="02040503050406030204" pitchFamily="18" charset="0"/>
-                            </a:rPr>
-                            <m:t>𝑤</m:t>
-                          </m:r>
-                          <m:r>
-                            <a:rPr lang="es-ES" b="0" i="1" smtClean="0">
-                              <a:latin typeface="Cambria Math" panose="02040503050406030204" pitchFamily="18" charset="0"/>
-                            </a:rPr>
-                            <m:t>−</m:t>
-                          </m:r>
-                          <m:r>
-                            <a:rPr lang="es-ES" b="0" i="1" smtClean="0">
-                              <a:latin typeface="Cambria Math" panose="02040503050406030204" pitchFamily="18" charset="0"/>
-                            </a:rPr>
-                            <m:t>𝑤𝑛</m:t>
-                          </m:r>
-                        </m:e>
-                      </m:d>
-                    </m:oMath>
-                  </m:oMathPara>
-                </a14:m>
-                <a:endParaRPr lang="es-CO" dirty="0"/>
-              </a:p>
-            </p:txBody>
-          </p:sp>
-        </mc:Choice>
-        <mc:Fallback xmlns="">
-          <p:sp>
-            <p:nvSpPr>
-              <p:cNvPr id="15" name="CuadroTexto 14">
-                <a:extLst>
-                  <a:ext uri="{FF2B5EF4-FFF2-40B4-BE49-F238E27FC236}">
-                    <a16:creationId xmlns:a16="http://schemas.microsoft.com/office/drawing/2014/main" id="{C4567120-0C43-48A2-8D44-1FC364512AB0}"/>
-                  </a:ext>
-                </a:extLst>
-              </p:cNvPr>
-              <p:cNvSpPr txBox="1">
-                <a:spLocks noRot="1" noChangeAspect="1" noMove="1" noResize="1" noEditPoints="1" noAdjustHandles="1" noChangeArrowheads="1" noChangeShapeType="1" noTextEdit="1"/>
-              </p:cNvSpPr>
-              <p:nvPr/>
-            </p:nvSpPr>
-            <p:spPr>
-              <a:xfrm>
-                <a:off x="6436837" y="2228607"/>
-                <a:ext cx="1482201" cy="215444"/>
-              </a:xfrm>
-              <a:prstGeom prst="rect">
-                <a:avLst/>
-              </a:prstGeom>
-              <a:blipFill>
-                <a:blip r:embed="rId8"/>
-                <a:stretch>
-                  <a:fillRect l="-3704" b="-34286"/>
-                </a:stretch>
-              </a:blipFill>
-            </p:spPr>
-            <p:txBody>
-              <a:bodyPr/>
-              <a:lstStyle/>
-              <a:p>
-                <a:r>
-                  <a:rPr lang="es-CO">
-                    <a:noFill/>
-                  </a:rPr>
-                  <a:t> </a:t>
-                </a:r>
-              </a:p>
-            </p:txBody>
-          </p:sp>
-        </mc:Fallback>
-      </mc:AlternateContent>
-      <mc:AlternateContent xmlns:mc="http://schemas.openxmlformats.org/markup-compatibility/2006" xmlns:p14="http://schemas.microsoft.com/office/powerpoint/2010/main">
-        <mc:Choice Requires="p14">
-          <p:contentPart p14:bwMode="auto" r:id="rId9">
-            <p14:nvContentPartPr>
-              <p14:cNvPr id="17" name="Entrada de lápiz 16">
-                <a:extLst>
-                  <a:ext uri="{FF2B5EF4-FFF2-40B4-BE49-F238E27FC236}">
-                    <a16:creationId xmlns:a16="http://schemas.microsoft.com/office/drawing/2014/main" id="{C8957A01-9210-4911-A504-A0FC0019E8BB}"/>
-                  </a:ext>
-                </a:extLst>
-              </p14:cNvPr>
-              <p14:cNvContentPartPr/>
-              <p14:nvPr/>
-            </p14:nvContentPartPr>
-            <p14:xfrm>
-              <a:off x="5989357" y="1822284"/>
-              <a:ext cx="447480" cy="447480"/>
-            </p14:xfrm>
-          </p:contentPart>
-        </mc:Choice>
-        <mc:Fallback xmlns="">
-          <p:pic>
-            <p:nvPicPr>
-              <p:cNvPr id="17" name="Entrada de lápiz 16">
-                <a:extLst>
-                  <a:ext uri="{FF2B5EF4-FFF2-40B4-BE49-F238E27FC236}">
-                    <a16:creationId xmlns:a16="http://schemas.microsoft.com/office/drawing/2014/main" id="{C8957A01-9210-4911-A504-A0FC0019E8BB}"/>
-                  </a:ext>
-                </a:extLst>
-              </p:cNvPr>
-              <p:cNvPicPr/>
-              <p:nvPr/>
-            </p:nvPicPr>
-            <p:blipFill>
-              <a:blip r:embed="rId10"/>
-              <a:stretch>
-                <a:fillRect/>
-              </a:stretch>
-            </p:blipFill>
-            <p:spPr>
-              <a:xfrm>
-                <a:off x="5980717" y="1813644"/>
-                <a:ext cx="465120" cy="465120"/>
-              </a:xfrm>
-              <a:prstGeom prst="rect">
-                <a:avLst/>
-              </a:prstGeom>
-            </p:spPr>
-          </p:pic>
-        </mc:Fallback>
-      </mc:AlternateContent>
-      <mc:AlternateContent xmlns:mc="http://schemas.openxmlformats.org/markup-compatibility/2006" xmlns:p14="http://schemas.microsoft.com/office/powerpoint/2010/main">
-        <mc:Choice Requires="p14">
-          <p:contentPart p14:bwMode="auto" r:id="rId11">
-            <p14:nvContentPartPr>
-              <p14:cNvPr id="18" name="Entrada de lápiz 17">
-                <a:extLst>
-                  <a:ext uri="{FF2B5EF4-FFF2-40B4-BE49-F238E27FC236}">
-                    <a16:creationId xmlns:a16="http://schemas.microsoft.com/office/drawing/2014/main" id="{4887C5CF-562C-4C44-814F-74B134A0F401}"/>
-                  </a:ext>
-                </a:extLst>
-              </p14:cNvPr>
-              <p14:cNvContentPartPr/>
-              <p14:nvPr/>
-            </p14:nvContentPartPr>
-            <p14:xfrm rot="5770663">
-              <a:off x="4776368" y="1822284"/>
-              <a:ext cx="447480" cy="447480"/>
-            </p14:xfrm>
-          </p:contentPart>
-        </mc:Choice>
-        <mc:Fallback xmlns="">
-          <p:pic>
-            <p:nvPicPr>
-              <p:cNvPr id="18" name="Entrada de lápiz 17">
-                <a:extLst>
-                  <a:ext uri="{FF2B5EF4-FFF2-40B4-BE49-F238E27FC236}">
-                    <a16:creationId xmlns:a16="http://schemas.microsoft.com/office/drawing/2014/main" id="{4887C5CF-562C-4C44-814F-74B134A0F401}"/>
-                  </a:ext>
-                </a:extLst>
-              </p:cNvPr>
-              <p:cNvPicPr/>
-              <p:nvPr/>
-            </p:nvPicPr>
-            <p:blipFill>
-              <a:blip r:embed="rId10"/>
-              <a:stretch>
-                <a:fillRect/>
-              </a:stretch>
-            </p:blipFill>
-            <p:spPr>
-              <a:xfrm rot="5770663">
-                <a:off x="4767728" y="1813644"/>
-                <a:ext cx="465120" cy="465120"/>
-              </a:xfrm>
-              <a:prstGeom prst="rect">
-                <a:avLst/>
-              </a:prstGeom>
-            </p:spPr>
-          </p:pic>
-        </mc:Fallback>
-      </mc:AlternateContent>
     </p:spTree>
     <p:extLst>
       <p:ext uri="{BB962C8B-B14F-4D97-AF65-F5344CB8AC3E}">
-        <p14:creationId xmlns:p14="http://schemas.microsoft.com/office/powerpoint/2010/main" val="1075772588"/>
+        <p14:creationId xmlns:p14="http://schemas.microsoft.com/office/powerpoint/2010/main" val="4074200399"/>
+      </p:ext>
+    </p:extLst>
+  </p:cSld>
+  <p:clrMapOvr>
+    <a:masterClrMapping/>
+  </p:clrMapOvr>
+</p:sld>
+</file>
+
+<file path=ppt/slides/slide7.xml><?xml version="1.0" encoding="utf-8"?>
+<p:sld xmlns:a="http://schemas.openxmlformats.org/drawingml/2006/main" xmlns:r="http://schemas.openxmlformats.org/officeDocument/2006/relationships" xmlns:p="http://schemas.openxmlformats.org/presentationml/2006/main">
+  <p:cSld>
+    <p:spTree>
+      <p:nvGrpSpPr>
+        <p:cNvPr id="1" name=""/>
+        <p:cNvGrpSpPr/>
+        <p:nvPr/>
+      </p:nvGrpSpPr>
+      <p:grpSpPr>
+        <a:xfrm>
+          <a:off x="0" y="0"/>
+          <a:ext cx="0" cy="0"/>
+          <a:chOff x="0" y="0"/>
+          <a:chExt cx="0" cy="0"/>
+        </a:xfrm>
+      </p:grpSpPr>
+      <p:sp>
+        <p:nvSpPr>
+          <p:cNvPr id="2" name="Subtítulo 1">
+            <a:extLst>
+              <a:ext uri="{FF2B5EF4-FFF2-40B4-BE49-F238E27FC236}">
+                <a16:creationId xmlns:a16="http://schemas.microsoft.com/office/drawing/2014/main" id="{29A75048-B2F8-4A8B-9645-CF6D9A7AE10B}"/>
+              </a:ext>
+            </a:extLst>
+          </p:cNvPr>
+          <p:cNvSpPr>
+            <a:spLocks noGrp="1"/>
+          </p:cNvSpPr>
+          <p:nvPr>
+            <p:ph type="subTitle" idx="1"/>
+          </p:nvPr>
+        </p:nvSpPr>
+        <p:spPr>
+          <a:xfrm flipH="1">
+            <a:off x="4008219" y="2630916"/>
+            <a:ext cx="4840506" cy="845102"/>
+          </a:xfrm>
+        </p:spPr>
+        <p:txBody>
+          <a:bodyPr/>
+          <a:lstStyle/>
+          <a:p>
+            <a:pPr marL="152400" indent="0" algn="just">
+              <a:buNone/>
+            </a:pPr>
+            <a:r>
+              <a:rPr lang="es-CO" sz="1200" dirty="0">
+                <a:latin typeface="Abadi" panose="020B0604020104020204" pitchFamily="34" charset="0"/>
+              </a:rPr>
+              <a:t>La suma de dos vectores se halla sumando las x con las x y las y con la y </a:t>
+            </a:r>
+          </a:p>
+          <a:p>
+            <a:pPr marL="152400" indent="0" algn="just">
+              <a:buNone/>
+            </a:pPr>
+            <a:endParaRPr lang="es-CO" sz="1200" dirty="0">
+              <a:latin typeface="Abadi" panose="020B0604020104020204" pitchFamily="34" charset="0"/>
+            </a:endParaRPr>
+          </a:p>
+        </p:txBody>
+      </p:sp>
+      <p:pic>
+        <p:nvPicPr>
+          <p:cNvPr id="4" name="Picture 4" descr="Símbolos Universitarios – Universidad de Nariño">
+            <a:extLst>
+              <a:ext uri="{FF2B5EF4-FFF2-40B4-BE49-F238E27FC236}">
+                <a16:creationId xmlns:a16="http://schemas.microsoft.com/office/drawing/2014/main" id="{0B2EA667-CB57-4DF8-BB35-E9AFDF367C2B}"/>
+              </a:ext>
+            </a:extLst>
+          </p:cNvPr>
+          <p:cNvPicPr>
+            <a:picLocks noChangeAspect="1" noChangeArrowheads="1"/>
+          </p:cNvPicPr>
+          <p:nvPr/>
+        </p:nvPicPr>
+        <p:blipFill>
+          <a:blip r:embed="rId2">
+            <a:extLst>
+              <a:ext uri="{28A0092B-C50C-407E-A947-70E740481C1C}">
+                <a14:useLocalDpi xmlns:a14="http://schemas.microsoft.com/office/drawing/2010/main" val="0"/>
+              </a:ext>
+            </a:extLst>
+          </a:blip>
+          <a:srcRect/>
+          <a:stretch>
+            <a:fillRect/>
+          </a:stretch>
+        </p:blipFill>
+        <p:spPr bwMode="auto">
+          <a:xfrm>
+            <a:off x="261990" y="192093"/>
+            <a:ext cx="660961" cy="660961"/>
+          </a:xfrm>
+          <a:prstGeom prst="rect">
+            <a:avLst/>
+          </a:prstGeom>
+          <a:noFill/>
+          <a:extLst>
+            <a:ext uri="{909E8E84-426E-40DD-AFC4-6F175D3DCCD1}">
+              <a14:hiddenFill xmlns:a14="http://schemas.microsoft.com/office/drawing/2010/main">
+                <a:solidFill>
+                  <a:srgbClr val="FFFFFF"/>
+                </a:solidFill>
+              </a14:hiddenFill>
+            </a:ext>
+          </a:extLst>
+        </p:spPr>
+      </p:pic>
+      <p:pic>
+        <p:nvPicPr>
+          <p:cNvPr id="5" name="Imagen 4">
+            <a:extLst>
+              <a:ext uri="{FF2B5EF4-FFF2-40B4-BE49-F238E27FC236}">
+                <a16:creationId xmlns:a16="http://schemas.microsoft.com/office/drawing/2014/main" id="{1B46FA37-FA47-4459-8828-383FB697E3AF}"/>
+              </a:ext>
+            </a:extLst>
+          </p:cNvPr>
+          <p:cNvPicPr>
+            <a:picLocks noChangeAspect="1"/>
+          </p:cNvPicPr>
+          <p:nvPr/>
+        </p:nvPicPr>
+        <p:blipFill rotWithShape="1">
+          <a:blip r:embed="rId3"/>
+          <a:srcRect l="53279" t="4713" r="5319"/>
+          <a:stretch/>
+        </p:blipFill>
+        <p:spPr>
+          <a:xfrm>
+            <a:off x="1071372" y="144121"/>
+            <a:ext cx="918577" cy="804385"/>
+          </a:xfrm>
+          <a:prstGeom prst="ellipse">
+            <a:avLst/>
+          </a:prstGeom>
+          <a:ln>
+            <a:noFill/>
+          </a:ln>
+          <a:effectLst>
+            <a:softEdge rad="112500"/>
+          </a:effectLst>
+        </p:spPr>
+      </p:pic>
+      <p:sp>
+        <p:nvSpPr>
+          <p:cNvPr id="6" name="Rectángulo 5">
+            <a:extLst>
+              <a:ext uri="{FF2B5EF4-FFF2-40B4-BE49-F238E27FC236}">
+                <a16:creationId xmlns:a16="http://schemas.microsoft.com/office/drawing/2014/main" id="{EC2D0E56-7D0C-40D0-8E56-B8801C98D13A}"/>
+              </a:ext>
+            </a:extLst>
+          </p:cNvPr>
+          <p:cNvSpPr/>
+          <p:nvPr/>
+        </p:nvSpPr>
+        <p:spPr>
+          <a:xfrm>
+            <a:off x="477806" y="1446180"/>
+            <a:ext cx="3521783" cy="3035030"/>
+          </a:xfrm>
+          <a:prstGeom prst="rect">
+            <a:avLst/>
+          </a:prstGeom>
+          <a:solidFill>
+            <a:srgbClr val="FFFFFF"/>
+          </a:solidFill>
+          <a:ln>
+            <a:solidFill>
+              <a:srgbClr val="BAF7C9"/>
+            </a:solidFill>
+          </a:ln>
+        </p:spPr>
+        <p:style>
+          <a:lnRef idx="2">
+            <a:schemeClr val="accent1">
+              <a:shade val="50000"/>
+            </a:schemeClr>
+          </a:lnRef>
+          <a:fillRef idx="1">
+            <a:schemeClr val="accent1"/>
+          </a:fillRef>
+          <a:effectRef idx="0">
+            <a:schemeClr val="accent1"/>
+          </a:effectRef>
+          <a:fontRef idx="minor">
+            <a:schemeClr val="lt1"/>
+          </a:fontRef>
+        </p:style>
+        <p:txBody>
+          <a:bodyPr rtlCol="0" anchor="ctr"/>
+          <a:lstStyle/>
+          <a:p>
+            <a:pPr algn="ctr"/>
+            <a:endParaRPr lang="es-CO"/>
+          </a:p>
+        </p:txBody>
+      </p:sp>
+      <p:sp>
+        <p:nvSpPr>
+          <p:cNvPr id="10" name="Título 2">
+            <a:extLst>
+              <a:ext uri="{FF2B5EF4-FFF2-40B4-BE49-F238E27FC236}">
+                <a16:creationId xmlns:a16="http://schemas.microsoft.com/office/drawing/2014/main" id="{4B4F06C2-20E6-40C1-BAD4-30FB77130CD3}"/>
+              </a:ext>
+            </a:extLst>
+          </p:cNvPr>
+          <p:cNvSpPr>
+            <a:spLocks noGrp="1"/>
+          </p:cNvSpPr>
+          <p:nvPr>
+            <p:ph type="ctrTitle"/>
+          </p:nvPr>
+        </p:nvSpPr>
+        <p:spPr>
+          <a:xfrm>
+            <a:off x="5653088" y="371475"/>
+            <a:ext cx="3195637" cy="481013"/>
+          </a:xfrm>
+        </p:spPr>
+        <p:txBody>
+          <a:bodyPr/>
+          <a:lstStyle/>
+          <a:p>
+            <a:r>
+              <a:rPr lang="es-CO" dirty="0"/>
+              <a:t>Suma de vectores</a:t>
+            </a:r>
+          </a:p>
+        </p:txBody>
+      </p:sp>
+      <p:pic>
+        <p:nvPicPr>
+          <p:cNvPr id="7" name="Imagen 6" descr="Diagrama, Dibujo de ingeniería&#10;&#10;Descripción generada automáticamente">
+            <a:extLst>
+              <a:ext uri="{FF2B5EF4-FFF2-40B4-BE49-F238E27FC236}">
+                <a16:creationId xmlns:a16="http://schemas.microsoft.com/office/drawing/2014/main" id="{684AF25A-9001-4CBF-AC1C-748FBF1ACD1B}"/>
+              </a:ext>
+            </a:extLst>
+          </p:cNvPr>
+          <p:cNvPicPr>
+            <a:picLocks noChangeAspect="1"/>
+          </p:cNvPicPr>
+          <p:nvPr/>
+        </p:nvPicPr>
+        <p:blipFill>
+          <a:blip r:embed="rId4"/>
+          <a:stretch>
+            <a:fillRect/>
+          </a:stretch>
+        </p:blipFill>
+        <p:spPr>
+          <a:xfrm>
+            <a:off x="538634" y="1541632"/>
+            <a:ext cx="3460955" cy="2939578"/>
+          </a:xfrm>
+          <a:prstGeom prst="rect">
+            <a:avLst/>
+          </a:prstGeom>
+        </p:spPr>
+      </p:pic>
+    </p:spTree>
+    <p:extLst>
+      <p:ext uri="{BB962C8B-B14F-4D97-AF65-F5344CB8AC3E}">
+        <p14:creationId xmlns:p14="http://schemas.microsoft.com/office/powerpoint/2010/main" val="2968394723"/>
+      </p:ext>
+    </p:extLst>
+  </p:cSld>
+  <p:clrMapOvr>
+    <a:masterClrMapping/>
+  </p:clrMapOvr>
+</p:sld>
+</file>
+
+<file path=ppt/slides/slide8.xml><?xml version="1.0" encoding="utf-8"?>
+<p:sld xmlns:a="http://schemas.openxmlformats.org/drawingml/2006/main" xmlns:r="http://schemas.openxmlformats.org/officeDocument/2006/relationships" xmlns:p="http://schemas.openxmlformats.org/presentationml/2006/main">
+  <p:cSld>
+    <p:spTree>
+      <p:nvGrpSpPr>
+        <p:cNvPr id="1" name=""/>
+        <p:cNvGrpSpPr/>
+        <p:nvPr/>
+      </p:nvGrpSpPr>
+      <p:grpSpPr>
+        <a:xfrm>
+          <a:off x="0" y="0"/>
+          <a:ext cx="0" cy="0"/>
+          <a:chOff x="0" y="0"/>
+          <a:chExt cx="0" cy="0"/>
+        </a:xfrm>
+      </p:grpSpPr>
+      <p:sp>
+        <p:nvSpPr>
+          <p:cNvPr id="2" name="Subtítulo 1">
+            <a:extLst>
+              <a:ext uri="{FF2B5EF4-FFF2-40B4-BE49-F238E27FC236}">
+                <a16:creationId xmlns:a16="http://schemas.microsoft.com/office/drawing/2014/main" id="{29A75048-B2F8-4A8B-9645-CF6D9A7AE10B}"/>
+              </a:ext>
+            </a:extLst>
+          </p:cNvPr>
+          <p:cNvSpPr>
+            <a:spLocks noGrp="1"/>
+          </p:cNvSpPr>
+          <p:nvPr>
+            <p:ph type="subTitle" idx="1"/>
+          </p:nvPr>
+        </p:nvSpPr>
+        <p:spPr>
+          <a:xfrm flipH="1">
+            <a:off x="4008219" y="2630916"/>
+            <a:ext cx="4840506" cy="845102"/>
+          </a:xfrm>
+        </p:spPr>
+        <p:txBody>
+          <a:bodyPr/>
+          <a:lstStyle/>
+          <a:p>
+            <a:pPr marL="152400" indent="0" algn="just">
+              <a:buNone/>
+            </a:pPr>
+            <a:r>
+              <a:rPr lang="es-ES" sz="1200" dirty="0">
+                <a:latin typeface="Abadi" panose="020B0604020104020204" pitchFamily="34" charset="0"/>
+              </a:rPr>
+              <a:t>Saber si un punto esta a la derecha o la izquierda de una recta o esta dentro de la recta</a:t>
+            </a:r>
+          </a:p>
+          <a:p>
+            <a:pPr marL="152400" indent="0" algn="just">
+              <a:buNone/>
+            </a:pPr>
+            <a:r>
+              <a:rPr lang="es-ES" sz="1200" dirty="0">
+                <a:latin typeface="Abadi" panose="020B0604020104020204" pitchFamily="34" charset="0"/>
+              </a:rPr>
+              <a:t>El producto punto se pude escribir también como sin (Θ)|a| |b|</a:t>
+            </a:r>
+          </a:p>
+          <a:p>
+            <a:pPr marL="152400" indent="0" algn="just">
+              <a:buNone/>
+            </a:pPr>
+            <a:r>
+              <a:rPr lang="es-ES" sz="1200" dirty="0">
+                <a:latin typeface="Abadi" panose="020B0604020104020204" pitchFamily="34" charset="0"/>
+              </a:rPr>
+              <a:t>Si el punto esta a la izquierda el seno del </a:t>
+            </a:r>
+            <a:r>
+              <a:rPr lang="es-ES" sz="1200" dirty="0" err="1">
+                <a:latin typeface="Abadi" panose="020B0604020104020204" pitchFamily="34" charset="0"/>
+              </a:rPr>
+              <a:t>angulo</a:t>
+            </a:r>
+            <a:r>
+              <a:rPr lang="es-ES" sz="1200" dirty="0">
+                <a:latin typeface="Abadi" panose="020B0604020104020204" pitchFamily="34" charset="0"/>
+              </a:rPr>
+              <a:t> </a:t>
+            </a:r>
+            <a:r>
+              <a:rPr lang="es-ES" sz="1200" dirty="0" err="1">
+                <a:latin typeface="Abadi" panose="020B0604020104020204" pitchFamily="34" charset="0"/>
+              </a:rPr>
+              <a:t>sera</a:t>
+            </a:r>
+            <a:r>
+              <a:rPr lang="es-ES" sz="1200" dirty="0">
+                <a:latin typeface="Abadi" panose="020B0604020104020204" pitchFamily="34" charset="0"/>
+              </a:rPr>
+              <a:t> positivo, si esta a la derecha </a:t>
+            </a:r>
+            <a:r>
+              <a:rPr lang="es-ES" sz="1200" dirty="0" err="1">
+                <a:latin typeface="Abadi" panose="020B0604020104020204" pitchFamily="34" charset="0"/>
+              </a:rPr>
+              <a:t>sera</a:t>
+            </a:r>
+            <a:r>
+              <a:rPr lang="es-ES" sz="1200" dirty="0">
+                <a:latin typeface="Abadi" panose="020B0604020104020204" pitchFamily="34" charset="0"/>
+              </a:rPr>
+              <a:t> negativo</a:t>
+            </a:r>
+          </a:p>
+          <a:p>
+            <a:pPr marL="152400" indent="0" algn="just">
+              <a:buNone/>
+            </a:pPr>
+            <a:r>
+              <a:rPr lang="es-ES" sz="1200" dirty="0">
+                <a:latin typeface="Abadi" panose="020B0604020104020204" pitchFamily="34" charset="0"/>
+              </a:rPr>
+              <a:t>y si es lineal </a:t>
+            </a:r>
+            <a:r>
+              <a:rPr lang="es-ES" sz="1200" dirty="0" err="1">
+                <a:latin typeface="Abadi" panose="020B0604020104020204" pitchFamily="34" charset="0"/>
+              </a:rPr>
+              <a:t>sera</a:t>
+            </a:r>
+            <a:r>
+              <a:rPr lang="es-ES" sz="1200" dirty="0">
+                <a:latin typeface="Abadi" panose="020B0604020104020204" pitchFamily="34" charset="0"/>
+              </a:rPr>
+              <a:t> 0.</a:t>
+            </a:r>
+          </a:p>
+          <a:p>
+            <a:pPr marL="152400" indent="0" algn="just">
+              <a:buNone/>
+            </a:pPr>
+            <a:endParaRPr lang="es-CO" sz="1200" dirty="0">
+              <a:latin typeface="Abadi" panose="020B0604020104020204" pitchFamily="34" charset="0"/>
+            </a:endParaRPr>
+          </a:p>
+        </p:txBody>
+      </p:sp>
+      <p:pic>
+        <p:nvPicPr>
+          <p:cNvPr id="4" name="Picture 4" descr="Símbolos Universitarios – Universidad de Nariño">
+            <a:extLst>
+              <a:ext uri="{FF2B5EF4-FFF2-40B4-BE49-F238E27FC236}">
+                <a16:creationId xmlns:a16="http://schemas.microsoft.com/office/drawing/2014/main" id="{0B2EA667-CB57-4DF8-BB35-E9AFDF367C2B}"/>
+              </a:ext>
+            </a:extLst>
+          </p:cNvPr>
+          <p:cNvPicPr>
+            <a:picLocks noChangeAspect="1" noChangeArrowheads="1"/>
+          </p:cNvPicPr>
+          <p:nvPr/>
+        </p:nvPicPr>
+        <p:blipFill>
+          <a:blip r:embed="rId2">
+            <a:extLst>
+              <a:ext uri="{28A0092B-C50C-407E-A947-70E740481C1C}">
+                <a14:useLocalDpi xmlns:a14="http://schemas.microsoft.com/office/drawing/2010/main" val="0"/>
+              </a:ext>
+            </a:extLst>
+          </a:blip>
+          <a:srcRect/>
+          <a:stretch>
+            <a:fillRect/>
+          </a:stretch>
+        </p:blipFill>
+        <p:spPr bwMode="auto">
+          <a:xfrm>
+            <a:off x="261990" y="192093"/>
+            <a:ext cx="660961" cy="660961"/>
+          </a:xfrm>
+          <a:prstGeom prst="rect">
+            <a:avLst/>
+          </a:prstGeom>
+          <a:noFill/>
+          <a:extLst>
+            <a:ext uri="{909E8E84-426E-40DD-AFC4-6F175D3DCCD1}">
+              <a14:hiddenFill xmlns:a14="http://schemas.microsoft.com/office/drawing/2010/main">
+                <a:solidFill>
+                  <a:srgbClr val="FFFFFF"/>
+                </a:solidFill>
+              </a14:hiddenFill>
+            </a:ext>
+          </a:extLst>
+        </p:spPr>
+      </p:pic>
+      <p:pic>
+        <p:nvPicPr>
+          <p:cNvPr id="5" name="Imagen 4">
+            <a:extLst>
+              <a:ext uri="{FF2B5EF4-FFF2-40B4-BE49-F238E27FC236}">
+                <a16:creationId xmlns:a16="http://schemas.microsoft.com/office/drawing/2014/main" id="{1B46FA37-FA47-4459-8828-383FB697E3AF}"/>
+              </a:ext>
+            </a:extLst>
+          </p:cNvPr>
+          <p:cNvPicPr>
+            <a:picLocks noChangeAspect="1"/>
+          </p:cNvPicPr>
+          <p:nvPr/>
+        </p:nvPicPr>
+        <p:blipFill rotWithShape="1">
+          <a:blip r:embed="rId3"/>
+          <a:srcRect l="53279" t="4713" r="5319"/>
+          <a:stretch/>
+        </p:blipFill>
+        <p:spPr>
+          <a:xfrm>
+            <a:off x="1071372" y="144121"/>
+            <a:ext cx="918577" cy="804385"/>
+          </a:xfrm>
+          <a:prstGeom prst="ellipse">
+            <a:avLst/>
+          </a:prstGeom>
+          <a:ln>
+            <a:noFill/>
+          </a:ln>
+          <a:effectLst>
+            <a:softEdge rad="112500"/>
+          </a:effectLst>
+        </p:spPr>
+      </p:pic>
+      <p:sp>
+        <p:nvSpPr>
+          <p:cNvPr id="6" name="Rectángulo 5">
+            <a:extLst>
+              <a:ext uri="{FF2B5EF4-FFF2-40B4-BE49-F238E27FC236}">
+                <a16:creationId xmlns:a16="http://schemas.microsoft.com/office/drawing/2014/main" id="{EC2D0E56-7D0C-40D0-8E56-B8801C98D13A}"/>
+              </a:ext>
+            </a:extLst>
+          </p:cNvPr>
+          <p:cNvSpPr/>
+          <p:nvPr/>
+        </p:nvSpPr>
+        <p:spPr>
+          <a:xfrm>
+            <a:off x="477806" y="1446180"/>
+            <a:ext cx="3403841" cy="3035030"/>
+          </a:xfrm>
+          <a:prstGeom prst="rect">
+            <a:avLst/>
+          </a:prstGeom>
+          <a:solidFill>
+            <a:srgbClr val="FFFFFF"/>
+          </a:solidFill>
+          <a:ln>
+            <a:solidFill>
+              <a:srgbClr val="BAF7C9"/>
+            </a:solidFill>
+          </a:ln>
+        </p:spPr>
+        <p:style>
+          <a:lnRef idx="2">
+            <a:schemeClr val="accent1">
+              <a:shade val="50000"/>
+            </a:schemeClr>
+          </a:lnRef>
+          <a:fillRef idx="1">
+            <a:schemeClr val="accent1"/>
+          </a:fillRef>
+          <a:effectRef idx="0">
+            <a:schemeClr val="accent1"/>
+          </a:effectRef>
+          <a:fontRef idx="minor">
+            <a:schemeClr val="lt1"/>
+          </a:fontRef>
+        </p:style>
+        <p:txBody>
+          <a:bodyPr rtlCol="0" anchor="ctr"/>
+          <a:lstStyle/>
+          <a:p>
+            <a:pPr algn="ctr"/>
+            <a:endParaRPr lang="es-CO"/>
+          </a:p>
+        </p:txBody>
+      </p:sp>
+      <p:sp>
+        <p:nvSpPr>
+          <p:cNvPr id="10" name="Título 2">
+            <a:extLst>
+              <a:ext uri="{FF2B5EF4-FFF2-40B4-BE49-F238E27FC236}">
+                <a16:creationId xmlns:a16="http://schemas.microsoft.com/office/drawing/2014/main" id="{4B4F06C2-20E6-40C1-BAD4-30FB77130CD3}"/>
+              </a:ext>
+            </a:extLst>
+          </p:cNvPr>
+          <p:cNvSpPr>
+            <a:spLocks noGrp="1"/>
+          </p:cNvSpPr>
+          <p:nvPr>
+            <p:ph type="ctrTitle"/>
+          </p:nvPr>
+        </p:nvSpPr>
+        <p:spPr>
+          <a:xfrm>
+            <a:off x="5686373" y="372041"/>
+            <a:ext cx="3195637" cy="481013"/>
+          </a:xfrm>
+        </p:spPr>
+        <p:txBody>
+          <a:bodyPr/>
+          <a:lstStyle/>
+          <a:p>
+            <a:r>
+              <a:rPr lang="es-CO" dirty="0" err="1"/>
+              <a:t>ccw</a:t>
+            </a:r>
+            <a:endParaRPr lang="es-CO" dirty="0"/>
+          </a:p>
+        </p:txBody>
+      </p:sp>
+      <p:pic>
+        <p:nvPicPr>
+          <p:cNvPr id="8" name="Imagen 7" descr="Diagrama, Dibujo de ingeniería&#10;&#10;Descripción generada automáticamente">
+            <a:extLst>
+              <a:ext uri="{FF2B5EF4-FFF2-40B4-BE49-F238E27FC236}">
+                <a16:creationId xmlns:a16="http://schemas.microsoft.com/office/drawing/2014/main" id="{30368DD5-48DD-4427-AA51-F3F0402567CB}"/>
+              </a:ext>
+            </a:extLst>
+          </p:cNvPr>
+          <p:cNvPicPr>
+            <a:picLocks noChangeAspect="1"/>
+          </p:cNvPicPr>
+          <p:nvPr/>
+        </p:nvPicPr>
+        <p:blipFill>
+          <a:blip r:embed="rId4"/>
+          <a:stretch>
+            <a:fillRect/>
+          </a:stretch>
+        </p:blipFill>
+        <p:spPr>
+          <a:xfrm>
+            <a:off x="536775" y="1446180"/>
+            <a:ext cx="3285901" cy="3035030"/>
+          </a:xfrm>
+          <a:prstGeom prst="rect">
+            <a:avLst/>
+          </a:prstGeom>
+        </p:spPr>
+      </p:pic>
+    </p:spTree>
+    <p:extLst>
+      <p:ext uri="{BB962C8B-B14F-4D97-AF65-F5344CB8AC3E}">
+        <p14:creationId xmlns:p14="http://schemas.microsoft.com/office/powerpoint/2010/main" val="1259777678"/>
+      </p:ext>
+    </p:extLst>
+  </p:cSld>
+  <p:clrMapOvr>
+    <a:masterClrMapping/>
+  </p:clrMapOvr>
+</p:sld>
+</file>
+
+<file path=ppt/slides/slide9.xml><?xml version="1.0" encoding="utf-8"?>
+<p:sld xmlns:a="http://schemas.openxmlformats.org/drawingml/2006/main" xmlns:r="http://schemas.openxmlformats.org/officeDocument/2006/relationships" xmlns:p="http://schemas.openxmlformats.org/presentationml/2006/main">
+  <p:cSld>
+    <p:spTree>
+      <p:nvGrpSpPr>
+        <p:cNvPr id="1" name=""/>
+        <p:cNvGrpSpPr/>
+        <p:nvPr/>
+      </p:nvGrpSpPr>
+      <p:grpSpPr>
+        <a:xfrm>
+          <a:off x="0" y="0"/>
+          <a:ext cx="0" cy="0"/>
+          <a:chOff x="0" y="0"/>
+          <a:chExt cx="0" cy="0"/>
+        </a:xfrm>
+      </p:grpSpPr>
+      <p:pic>
+        <p:nvPicPr>
+          <p:cNvPr id="4" name="Picture 4" descr="Símbolos Universitarios – Universidad de Nariño">
+            <a:extLst>
+              <a:ext uri="{FF2B5EF4-FFF2-40B4-BE49-F238E27FC236}">
+                <a16:creationId xmlns:a16="http://schemas.microsoft.com/office/drawing/2014/main" id="{0B2EA667-CB57-4DF8-BB35-E9AFDF367C2B}"/>
+              </a:ext>
+            </a:extLst>
+          </p:cNvPr>
+          <p:cNvPicPr>
+            <a:picLocks noChangeAspect="1" noChangeArrowheads="1"/>
+          </p:cNvPicPr>
+          <p:nvPr/>
+        </p:nvPicPr>
+        <p:blipFill>
+          <a:blip r:embed="rId2">
+            <a:extLst>
+              <a:ext uri="{28A0092B-C50C-407E-A947-70E740481C1C}">
+                <a14:useLocalDpi xmlns:a14="http://schemas.microsoft.com/office/drawing/2010/main" val="0"/>
+              </a:ext>
+            </a:extLst>
+          </a:blip>
+          <a:srcRect/>
+          <a:stretch>
+            <a:fillRect/>
+          </a:stretch>
+        </p:blipFill>
+        <p:spPr bwMode="auto">
+          <a:xfrm>
+            <a:off x="261990" y="192093"/>
+            <a:ext cx="660961" cy="660961"/>
+          </a:xfrm>
+          <a:prstGeom prst="rect">
+            <a:avLst/>
+          </a:prstGeom>
+          <a:noFill/>
+          <a:extLst>
+            <a:ext uri="{909E8E84-426E-40DD-AFC4-6F175D3DCCD1}">
+              <a14:hiddenFill xmlns:a14="http://schemas.microsoft.com/office/drawing/2010/main">
+                <a:solidFill>
+                  <a:srgbClr val="FFFFFF"/>
+                </a:solidFill>
+              </a14:hiddenFill>
+            </a:ext>
+          </a:extLst>
+        </p:spPr>
+      </p:pic>
+      <p:pic>
+        <p:nvPicPr>
+          <p:cNvPr id="5" name="Imagen 4">
+            <a:extLst>
+              <a:ext uri="{FF2B5EF4-FFF2-40B4-BE49-F238E27FC236}">
+                <a16:creationId xmlns:a16="http://schemas.microsoft.com/office/drawing/2014/main" id="{1B46FA37-FA47-4459-8828-383FB697E3AF}"/>
+              </a:ext>
+            </a:extLst>
+          </p:cNvPr>
+          <p:cNvPicPr>
+            <a:picLocks noChangeAspect="1"/>
+          </p:cNvPicPr>
+          <p:nvPr/>
+        </p:nvPicPr>
+        <p:blipFill rotWithShape="1">
+          <a:blip r:embed="rId3"/>
+          <a:srcRect l="53279" t="4713" r="5319"/>
+          <a:stretch/>
+        </p:blipFill>
+        <p:spPr>
+          <a:xfrm>
+            <a:off x="1071372" y="144121"/>
+            <a:ext cx="918577" cy="804385"/>
+          </a:xfrm>
+          <a:prstGeom prst="ellipse">
+            <a:avLst/>
+          </a:prstGeom>
+          <a:ln>
+            <a:noFill/>
+          </a:ln>
+          <a:effectLst>
+            <a:softEdge rad="112500"/>
+          </a:effectLst>
+        </p:spPr>
+      </p:pic>
+      <p:sp>
+        <p:nvSpPr>
+          <p:cNvPr id="6" name="Rectángulo 5">
+            <a:extLst>
+              <a:ext uri="{FF2B5EF4-FFF2-40B4-BE49-F238E27FC236}">
+                <a16:creationId xmlns:a16="http://schemas.microsoft.com/office/drawing/2014/main" id="{EC2D0E56-7D0C-40D0-8E56-B8801C98D13A}"/>
+              </a:ext>
+            </a:extLst>
+          </p:cNvPr>
+          <p:cNvSpPr/>
+          <p:nvPr/>
+        </p:nvSpPr>
+        <p:spPr>
+          <a:xfrm>
+            <a:off x="477806" y="1457325"/>
+            <a:ext cx="3403841" cy="2995613"/>
+          </a:xfrm>
+          <a:prstGeom prst="rect">
+            <a:avLst/>
+          </a:prstGeom>
+          <a:solidFill>
+            <a:srgbClr val="FFFFFF"/>
+          </a:solidFill>
+          <a:ln>
+            <a:solidFill>
+              <a:srgbClr val="BAF7C9"/>
+            </a:solidFill>
+          </a:ln>
+        </p:spPr>
+        <p:style>
+          <a:lnRef idx="2">
+            <a:schemeClr val="accent1">
+              <a:shade val="50000"/>
+            </a:schemeClr>
+          </a:lnRef>
+          <a:fillRef idx="1">
+            <a:schemeClr val="accent1"/>
+          </a:fillRef>
+          <a:effectRef idx="0">
+            <a:schemeClr val="accent1"/>
+          </a:effectRef>
+          <a:fontRef idx="minor">
+            <a:schemeClr val="lt1"/>
+          </a:fontRef>
+        </p:style>
+        <p:txBody>
+          <a:bodyPr rtlCol="0" anchor="ctr"/>
+          <a:lstStyle/>
+          <a:p>
+            <a:pPr algn="ctr"/>
+            <a:endParaRPr lang="es-CO"/>
+          </a:p>
+        </p:txBody>
+      </p:sp>
+      <p:sp>
+        <p:nvSpPr>
+          <p:cNvPr id="10" name="Título 2">
+            <a:extLst>
+              <a:ext uri="{FF2B5EF4-FFF2-40B4-BE49-F238E27FC236}">
+                <a16:creationId xmlns:a16="http://schemas.microsoft.com/office/drawing/2014/main" id="{4B4F06C2-20E6-40C1-BAD4-30FB77130CD3}"/>
+              </a:ext>
+            </a:extLst>
+          </p:cNvPr>
+          <p:cNvSpPr>
+            <a:spLocks noGrp="1"/>
+          </p:cNvSpPr>
+          <p:nvPr>
+            <p:ph type="ctrTitle"/>
+          </p:nvPr>
+        </p:nvSpPr>
+        <p:spPr>
+          <a:xfrm>
+            <a:off x="5782628" y="372041"/>
+            <a:ext cx="3195637" cy="481013"/>
+          </a:xfrm>
+        </p:spPr>
+        <p:txBody>
+          <a:bodyPr/>
+          <a:lstStyle/>
+          <a:p>
+            <a:r>
+              <a:rPr lang="es-CO" dirty="0"/>
+              <a:t>Representación de un polígono </a:t>
+            </a:r>
+          </a:p>
+        </p:txBody>
+      </p:sp>
+      <p:pic>
+        <p:nvPicPr>
+          <p:cNvPr id="7" name="Imagen 6" descr="Gráfico&#10;&#10;Descripción generada automáticamente">
+            <a:extLst>
+              <a:ext uri="{FF2B5EF4-FFF2-40B4-BE49-F238E27FC236}">
+                <a16:creationId xmlns:a16="http://schemas.microsoft.com/office/drawing/2014/main" id="{A95600C1-AD35-43D6-A347-8514C8257C43}"/>
+              </a:ext>
+            </a:extLst>
+          </p:cNvPr>
+          <p:cNvPicPr>
+            <a:picLocks noChangeAspect="1"/>
+          </p:cNvPicPr>
+          <p:nvPr/>
+        </p:nvPicPr>
+        <p:blipFill>
+          <a:blip r:embed="rId4"/>
+          <a:stretch>
+            <a:fillRect/>
+          </a:stretch>
+        </p:blipFill>
+        <p:spPr>
+          <a:xfrm>
+            <a:off x="477806" y="1514274"/>
+            <a:ext cx="3412994" cy="2898841"/>
+          </a:xfrm>
+          <a:prstGeom prst="rect">
+            <a:avLst/>
+          </a:prstGeom>
+        </p:spPr>
+      </p:pic>
+      <p:pic>
+        <p:nvPicPr>
+          <p:cNvPr id="8" name="Imagen 7">
+            <a:extLst>
+              <a:ext uri="{FF2B5EF4-FFF2-40B4-BE49-F238E27FC236}">
+                <a16:creationId xmlns:a16="http://schemas.microsoft.com/office/drawing/2014/main" id="{039D48C1-D384-4755-BA95-FFE2260987A6}"/>
+              </a:ext>
+            </a:extLst>
+          </p:cNvPr>
+          <p:cNvPicPr>
+            <a:picLocks noChangeAspect="1"/>
+          </p:cNvPicPr>
+          <p:nvPr/>
+        </p:nvPicPr>
+        <p:blipFill rotWithShape="1">
+          <a:blip r:embed="rId5"/>
+          <a:srcRect r="41560"/>
+          <a:stretch/>
+        </p:blipFill>
+        <p:spPr>
+          <a:xfrm>
+            <a:off x="4160507" y="1957345"/>
+            <a:ext cx="4600872" cy="1751661"/>
+          </a:xfrm>
+          <a:prstGeom prst="rect">
+            <a:avLst/>
+          </a:prstGeom>
+        </p:spPr>
+      </p:pic>
+    </p:spTree>
+    <p:extLst>
+      <p:ext uri="{BB962C8B-B14F-4D97-AF65-F5344CB8AC3E}">
+        <p14:creationId xmlns:p14="http://schemas.microsoft.com/office/powerpoint/2010/main" val="2959928270"/>
       </p:ext>
     </p:extLst>
   </p:cSld>
